--- a/bigdata/images/devops.pptx
+++ b/bigdata/images/devops.pptx
@@ -6,8 +6,8 @@
   </p:sldMasterIdLst>
   <p:sldIdLst>
     <p:sldId id="257" r:id="rId2"/>
-    <p:sldId id="258" r:id="rId3"/>
-    <p:sldId id="259" r:id="rId4"/>
+    <p:sldId id="260" r:id="rId3"/>
+    <p:sldId id="258" r:id="rId4"/>
   </p:sldIdLst>
   <p:sldSz cx="9144000" cy="6858000" type="screen4x3"/>
   <p:notesSz cx="6858000" cy="9144000"/>
@@ -1029,6 +1029,925 @@
 </file>
 
 <file path=ppt/diagrams/colors2.xml><?xml version="1.0" encoding="utf-8"?>
+<dgm:colorsDef xmlns:dgm="http://schemas.openxmlformats.org/drawingml/2006/diagram" xmlns:a="http://schemas.openxmlformats.org/drawingml/2006/main" uniqueId="urn:microsoft.com/office/officeart/2005/8/colors/colorful1">
+  <dgm:title val=""/>
+  <dgm:desc val=""/>
+  <dgm:catLst>
+    <dgm:cat type="colorful" pri="10100"/>
+  </dgm:catLst>
+  <dgm:styleLbl name="node0">
+    <dgm:fillClrLst meth="repeat">
+      <a:schemeClr val="accent1"/>
+    </dgm:fillClrLst>
+    <dgm:linClrLst meth="repeat">
+      <a:schemeClr val="lt1"/>
+    </dgm:linClrLst>
+    <dgm:effectClrLst/>
+    <dgm:txLinClrLst/>
+    <dgm:txFillClrLst/>
+    <dgm:txEffectClrLst/>
+  </dgm:styleLbl>
+  <dgm:styleLbl name="node1">
+    <dgm:fillClrLst meth="repeat">
+      <a:schemeClr val="accent2"/>
+      <a:schemeClr val="accent3"/>
+      <a:schemeClr val="accent4"/>
+      <a:schemeClr val="accent5"/>
+      <a:schemeClr val="accent6"/>
+    </dgm:fillClrLst>
+    <dgm:linClrLst meth="repeat">
+      <a:schemeClr val="lt1"/>
+    </dgm:linClrLst>
+    <dgm:effectClrLst/>
+    <dgm:txLinClrLst/>
+    <dgm:txFillClrLst/>
+    <dgm:txEffectClrLst/>
+  </dgm:styleLbl>
+  <dgm:styleLbl name="alignNode1">
+    <dgm:fillClrLst meth="repeat">
+      <a:schemeClr val="accent2"/>
+      <a:schemeClr val="accent3"/>
+      <a:schemeClr val="accent4"/>
+      <a:schemeClr val="accent5"/>
+      <a:schemeClr val="accent6"/>
+    </dgm:fillClrLst>
+    <dgm:linClrLst meth="repeat">
+      <a:schemeClr val="accent2"/>
+      <a:schemeClr val="accent3"/>
+      <a:schemeClr val="accent4"/>
+      <a:schemeClr val="accent5"/>
+      <a:schemeClr val="accent6"/>
+    </dgm:linClrLst>
+    <dgm:effectClrLst/>
+    <dgm:txLinClrLst/>
+    <dgm:txFillClrLst/>
+    <dgm:txEffectClrLst/>
+  </dgm:styleLbl>
+  <dgm:styleLbl name="lnNode1">
+    <dgm:fillClrLst meth="repeat">
+      <a:schemeClr val="accent2"/>
+      <a:schemeClr val="accent3"/>
+      <a:schemeClr val="accent4"/>
+      <a:schemeClr val="accent5"/>
+      <a:schemeClr val="accent6"/>
+    </dgm:fillClrLst>
+    <dgm:linClrLst meth="repeat">
+      <a:schemeClr val="lt1"/>
+    </dgm:linClrLst>
+    <dgm:effectClrLst/>
+    <dgm:txLinClrLst/>
+    <dgm:txFillClrLst/>
+    <dgm:txEffectClrLst/>
+  </dgm:styleLbl>
+  <dgm:styleLbl name="vennNode1">
+    <dgm:fillClrLst meth="repeat">
+      <a:schemeClr val="accent2">
+        <a:alpha val="50000"/>
+      </a:schemeClr>
+      <a:schemeClr val="accent3">
+        <a:alpha val="50000"/>
+      </a:schemeClr>
+      <a:schemeClr val="accent4">
+        <a:alpha val="50000"/>
+      </a:schemeClr>
+      <a:schemeClr val="accent5">
+        <a:alpha val="50000"/>
+      </a:schemeClr>
+      <a:schemeClr val="accent6">
+        <a:alpha val="50000"/>
+      </a:schemeClr>
+    </dgm:fillClrLst>
+    <dgm:linClrLst meth="repeat">
+      <a:schemeClr val="lt1"/>
+    </dgm:linClrLst>
+    <dgm:effectClrLst/>
+    <dgm:txLinClrLst/>
+    <dgm:txFillClrLst/>
+    <dgm:txEffectClrLst/>
+  </dgm:styleLbl>
+  <dgm:styleLbl name="node2">
+    <dgm:fillClrLst>
+      <a:schemeClr val="accent2"/>
+    </dgm:fillClrLst>
+    <dgm:linClrLst meth="repeat">
+      <a:schemeClr val="lt1"/>
+    </dgm:linClrLst>
+    <dgm:effectClrLst/>
+    <dgm:txLinClrLst/>
+    <dgm:txFillClrLst/>
+    <dgm:txEffectClrLst/>
+  </dgm:styleLbl>
+  <dgm:styleLbl name="node3">
+    <dgm:fillClrLst>
+      <a:schemeClr val="accent3"/>
+    </dgm:fillClrLst>
+    <dgm:linClrLst meth="repeat">
+      <a:schemeClr val="lt1"/>
+    </dgm:linClrLst>
+    <dgm:effectClrLst/>
+    <dgm:txLinClrLst/>
+    <dgm:txFillClrLst/>
+    <dgm:txEffectClrLst/>
+  </dgm:styleLbl>
+  <dgm:styleLbl name="node4">
+    <dgm:fillClrLst>
+      <a:schemeClr val="accent4"/>
+    </dgm:fillClrLst>
+    <dgm:linClrLst meth="repeat">
+      <a:schemeClr val="lt1"/>
+    </dgm:linClrLst>
+    <dgm:effectClrLst/>
+    <dgm:txLinClrLst/>
+    <dgm:txFillClrLst/>
+    <dgm:txEffectClrLst/>
+  </dgm:styleLbl>
+  <dgm:styleLbl name="fgImgPlace1">
+    <dgm:fillClrLst meth="repeat">
+      <a:schemeClr val="accent2">
+        <a:tint val="50000"/>
+      </a:schemeClr>
+      <a:schemeClr val="accent3">
+        <a:tint val="50000"/>
+      </a:schemeClr>
+      <a:schemeClr val="accent4">
+        <a:tint val="50000"/>
+      </a:schemeClr>
+      <a:schemeClr val="accent5">
+        <a:tint val="50000"/>
+      </a:schemeClr>
+      <a:schemeClr val="accent6">
+        <a:tint val="50000"/>
+      </a:schemeClr>
+    </dgm:fillClrLst>
+    <dgm:linClrLst meth="repeat">
+      <a:schemeClr val="lt1"/>
+    </dgm:linClrLst>
+    <dgm:effectClrLst/>
+    <dgm:txLinClrLst/>
+    <dgm:txFillClrLst meth="repeat">
+      <a:schemeClr val="lt1"/>
+    </dgm:txFillClrLst>
+    <dgm:txEffectClrLst/>
+  </dgm:styleLbl>
+  <dgm:styleLbl name="alignImgPlace1">
+    <dgm:fillClrLst>
+      <a:schemeClr val="accent1">
+        <a:tint val="50000"/>
+      </a:schemeClr>
+      <a:schemeClr val="accent2">
+        <a:tint val="20000"/>
+      </a:schemeClr>
+    </dgm:fillClrLst>
+    <dgm:linClrLst meth="repeat">
+      <a:schemeClr val="lt1"/>
+    </dgm:linClrLst>
+    <dgm:effectClrLst/>
+    <dgm:txLinClrLst/>
+    <dgm:txFillClrLst meth="repeat">
+      <a:schemeClr val="lt1"/>
+    </dgm:txFillClrLst>
+    <dgm:txEffectClrLst/>
+  </dgm:styleLbl>
+  <dgm:styleLbl name="bgImgPlace1">
+    <dgm:fillClrLst>
+      <a:schemeClr val="accent1">
+        <a:tint val="50000"/>
+      </a:schemeClr>
+      <a:schemeClr val="accent2">
+        <a:tint val="20000"/>
+      </a:schemeClr>
+    </dgm:fillClrLst>
+    <dgm:linClrLst meth="repeat">
+      <a:schemeClr val="lt1"/>
+    </dgm:linClrLst>
+    <dgm:effectClrLst/>
+    <dgm:txLinClrLst/>
+    <dgm:txFillClrLst meth="repeat">
+      <a:schemeClr val="lt1"/>
+    </dgm:txFillClrLst>
+    <dgm:txEffectClrLst/>
+  </dgm:styleLbl>
+  <dgm:styleLbl name="sibTrans2D1">
+    <dgm:fillClrLst meth="repeat">
+      <a:schemeClr val="accent2"/>
+      <a:schemeClr val="accent3"/>
+      <a:schemeClr val="accent4"/>
+      <a:schemeClr val="accent5"/>
+      <a:schemeClr val="accent6"/>
+    </dgm:fillClrLst>
+    <dgm:linClrLst meth="cycle">
+      <a:schemeClr val="lt1"/>
+    </dgm:linClrLst>
+    <dgm:effectClrLst/>
+    <dgm:txLinClrLst/>
+    <dgm:txFillClrLst/>
+    <dgm:txEffectClrLst/>
+  </dgm:styleLbl>
+  <dgm:styleLbl name="fgSibTrans2D1">
+    <dgm:fillClrLst meth="repeat">
+      <a:schemeClr val="accent2"/>
+      <a:schemeClr val="accent3"/>
+      <a:schemeClr val="accent4"/>
+      <a:schemeClr val="accent5"/>
+      <a:schemeClr val="accent6"/>
+    </dgm:fillClrLst>
+    <dgm:linClrLst meth="cycle">
+      <a:schemeClr val="lt1"/>
+    </dgm:linClrLst>
+    <dgm:effectClrLst/>
+    <dgm:txLinClrLst/>
+    <dgm:txFillClrLst meth="repeat">
+      <a:schemeClr val="lt1"/>
+    </dgm:txFillClrLst>
+    <dgm:txEffectClrLst/>
+  </dgm:styleLbl>
+  <dgm:styleLbl name="bgSibTrans2D1">
+    <dgm:fillClrLst meth="repeat">
+      <a:schemeClr val="accent2"/>
+      <a:schemeClr val="accent3"/>
+      <a:schemeClr val="accent4"/>
+      <a:schemeClr val="accent5"/>
+      <a:schemeClr val="accent6"/>
+    </dgm:fillClrLst>
+    <dgm:linClrLst meth="cycle">
+      <a:schemeClr val="lt1"/>
+    </dgm:linClrLst>
+    <dgm:effectClrLst/>
+    <dgm:txLinClrLst/>
+    <dgm:txFillClrLst meth="repeat">
+      <a:schemeClr val="lt1"/>
+    </dgm:txFillClrLst>
+    <dgm:txEffectClrLst/>
+  </dgm:styleLbl>
+  <dgm:styleLbl name="sibTrans1D1">
+    <dgm:fillClrLst meth="repeat">
+      <a:schemeClr val="accent2"/>
+      <a:schemeClr val="accent3"/>
+      <a:schemeClr val="accent4"/>
+      <a:schemeClr val="accent5"/>
+      <a:schemeClr val="accent6"/>
+    </dgm:fillClrLst>
+    <dgm:linClrLst meth="repeat">
+      <a:schemeClr val="accent2"/>
+      <a:schemeClr val="accent3"/>
+      <a:schemeClr val="accent4"/>
+      <a:schemeClr val="accent5"/>
+      <a:schemeClr val="accent6"/>
+    </dgm:linClrLst>
+    <dgm:effectClrLst/>
+    <dgm:txLinClrLst/>
+    <dgm:txFillClrLst meth="repeat">
+      <a:schemeClr val="tx1"/>
+    </dgm:txFillClrLst>
+    <dgm:txEffectClrLst/>
+  </dgm:styleLbl>
+  <dgm:styleLbl name="callout">
+    <dgm:fillClrLst meth="repeat">
+      <a:schemeClr val="accent2"/>
+    </dgm:fillClrLst>
+    <dgm:linClrLst meth="repeat">
+      <a:schemeClr val="accent2">
+        <a:tint val="50000"/>
+      </a:schemeClr>
+    </dgm:linClrLst>
+    <dgm:effectClrLst/>
+    <dgm:txLinClrLst/>
+    <dgm:txFillClrLst meth="repeat">
+      <a:schemeClr val="tx1"/>
+    </dgm:txFillClrLst>
+    <dgm:txEffectClrLst/>
+  </dgm:styleLbl>
+  <dgm:styleLbl name="asst0">
+    <dgm:fillClrLst meth="repeat">
+      <a:schemeClr val="accent1"/>
+    </dgm:fillClrLst>
+    <dgm:linClrLst meth="repeat">
+      <a:schemeClr val="lt1"/>
+    </dgm:linClrLst>
+    <dgm:effectClrLst/>
+    <dgm:txLinClrLst/>
+    <dgm:txFillClrLst/>
+    <dgm:txEffectClrLst/>
+  </dgm:styleLbl>
+  <dgm:styleLbl name="asst1">
+    <dgm:fillClrLst meth="repeat">
+      <a:schemeClr val="accent2"/>
+    </dgm:fillClrLst>
+    <dgm:linClrLst meth="repeat">
+      <a:schemeClr val="lt1"/>
+    </dgm:linClrLst>
+    <dgm:effectClrLst/>
+    <dgm:txLinClrLst/>
+    <dgm:txFillClrLst/>
+    <dgm:txEffectClrLst/>
+  </dgm:styleLbl>
+  <dgm:styleLbl name="asst2">
+    <dgm:fillClrLst>
+      <a:schemeClr val="accent3"/>
+    </dgm:fillClrLst>
+    <dgm:linClrLst meth="repeat">
+      <a:schemeClr val="lt1"/>
+    </dgm:linClrLst>
+    <dgm:effectClrLst/>
+    <dgm:txLinClrLst/>
+    <dgm:txFillClrLst/>
+    <dgm:txEffectClrLst/>
+  </dgm:styleLbl>
+  <dgm:styleLbl name="asst3">
+    <dgm:fillClrLst>
+      <a:schemeClr val="accent4"/>
+    </dgm:fillClrLst>
+    <dgm:linClrLst meth="repeat">
+      <a:schemeClr val="lt1"/>
+    </dgm:linClrLst>
+    <dgm:effectClrLst/>
+    <dgm:txLinClrLst/>
+    <dgm:txFillClrLst/>
+    <dgm:txEffectClrLst/>
+  </dgm:styleLbl>
+  <dgm:styleLbl name="asst4">
+    <dgm:fillClrLst>
+      <a:schemeClr val="accent5"/>
+    </dgm:fillClrLst>
+    <dgm:linClrLst meth="repeat">
+      <a:schemeClr val="lt1"/>
+    </dgm:linClrLst>
+    <dgm:effectClrLst/>
+    <dgm:txLinClrLst/>
+    <dgm:txFillClrLst/>
+    <dgm:txEffectClrLst/>
+  </dgm:styleLbl>
+  <dgm:styleLbl name="parChTrans2D1">
+    <dgm:fillClrLst meth="repeat">
+      <a:schemeClr val="accent2"/>
+    </dgm:fillClrLst>
+    <dgm:linClrLst meth="repeat">
+      <a:schemeClr val="lt1"/>
+    </dgm:linClrLst>
+    <dgm:effectClrLst/>
+    <dgm:txLinClrLst/>
+    <dgm:txFillClrLst meth="repeat">
+      <a:schemeClr val="lt1"/>
+    </dgm:txFillClrLst>
+    <dgm:txEffectClrLst/>
+  </dgm:styleLbl>
+  <dgm:styleLbl name="parChTrans2D2">
+    <dgm:fillClrLst meth="repeat">
+      <a:schemeClr val="accent3"/>
+    </dgm:fillClrLst>
+    <dgm:linClrLst meth="repeat">
+      <a:schemeClr val="lt1"/>
+    </dgm:linClrLst>
+    <dgm:effectClrLst/>
+    <dgm:txLinClrLst/>
+    <dgm:txFillClrLst/>
+    <dgm:txEffectClrLst/>
+  </dgm:styleLbl>
+  <dgm:styleLbl name="parChTrans2D3">
+    <dgm:fillClrLst meth="repeat">
+      <a:schemeClr val="accent4"/>
+    </dgm:fillClrLst>
+    <dgm:linClrLst meth="repeat">
+      <a:schemeClr val="lt1"/>
+    </dgm:linClrLst>
+    <dgm:effectClrLst/>
+    <dgm:txLinClrLst/>
+    <dgm:txFillClrLst/>
+    <dgm:txEffectClrLst/>
+  </dgm:styleLbl>
+  <dgm:styleLbl name="parChTrans2D4">
+    <dgm:fillClrLst meth="repeat">
+      <a:schemeClr val="accent5"/>
+    </dgm:fillClrLst>
+    <dgm:linClrLst meth="repeat">
+      <a:schemeClr val="lt1"/>
+    </dgm:linClrLst>
+    <dgm:effectClrLst/>
+    <dgm:txLinClrLst/>
+    <dgm:txFillClrLst meth="repeat">
+      <a:schemeClr val="lt1"/>
+    </dgm:txFillClrLst>
+    <dgm:txEffectClrLst/>
+  </dgm:styleLbl>
+  <dgm:styleLbl name="parChTrans1D1">
+    <dgm:fillClrLst meth="repeat">
+      <a:schemeClr val="accent2"/>
+    </dgm:fillClrLst>
+    <dgm:linClrLst meth="repeat">
+      <a:schemeClr val="accent1"/>
+    </dgm:linClrLst>
+    <dgm:effectClrLst/>
+    <dgm:txLinClrLst/>
+    <dgm:txFillClrLst meth="repeat">
+      <a:schemeClr val="tx1"/>
+    </dgm:txFillClrLst>
+    <dgm:txEffectClrLst/>
+  </dgm:styleLbl>
+  <dgm:styleLbl name="parChTrans1D2">
+    <dgm:fillClrLst meth="repeat">
+      <a:schemeClr val="accent3">
+        <a:tint val="90000"/>
+      </a:schemeClr>
+    </dgm:fillClrLst>
+    <dgm:linClrLst meth="repeat">
+      <a:schemeClr val="accent2"/>
+    </dgm:linClrLst>
+    <dgm:effectClrLst/>
+    <dgm:txLinClrLst/>
+    <dgm:txFillClrLst meth="repeat">
+      <a:schemeClr val="tx1"/>
+    </dgm:txFillClrLst>
+    <dgm:txEffectClrLst/>
+  </dgm:styleLbl>
+  <dgm:styleLbl name="parChTrans1D3">
+    <dgm:fillClrLst meth="repeat">
+      <a:schemeClr val="accent4">
+        <a:tint val="70000"/>
+      </a:schemeClr>
+    </dgm:fillClrLst>
+    <dgm:linClrLst meth="repeat">
+      <a:schemeClr val="accent3"/>
+    </dgm:linClrLst>
+    <dgm:effectClrLst/>
+    <dgm:txLinClrLst/>
+    <dgm:txFillClrLst meth="repeat">
+      <a:schemeClr val="tx1"/>
+    </dgm:txFillClrLst>
+    <dgm:txEffectClrLst/>
+  </dgm:styleLbl>
+  <dgm:styleLbl name="parChTrans1D4">
+    <dgm:fillClrLst meth="repeat">
+      <a:schemeClr val="accent5">
+        <a:tint val="50000"/>
+      </a:schemeClr>
+    </dgm:fillClrLst>
+    <dgm:linClrLst meth="repeat">
+      <a:schemeClr val="accent4"/>
+    </dgm:linClrLst>
+    <dgm:effectClrLst/>
+    <dgm:txLinClrLst/>
+    <dgm:txFillClrLst meth="repeat">
+      <a:schemeClr val="tx1"/>
+    </dgm:txFillClrLst>
+    <dgm:txEffectClrLst/>
+  </dgm:styleLbl>
+  <dgm:styleLbl name="fgAcc1">
+    <dgm:fillClrLst meth="repeat">
+      <a:schemeClr val="lt1">
+        <a:alpha val="90000"/>
+      </a:schemeClr>
+    </dgm:fillClrLst>
+    <dgm:linClrLst meth="repeat">
+      <a:schemeClr val="accent2"/>
+      <a:schemeClr val="accent3"/>
+      <a:schemeClr val="accent4"/>
+      <a:schemeClr val="accent5"/>
+      <a:schemeClr val="accent6"/>
+    </dgm:linClrLst>
+    <dgm:effectClrLst/>
+    <dgm:txLinClrLst/>
+    <dgm:txFillClrLst meth="repeat">
+      <a:schemeClr val="dk1"/>
+    </dgm:txFillClrLst>
+    <dgm:txEffectClrLst/>
+  </dgm:styleLbl>
+  <dgm:styleLbl name="conFgAcc1">
+    <dgm:fillClrLst meth="repeat">
+      <a:schemeClr val="lt1">
+        <a:alpha val="90000"/>
+      </a:schemeClr>
+    </dgm:fillClrLst>
+    <dgm:linClrLst meth="repeat">
+      <a:schemeClr val="accent2"/>
+      <a:schemeClr val="accent3"/>
+      <a:schemeClr val="accent4"/>
+      <a:schemeClr val="accent5"/>
+      <a:schemeClr val="accent6"/>
+    </dgm:linClrLst>
+    <dgm:effectClrLst/>
+    <dgm:txLinClrLst/>
+    <dgm:txFillClrLst meth="repeat">
+      <a:schemeClr val="dk1"/>
+    </dgm:txFillClrLst>
+    <dgm:txEffectClrLst/>
+  </dgm:styleLbl>
+  <dgm:styleLbl name="alignAcc1">
+    <dgm:fillClrLst meth="repeat">
+      <a:schemeClr val="lt1">
+        <a:alpha val="90000"/>
+      </a:schemeClr>
+    </dgm:fillClrLst>
+    <dgm:linClrLst meth="repeat">
+      <a:schemeClr val="accent2"/>
+      <a:schemeClr val="accent3"/>
+      <a:schemeClr val="accent4"/>
+      <a:schemeClr val="accent5"/>
+      <a:schemeClr val="accent6"/>
+    </dgm:linClrLst>
+    <dgm:effectClrLst/>
+    <dgm:txLinClrLst/>
+    <dgm:txFillClrLst meth="repeat">
+      <a:schemeClr val="dk1"/>
+    </dgm:txFillClrLst>
+    <dgm:txEffectClrLst/>
+  </dgm:styleLbl>
+  <dgm:styleLbl name="trAlignAcc1">
+    <dgm:fillClrLst meth="repeat">
+      <a:schemeClr val="lt1">
+        <a:alpha val="40000"/>
+      </a:schemeClr>
+    </dgm:fillClrLst>
+    <dgm:linClrLst meth="repeat">
+      <a:schemeClr val="accent1"/>
+    </dgm:linClrLst>
+    <dgm:effectClrLst/>
+    <dgm:txLinClrLst/>
+    <dgm:txFillClrLst meth="repeat">
+      <a:schemeClr val="dk1"/>
+    </dgm:txFillClrLst>
+    <dgm:txEffectClrLst/>
+  </dgm:styleLbl>
+  <dgm:styleLbl name="bgAcc1">
+    <dgm:fillClrLst meth="repeat">
+      <a:schemeClr val="lt1">
+        <a:alpha val="90000"/>
+      </a:schemeClr>
+    </dgm:fillClrLst>
+    <dgm:linClrLst meth="repeat">
+      <a:schemeClr val="accent2"/>
+      <a:schemeClr val="accent3"/>
+      <a:schemeClr val="accent4"/>
+      <a:schemeClr val="accent5"/>
+      <a:schemeClr val="accent6"/>
+    </dgm:linClrLst>
+    <dgm:effectClrLst/>
+    <dgm:txLinClrLst/>
+    <dgm:txFillClrLst meth="repeat">
+      <a:schemeClr val="dk1"/>
+    </dgm:txFillClrLst>
+    <dgm:txEffectClrLst/>
+  </dgm:styleLbl>
+  <dgm:styleLbl name="solidFgAcc1">
+    <dgm:fillClrLst meth="repeat">
+      <a:schemeClr val="lt1"/>
+    </dgm:fillClrLst>
+    <dgm:linClrLst meth="repeat">
+      <a:schemeClr val="accent2"/>
+      <a:schemeClr val="accent3"/>
+      <a:schemeClr val="accent4"/>
+      <a:schemeClr val="accent5"/>
+      <a:schemeClr val="accent6"/>
+    </dgm:linClrLst>
+    <dgm:effectClrLst/>
+    <dgm:txLinClrLst/>
+    <dgm:txFillClrLst meth="repeat">
+      <a:schemeClr val="dk1"/>
+    </dgm:txFillClrLst>
+    <dgm:txEffectClrLst/>
+  </dgm:styleLbl>
+  <dgm:styleLbl name="solidAlignAcc1">
+    <dgm:fillClrLst meth="repeat">
+      <a:schemeClr val="lt1"/>
+    </dgm:fillClrLst>
+    <dgm:linClrLst meth="repeat">
+      <a:schemeClr val="accent2"/>
+      <a:schemeClr val="accent3"/>
+      <a:schemeClr val="accent4"/>
+      <a:schemeClr val="accent5"/>
+      <a:schemeClr val="accent6"/>
+    </dgm:linClrLst>
+    <dgm:effectClrLst/>
+    <dgm:txLinClrLst/>
+    <dgm:txFillClrLst meth="repeat">
+      <a:schemeClr val="dk1"/>
+    </dgm:txFillClrLst>
+    <dgm:txEffectClrLst/>
+  </dgm:styleLbl>
+  <dgm:styleLbl name="solidBgAcc1">
+    <dgm:fillClrLst meth="repeat">
+      <a:schemeClr val="lt1"/>
+    </dgm:fillClrLst>
+    <dgm:linClrLst meth="repeat">
+      <a:schemeClr val="accent2"/>
+      <a:schemeClr val="accent3"/>
+      <a:schemeClr val="accent4"/>
+      <a:schemeClr val="accent5"/>
+      <a:schemeClr val="accent6"/>
+    </dgm:linClrLst>
+    <dgm:effectClrLst/>
+    <dgm:txLinClrLst/>
+    <dgm:txFillClrLst meth="repeat">
+      <a:schemeClr val="dk1"/>
+    </dgm:txFillClrLst>
+    <dgm:txEffectClrLst/>
+  </dgm:styleLbl>
+  <dgm:styleLbl name="fgAccFollowNode1">
+    <dgm:fillClrLst meth="repeat">
+      <a:schemeClr val="accent2">
+        <a:tint val="40000"/>
+        <a:alpha val="90000"/>
+      </a:schemeClr>
+      <a:schemeClr val="accent3">
+        <a:tint val="40000"/>
+        <a:alpha val="90000"/>
+      </a:schemeClr>
+      <a:schemeClr val="accent4">
+        <a:tint val="40000"/>
+        <a:alpha val="90000"/>
+      </a:schemeClr>
+      <a:schemeClr val="accent5">
+        <a:tint val="40000"/>
+        <a:alpha val="90000"/>
+      </a:schemeClr>
+      <a:schemeClr val="accent6">
+        <a:tint val="40000"/>
+        <a:alpha val="90000"/>
+      </a:schemeClr>
+    </dgm:fillClrLst>
+    <dgm:linClrLst meth="repeat">
+      <a:schemeClr val="accent2">
+        <a:tint val="40000"/>
+        <a:alpha val="90000"/>
+      </a:schemeClr>
+      <a:schemeClr val="accent3">
+        <a:tint val="40000"/>
+        <a:alpha val="90000"/>
+      </a:schemeClr>
+      <a:schemeClr val="accent4">
+        <a:tint val="40000"/>
+        <a:alpha val="90000"/>
+      </a:schemeClr>
+      <a:schemeClr val="accent5">
+        <a:tint val="40000"/>
+        <a:alpha val="90000"/>
+      </a:schemeClr>
+      <a:schemeClr val="accent6">
+        <a:tint val="40000"/>
+        <a:alpha val="90000"/>
+      </a:schemeClr>
+    </dgm:linClrLst>
+    <dgm:effectClrLst/>
+    <dgm:txLinClrLst/>
+    <dgm:txFillClrLst meth="repeat">
+      <a:schemeClr val="dk1"/>
+    </dgm:txFillClrLst>
+    <dgm:txEffectClrLst/>
+  </dgm:styleLbl>
+  <dgm:styleLbl name="alignAccFollowNode1">
+    <dgm:fillClrLst meth="repeat">
+      <a:schemeClr val="accent2">
+        <a:tint val="40000"/>
+        <a:alpha val="90000"/>
+      </a:schemeClr>
+      <a:schemeClr val="accent3">
+        <a:tint val="40000"/>
+        <a:alpha val="90000"/>
+      </a:schemeClr>
+      <a:schemeClr val="accent4">
+        <a:tint val="40000"/>
+        <a:alpha val="90000"/>
+      </a:schemeClr>
+      <a:schemeClr val="accent5">
+        <a:tint val="40000"/>
+        <a:alpha val="90000"/>
+      </a:schemeClr>
+      <a:schemeClr val="accent6">
+        <a:tint val="40000"/>
+        <a:alpha val="90000"/>
+      </a:schemeClr>
+    </dgm:fillClrLst>
+    <dgm:linClrLst meth="repeat">
+      <a:schemeClr val="accent2">
+        <a:tint val="40000"/>
+        <a:alpha val="90000"/>
+      </a:schemeClr>
+      <a:schemeClr val="accent3">
+        <a:tint val="40000"/>
+        <a:alpha val="90000"/>
+      </a:schemeClr>
+      <a:schemeClr val="accent4">
+        <a:tint val="40000"/>
+        <a:alpha val="90000"/>
+      </a:schemeClr>
+      <a:schemeClr val="accent5">
+        <a:tint val="40000"/>
+        <a:alpha val="90000"/>
+      </a:schemeClr>
+      <a:schemeClr val="accent6">
+        <a:tint val="40000"/>
+        <a:alpha val="90000"/>
+      </a:schemeClr>
+    </dgm:linClrLst>
+    <dgm:effectClrLst/>
+    <dgm:txLinClrLst/>
+    <dgm:txFillClrLst meth="repeat">
+      <a:schemeClr val="dk1"/>
+    </dgm:txFillClrLst>
+    <dgm:txEffectClrLst/>
+  </dgm:styleLbl>
+  <dgm:styleLbl name="bgAccFollowNode1">
+    <dgm:fillClrLst meth="repeat">
+      <a:schemeClr val="accent2">
+        <a:tint val="40000"/>
+        <a:alpha val="90000"/>
+      </a:schemeClr>
+      <a:schemeClr val="accent3">
+        <a:tint val="40000"/>
+        <a:alpha val="90000"/>
+      </a:schemeClr>
+      <a:schemeClr val="accent4">
+        <a:tint val="40000"/>
+        <a:alpha val="90000"/>
+      </a:schemeClr>
+      <a:schemeClr val="accent5">
+        <a:tint val="40000"/>
+        <a:alpha val="90000"/>
+      </a:schemeClr>
+      <a:schemeClr val="accent6">
+        <a:tint val="40000"/>
+        <a:alpha val="90000"/>
+      </a:schemeClr>
+    </dgm:fillClrLst>
+    <dgm:linClrLst meth="repeat">
+      <a:schemeClr val="accent2">
+        <a:tint val="40000"/>
+        <a:alpha val="90000"/>
+      </a:schemeClr>
+      <a:schemeClr val="accent3">
+        <a:tint val="40000"/>
+        <a:alpha val="90000"/>
+      </a:schemeClr>
+      <a:schemeClr val="accent4">
+        <a:tint val="40000"/>
+        <a:alpha val="90000"/>
+      </a:schemeClr>
+      <a:schemeClr val="accent5">
+        <a:tint val="40000"/>
+        <a:alpha val="90000"/>
+      </a:schemeClr>
+      <a:schemeClr val="accent6">
+        <a:tint val="40000"/>
+        <a:alpha val="90000"/>
+      </a:schemeClr>
+    </dgm:linClrLst>
+    <dgm:effectClrLst/>
+    <dgm:txLinClrLst/>
+    <dgm:txFillClrLst meth="repeat">
+      <a:schemeClr val="dk1"/>
+    </dgm:txFillClrLst>
+    <dgm:txEffectClrLst/>
+  </dgm:styleLbl>
+  <dgm:styleLbl name="fgAcc0">
+    <dgm:fillClrLst meth="repeat">
+      <a:schemeClr val="lt1">
+        <a:alpha val="90000"/>
+      </a:schemeClr>
+    </dgm:fillClrLst>
+    <dgm:linClrLst>
+      <a:schemeClr val="accent1"/>
+    </dgm:linClrLst>
+    <dgm:effectClrLst/>
+    <dgm:txLinClrLst/>
+    <dgm:txFillClrLst meth="repeat">
+      <a:schemeClr val="dk1"/>
+    </dgm:txFillClrLst>
+    <dgm:txEffectClrLst/>
+  </dgm:styleLbl>
+  <dgm:styleLbl name="fgAcc2">
+    <dgm:fillClrLst meth="repeat">
+      <a:schemeClr val="lt1">
+        <a:alpha val="90000"/>
+      </a:schemeClr>
+    </dgm:fillClrLst>
+    <dgm:linClrLst>
+      <a:schemeClr val="accent2"/>
+    </dgm:linClrLst>
+    <dgm:effectClrLst/>
+    <dgm:txLinClrLst/>
+    <dgm:txFillClrLst meth="repeat">
+      <a:schemeClr val="dk1"/>
+    </dgm:txFillClrLst>
+    <dgm:txEffectClrLst/>
+  </dgm:styleLbl>
+  <dgm:styleLbl name="fgAcc3">
+    <dgm:fillClrLst meth="repeat">
+      <a:schemeClr val="lt1">
+        <a:alpha val="90000"/>
+      </a:schemeClr>
+    </dgm:fillClrLst>
+    <dgm:linClrLst>
+      <a:schemeClr val="accent3"/>
+    </dgm:linClrLst>
+    <dgm:effectClrLst/>
+    <dgm:txLinClrLst/>
+    <dgm:txFillClrLst meth="repeat">
+      <a:schemeClr val="dk1"/>
+    </dgm:txFillClrLst>
+    <dgm:txEffectClrLst/>
+  </dgm:styleLbl>
+  <dgm:styleLbl name="fgAcc4">
+    <dgm:fillClrLst meth="repeat">
+      <a:schemeClr val="lt1">
+        <a:alpha val="90000"/>
+      </a:schemeClr>
+    </dgm:fillClrLst>
+    <dgm:linClrLst>
+      <a:schemeClr val="accent4"/>
+    </dgm:linClrLst>
+    <dgm:effectClrLst/>
+    <dgm:txLinClrLst/>
+    <dgm:txFillClrLst meth="repeat">
+      <a:schemeClr val="dk1"/>
+    </dgm:txFillClrLst>
+    <dgm:txEffectClrLst/>
+  </dgm:styleLbl>
+  <dgm:styleLbl name="bgShp">
+    <dgm:fillClrLst meth="repeat">
+      <a:schemeClr val="accent2">
+        <a:tint val="40000"/>
+      </a:schemeClr>
+    </dgm:fillClrLst>
+    <dgm:linClrLst meth="repeat">
+      <a:schemeClr val="dk1"/>
+    </dgm:linClrLst>
+    <dgm:effectClrLst/>
+    <dgm:txLinClrLst/>
+    <dgm:txFillClrLst meth="repeat">
+      <a:schemeClr val="dk1"/>
+    </dgm:txFillClrLst>
+    <dgm:txEffectClrLst/>
+  </dgm:styleLbl>
+  <dgm:styleLbl name="dkBgShp">
+    <dgm:fillClrLst meth="repeat">
+      <a:schemeClr val="accent2">
+        <a:shade val="90000"/>
+      </a:schemeClr>
+    </dgm:fillClrLst>
+    <dgm:linClrLst meth="repeat">
+      <a:schemeClr val="dk1"/>
+    </dgm:linClrLst>
+    <dgm:effectClrLst/>
+    <dgm:txLinClrLst/>
+    <dgm:txFillClrLst meth="repeat">
+      <a:schemeClr val="lt1"/>
+    </dgm:txFillClrLst>
+    <dgm:txEffectClrLst/>
+  </dgm:styleLbl>
+  <dgm:styleLbl name="trBgShp">
+    <dgm:fillClrLst meth="repeat">
+      <a:schemeClr val="accent1">
+        <a:tint val="50000"/>
+        <a:alpha val="40000"/>
+      </a:schemeClr>
+    </dgm:fillClrLst>
+    <dgm:linClrLst meth="repeat">
+      <a:schemeClr val="accent2"/>
+    </dgm:linClrLst>
+    <dgm:effectClrLst/>
+    <dgm:txLinClrLst/>
+    <dgm:txFillClrLst meth="repeat">
+      <a:schemeClr val="lt1"/>
+    </dgm:txFillClrLst>
+    <dgm:txEffectClrLst/>
+  </dgm:styleLbl>
+  <dgm:styleLbl name="fgShp">
+    <dgm:fillClrLst meth="repeat">
+      <a:schemeClr val="accent2">
+        <a:tint val="40000"/>
+      </a:schemeClr>
+    </dgm:fillClrLst>
+    <dgm:linClrLst meth="repeat">
+      <a:schemeClr val="lt1"/>
+    </dgm:linClrLst>
+    <dgm:effectClrLst/>
+    <dgm:txLinClrLst/>
+    <dgm:txFillClrLst meth="repeat">
+      <a:schemeClr val="dk1"/>
+    </dgm:txFillClrLst>
+    <dgm:txEffectClrLst/>
+  </dgm:styleLbl>
+  <dgm:styleLbl name="revTx">
+    <dgm:fillClrLst meth="repeat">
+      <a:schemeClr val="lt1">
+        <a:alpha val="0"/>
+      </a:schemeClr>
+    </dgm:fillClrLst>
+    <dgm:linClrLst meth="repeat">
+      <a:schemeClr val="dk1">
+        <a:alpha val="0"/>
+      </a:schemeClr>
+    </dgm:linClrLst>
+    <dgm:effectClrLst/>
+    <dgm:txLinClrLst/>
+    <dgm:txFillClrLst meth="repeat">
+      <a:schemeClr val="tx1"/>
+    </dgm:txFillClrLst>
+    <dgm:txEffectClrLst/>
+  </dgm:styleLbl>
+</dgm:colorsDef>
+</file>
+
+<file path=ppt/diagrams/colors3.xml><?xml version="1.0" encoding="utf-8"?>
 <dgm:colorsDef xmlns:dgm="http://schemas.openxmlformats.org/drawingml/2006/diagram" xmlns:a="http://schemas.openxmlformats.org/drawingml/2006/main" uniqueId="urn:microsoft.com/office/officeart/2005/8/colors/accent1_2">
   <dgm:title val=""/>
   <dgm:desc val=""/>
@@ -1742,925 +2661,6 @@
     <dgm:fillClrLst meth="repeat">
       <a:schemeClr val="accent1">
         <a:tint val="60000"/>
-      </a:schemeClr>
-    </dgm:fillClrLst>
-    <dgm:linClrLst meth="repeat">
-      <a:schemeClr val="lt1"/>
-    </dgm:linClrLst>
-    <dgm:effectClrLst/>
-    <dgm:txLinClrLst/>
-    <dgm:txFillClrLst meth="repeat">
-      <a:schemeClr val="dk1"/>
-    </dgm:txFillClrLst>
-    <dgm:txEffectClrLst/>
-  </dgm:styleLbl>
-  <dgm:styleLbl name="revTx">
-    <dgm:fillClrLst meth="repeat">
-      <a:schemeClr val="lt1">
-        <a:alpha val="0"/>
-      </a:schemeClr>
-    </dgm:fillClrLst>
-    <dgm:linClrLst meth="repeat">
-      <a:schemeClr val="dk1">
-        <a:alpha val="0"/>
-      </a:schemeClr>
-    </dgm:linClrLst>
-    <dgm:effectClrLst/>
-    <dgm:txLinClrLst/>
-    <dgm:txFillClrLst meth="repeat">
-      <a:schemeClr val="tx1"/>
-    </dgm:txFillClrLst>
-    <dgm:txEffectClrLst/>
-  </dgm:styleLbl>
-</dgm:colorsDef>
-</file>
-
-<file path=ppt/diagrams/colors3.xml><?xml version="1.0" encoding="utf-8"?>
-<dgm:colorsDef xmlns:dgm="http://schemas.openxmlformats.org/drawingml/2006/diagram" xmlns:a="http://schemas.openxmlformats.org/drawingml/2006/main" uniqueId="urn:microsoft.com/office/officeart/2005/8/colors/colorful1">
-  <dgm:title val=""/>
-  <dgm:desc val=""/>
-  <dgm:catLst>
-    <dgm:cat type="colorful" pri="10100"/>
-  </dgm:catLst>
-  <dgm:styleLbl name="node0">
-    <dgm:fillClrLst meth="repeat">
-      <a:schemeClr val="accent1"/>
-    </dgm:fillClrLst>
-    <dgm:linClrLst meth="repeat">
-      <a:schemeClr val="lt1"/>
-    </dgm:linClrLst>
-    <dgm:effectClrLst/>
-    <dgm:txLinClrLst/>
-    <dgm:txFillClrLst/>
-    <dgm:txEffectClrLst/>
-  </dgm:styleLbl>
-  <dgm:styleLbl name="node1">
-    <dgm:fillClrLst meth="repeat">
-      <a:schemeClr val="accent2"/>
-      <a:schemeClr val="accent3"/>
-      <a:schemeClr val="accent4"/>
-      <a:schemeClr val="accent5"/>
-      <a:schemeClr val="accent6"/>
-    </dgm:fillClrLst>
-    <dgm:linClrLst meth="repeat">
-      <a:schemeClr val="lt1"/>
-    </dgm:linClrLst>
-    <dgm:effectClrLst/>
-    <dgm:txLinClrLst/>
-    <dgm:txFillClrLst/>
-    <dgm:txEffectClrLst/>
-  </dgm:styleLbl>
-  <dgm:styleLbl name="alignNode1">
-    <dgm:fillClrLst meth="repeat">
-      <a:schemeClr val="accent2"/>
-      <a:schemeClr val="accent3"/>
-      <a:schemeClr val="accent4"/>
-      <a:schemeClr val="accent5"/>
-      <a:schemeClr val="accent6"/>
-    </dgm:fillClrLst>
-    <dgm:linClrLst meth="repeat">
-      <a:schemeClr val="accent2"/>
-      <a:schemeClr val="accent3"/>
-      <a:schemeClr val="accent4"/>
-      <a:schemeClr val="accent5"/>
-      <a:schemeClr val="accent6"/>
-    </dgm:linClrLst>
-    <dgm:effectClrLst/>
-    <dgm:txLinClrLst/>
-    <dgm:txFillClrLst/>
-    <dgm:txEffectClrLst/>
-  </dgm:styleLbl>
-  <dgm:styleLbl name="lnNode1">
-    <dgm:fillClrLst meth="repeat">
-      <a:schemeClr val="accent2"/>
-      <a:schemeClr val="accent3"/>
-      <a:schemeClr val="accent4"/>
-      <a:schemeClr val="accent5"/>
-      <a:schemeClr val="accent6"/>
-    </dgm:fillClrLst>
-    <dgm:linClrLst meth="repeat">
-      <a:schemeClr val="lt1"/>
-    </dgm:linClrLst>
-    <dgm:effectClrLst/>
-    <dgm:txLinClrLst/>
-    <dgm:txFillClrLst/>
-    <dgm:txEffectClrLst/>
-  </dgm:styleLbl>
-  <dgm:styleLbl name="vennNode1">
-    <dgm:fillClrLst meth="repeat">
-      <a:schemeClr val="accent2">
-        <a:alpha val="50000"/>
-      </a:schemeClr>
-      <a:schemeClr val="accent3">
-        <a:alpha val="50000"/>
-      </a:schemeClr>
-      <a:schemeClr val="accent4">
-        <a:alpha val="50000"/>
-      </a:schemeClr>
-      <a:schemeClr val="accent5">
-        <a:alpha val="50000"/>
-      </a:schemeClr>
-      <a:schemeClr val="accent6">
-        <a:alpha val="50000"/>
-      </a:schemeClr>
-    </dgm:fillClrLst>
-    <dgm:linClrLst meth="repeat">
-      <a:schemeClr val="lt1"/>
-    </dgm:linClrLst>
-    <dgm:effectClrLst/>
-    <dgm:txLinClrLst/>
-    <dgm:txFillClrLst/>
-    <dgm:txEffectClrLst/>
-  </dgm:styleLbl>
-  <dgm:styleLbl name="node2">
-    <dgm:fillClrLst>
-      <a:schemeClr val="accent2"/>
-    </dgm:fillClrLst>
-    <dgm:linClrLst meth="repeat">
-      <a:schemeClr val="lt1"/>
-    </dgm:linClrLst>
-    <dgm:effectClrLst/>
-    <dgm:txLinClrLst/>
-    <dgm:txFillClrLst/>
-    <dgm:txEffectClrLst/>
-  </dgm:styleLbl>
-  <dgm:styleLbl name="node3">
-    <dgm:fillClrLst>
-      <a:schemeClr val="accent3"/>
-    </dgm:fillClrLst>
-    <dgm:linClrLst meth="repeat">
-      <a:schemeClr val="lt1"/>
-    </dgm:linClrLst>
-    <dgm:effectClrLst/>
-    <dgm:txLinClrLst/>
-    <dgm:txFillClrLst/>
-    <dgm:txEffectClrLst/>
-  </dgm:styleLbl>
-  <dgm:styleLbl name="node4">
-    <dgm:fillClrLst>
-      <a:schemeClr val="accent4"/>
-    </dgm:fillClrLst>
-    <dgm:linClrLst meth="repeat">
-      <a:schemeClr val="lt1"/>
-    </dgm:linClrLst>
-    <dgm:effectClrLst/>
-    <dgm:txLinClrLst/>
-    <dgm:txFillClrLst/>
-    <dgm:txEffectClrLst/>
-  </dgm:styleLbl>
-  <dgm:styleLbl name="fgImgPlace1">
-    <dgm:fillClrLst meth="repeat">
-      <a:schemeClr val="accent2">
-        <a:tint val="50000"/>
-      </a:schemeClr>
-      <a:schemeClr val="accent3">
-        <a:tint val="50000"/>
-      </a:schemeClr>
-      <a:schemeClr val="accent4">
-        <a:tint val="50000"/>
-      </a:schemeClr>
-      <a:schemeClr val="accent5">
-        <a:tint val="50000"/>
-      </a:schemeClr>
-      <a:schemeClr val="accent6">
-        <a:tint val="50000"/>
-      </a:schemeClr>
-    </dgm:fillClrLst>
-    <dgm:linClrLst meth="repeat">
-      <a:schemeClr val="lt1"/>
-    </dgm:linClrLst>
-    <dgm:effectClrLst/>
-    <dgm:txLinClrLst/>
-    <dgm:txFillClrLst meth="repeat">
-      <a:schemeClr val="lt1"/>
-    </dgm:txFillClrLst>
-    <dgm:txEffectClrLst/>
-  </dgm:styleLbl>
-  <dgm:styleLbl name="alignImgPlace1">
-    <dgm:fillClrLst>
-      <a:schemeClr val="accent1">
-        <a:tint val="50000"/>
-      </a:schemeClr>
-      <a:schemeClr val="accent2">
-        <a:tint val="20000"/>
-      </a:schemeClr>
-    </dgm:fillClrLst>
-    <dgm:linClrLst meth="repeat">
-      <a:schemeClr val="lt1"/>
-    </dgm:linClrLst>
-    <dgm:effectClrLst/>
-    <dgm:txLinClrLst/>
-    <dgm:txFillClrLst meth="repeat">
-      <a:schemeClr val="lt1"/>
-    </dgm:txFillClrLst>
-    <dgm:txEffectClrLst/>
-  </dgm:styleLbl>
-  <dgm:styleLbl name="bgImgPlace1">
-    <dgm:fillClrLst>
-      <a:schemeClr val="accent1">
-        <a:tint val="50000"/>
-      </a:schemeClr>
-      <a:schemeClr val="accent2">
-        <a:tint val="20000"/>
-      </a:schemeClr>
-    </dgm:fillClrLst>
-    <dgm:linClrLst meth="repeat">
-      <a:schemeClr val="lt1"/>
-    </dgm:linClrLst>
-    <dgm:effectClrLst/>
-    <dgm:txLinClrLst/>
-    <dgm:txFillClrLst meth="repeat">
-      <a:schemeClr val="lt1"/>
-    </dgm:txFillClrLst>
-    <dgm:txEffectClrLst/>
-  </dgm:styleLbl>
-  <dgm:styleLbl name="sibTrans2D1">
-    <dgm:fillClrLst meth="repeat">
-      <a:schemeClr val="accent2"/>
-      <a:schemeClr val="accent3"/>
-      <a:schemeClr val="accent4"/>
-      <a:schemeClr val="accent5"/>
-      <a:schemeClr val="accent6"/>
-    </dgm:fillClrLst>
-    <dgm:linClrLst meth="cycle">
-      <a:schemeClr val="lt1"/>
-    </dgm:linClrLst>
-    <dgm:effectClrLst/>
-    <dgm:txLinClrLst/>
-    <dgm:txFillClrLst/>
-    <dgm:txEffectClrLst/>
-  </dgm:styleLbl>
-  <dgm:styleLbl name="fgSibTrans2D1">
-    <dgm:fillClrLst meth="repeat">
-      <a:schemeClr val="accent2"/>
-      <a:schemeClr val="accent3"/>
-      <a:schemeClr val="accent4"/>
-      <a:schemeClr val="accent5"/>
-      <a:schemeClr val="accent6"/>
-    </dgm:fillClrLst>
-    <dgm:linClrLst meth="cycle">
-      <a:schemeClr val="lt1"/>
-    </dgm:linClrLst>
-    <dgm:effectClrLst/>
-    <dgm:txLinClrLst/>
-    <dgm:txFillClrLst meth="repeat">
-      <a:schemeClr val="lt1"/>
-    </dgm:txFillClrLst>
-    <dgm:txEffectClrLst/>
-  </dgm:styleLbl>
-  <dgm:styleLbl name="bgSibTrans2D1">
-    <dgm:fillClrLst meth="repeat">
-      <a:schemeClr val="accent2"/>
-      <a:schemeClr val="accent3"/>
-      <a:schemeClr val="accent4"/>
-      <a:schemeClr val="accent5"/>
-      <a:schemeClr val="accent6"/>
-    </dgm:fillClrLst>
-    <dgm:linClrLst meth="cycle">
-      <a:schemeClr val="lt1"/>
-    </dgm:linClrLst>
-    <dgm:effectClrLst/>
-    <dgm:txLinClrLst/>
-    <dgm:txFillClrLst meth="repeat">
-      <a:schemeClr val="lt1"/>
-    </dgm:txFillClrLst>
-    <dgm:txEffectClrLst/>
-  </dgm:styleLbl>
-  <dgm:styleLbl name="sibTrans1D1">
-    <dgm:fillClrLst meth="repeat">
-      <a:schemeClr val="accent2"/>
-      <a:schemeClr val="accent3"/>
-      <a:schemeClr val="accent4"/>
-      <a:schemeClr val="accent5"/>
-      <a:schemeClr val="accent6"/>
-    </dgm:fillClrLst>
-    <dgm:linClrLst meth="repeat">
-      <a:schemeClr val="accent2"/>
-      <a:schemeClr val="accent3"/>
-      <a:schemeClr val="accent4"/>
-      <a:schemeClr val="accent5"/>
-      <a:schemeClr val="accent6"/>
-    </dgm:linClrLst>
-    <dgm:effectClrLst/>
-    <dgm:txLinClrLst/>
-    <dgm:txFillClrLst meth="repeat">
-      <a:schemeClr val="tx1"/>
-    </dgm:txFillClrLst>
-    <dgm:txEffectClrLst/>
-  </dgm:styleLbl>
-  <dgm:styleLbl name="callout">
-    <dgm:fillClrLst meth="repeat">
-      <a:schemeClr val="accent2"/>
-    </dgm:fillClrLst>
-    <dgm:linClrLst meth="repeat">
-      <a:schemeClr val="accent2">
-        <a:tint val="50000"/>
-      </a:schemeClr>
-    </dgm:linClrLst>
-    <dgm:effectClrLst/>
-    <dgm:txLinClrLst/>
-    <dgm:txFillClrLst meth="repeat">
-      <a:schemeClr val="tx1"/>
-    </dgm:txFillClrLst>
-    <dgm:txEffectClrLst/>
-  </dgm:styleLbl>
-  <dgm:styleLbl name="asst0">
-    <dgm:fillClrLst meth="repeat">
-      <a:schemeClr val="accent1"/>
-    </dgm:fillClrLst>
-    <dgm:linClrLst meth="repeat">
-      <a:schemeClr val="lt1"/>
-    </dgm:linClrLst>
-    <dgm:effectClrLst/>
-    <dgm:txLinClrLst/>
-    <dgm:txFillClrLst/>
-    <dgm:txEffectClrLst/>
-  </dgm:styleLbl>
-  <dgm:styleLbl name="asst1">
-    <dgm:fillClrLst meth="repeat">
-      <a:schemeClr val="accent2"/>
-    </dgm:fillClrLst>
-    <dgm:linClrLst meth="repeat">
-      <a:schemeClr val="lt1"/>
-    </dgm:linClrLst>
-    <dgm:effectClrLst/>
-    <dgm:txLinClrLst/>
-    <dgm:txFillClrLst/>
-    <dgm:txEffectClrLst/>
-  </dgm:styleLbl>
-  <dgm:styleLbl name="asst2">
-    <dgm:fillClrLst>
-      <a:schemeClr val="accent3"/>
-    </dgm:fillClrLst>
-    <dgm:linClrLst meth="repeat">
-      <a:schemeClr val="lt1"/>
-    </dgm:linClrLst>
-    <dgm:effectClrLst/>
-    <dgm:txLinClrLst/>
-    <dgm:txFillClrLst/>
-    <dgm:txEffectClrLst/>
-  </dgm:styleLbl>
-  <dgm:styleLbl name="asst3">
-    <dgm:fillClrLst>
-      <a:schemeClr val="accent4"/>
-    </dgm:fillClrLst>
-    <dgm:linClrLst meth="repeat">
-      <a:schemeClr val="lt1"/>
-    </dgm:linClrLst>
-    <dgm:effectClrLst/>
-    <dgm:txLinClrLst/>
-    <dgm:txFillClrLst/>
-    <dgm:txEffectClrLst/>
-  </dgm:styleLbl>
-  <dgm:styleLbl name="asst4">
-    <dgm:fillClrLst>
-      <a:schemeClr val="accent5"/>
-    </dgm:fillClrLst>
-    <dgm:linClrLst meth="repeat">
-      <a:schemeClr val="lt1"/>
-    </dgm:linClrLst>
-    <dgm:effectClrLst/>
-    <dgm:txLinClrLst/>
-    <dgm:txFillClrLst/>
-    <dgm:txEffectClrLst/>
-  </dgm:styleLbl>
-  <dgm:styleLbl name="parChTrans2D1">
-    <dgm:fillClrLst meth="repeat">
-      <a:schemeClr val="accent2"/>
-    </dgm:fillClrLst>
-    <dgm:linClrLst meth="repeat">
-      <a:schemeClr val="lt1"/>
-    </dgm:linClrLst>
-    <dgm:effectClrLst/>
-    <dgm:txLinClrLst/>
-    <dgm:txFillClrLst meth="repeat">
-      <a:schemeClr val="lt1"/>
-    </dgm:txFillClrLst>
-    <dgm:txEffectClrLst/>
-  </dgm:styleLbl>
-  <dgm:styleLbl name="parChTrans2D2">
-    <dgm:fillClrLst meth="repeat">
-      <a:schemeClr val="accent3"/>
-    </dgm:fillClrLst>
-    <dgm:linClrLst meth="repeat">
-      <a:schemeClr val="lt1"/>
-    </dgm:linClrLst>
-    <dgm:effectClrLst/>
-    <dgm:txLinClrLst/>
-    <dgm:txFillClrLst/>
-    <dgm:txEffectClrLst/>
-  </dgm:styleLbl>
-  <dgm:styleLbl name="parChTrans2D3">
-    <dgm:fillClrLst meth="repeat">
-      <a:schemeClr val="accent4"/>
-    </dgm:fillClrLst>
-    <dgm:linClrLst meth="repeat">
-      <a:schemeClr val="lt1"/>
-    </dgm:linClrLst>
-    <dgm:effectClrLst/>
-    <dgm:txLinClrLst/>
-    <dgm:txFillClrLst/>
-    <dgm:txEffectClrLst/>
-  </dgm:styleLbl>
-  <dgm:styleLbl name="parChTrans2D4">
-    <dgm:fillClrLst meth="repeat">
-      <a:schemeClr val="accent5"/>
-    </dgm:fillClrLst>
-    <dgm:linClrLst meth="repeat">
-      <a:schemeClr val="lt1"/>
-    </dgm:linClrLst>
-    <dgm:effectClrLst/>
-    <dgm:txLinClrLst/>
-    <dgm:txFillClrLst meth="repeat">
-      <a:schemeClr val="lt1"/>
-    </dgm:txFillClrLst>
-    <dgm:txEffectClrLst/>
-  </dgm:styleLbl>
-  <dgm:styleLbl name="parChTrans1D1">
-    <dgm:fillClrLst meth="repeat">
-      <a:schemeClr val="accent2"/>
-    </dgm:fillClrLst>
-    <dgm:linClrLst meth="repeat">
-      <a:schemeClr val="accent1"/>
-    </dgm:linClrLst>
-    <dgm:effectClrLst/>
-    <dgm:txLinClrLst/>
-    <dgm:txFillClrLst meth="repeat">
-      <a:schemeClr val="tx1"/>
-    </dgm:txFillClrLst>
-    <dgm:txEffectClrLst/>
-  </dgm:styleLbl>
-  <dgm:styleLbl name="parChTrans1D2">
-    <dgm:fillClrLst meth="repeat">
-      <a:schemeClr val="accent3">
-        <a:tint val="90000"/>
-      </a:schemeClr>
-    </dgm:fillClrLst>
-    <dgm:linClrLst meth="repeat">
-      <a:schemeClr val="accent2"/>
-    </dgm:linClrLst>
-    <dgm:effectClrLst/>
-    <dgm:txLinClrLst/>
-    <dgm:txFillClrLst meth="repeat">
-      <a:schemeClr val="tx1"/>
-    </dgm:txFillClrLst>
-    <dgm:txEffectClrLst/>
-  </dgm:styleLbl>
-  <dgm:styleLbl name="parChTrans1D3">
-    <dgm:fillClrLst meth="repeat">
-      <a:schemeClr val="accent4">
-        <a:tint val="70000"/>
-      </a:schemeClr>
-    </dgm:fillClrLst>
-    <dgm:linClrLst meth="repeat">
-      <a:schemeClr val="accent3"/>
-    </dgm:linClrLst>
-    <dgm:effectClrLst/>
-    <dgm:txLinClrLst/>
-    <dgm:txFillClrLst meth="repeat">
-      <a:schemeClr val="tx1"/>
-    </dgm:txFillClrLst>
-    <dgm:txEffectClrLst/>
-  </dgm:styleLbl>
-  <dgm:styleLbl name="parChTrans1D4">
-    <dgm:fillClrLst meth="repeat">
-      <a:schemeClr val="accent5">
-        <a:tint val="50000"/>
-      </a:schemeClr>
-    </dgm:fillClrLst>
-    <dgm:linClrLst meth="repeat">
-      <a:schemeClr val="accent4"/>
-    </dgm:linClrLst>
-    <dgm:effectClrLst/>
-    <dgm:txLinClrLst/>
-    <dgm:txFillClrLst meth="repeat">
-      <a:schemeClr val="tx1"/>
-    </dgm:txFillClrLst>
-    <dgm:txEffectClrLst/>
-  </dgm:styleLbl>
-  <dgm:styleLbl name="fgAcc1">
-    <dgm:fillClrLst meth="repeat">
-      <a:schemeClr val="lt1">
-        <a:alpha val="90000"/>
-      </a:schemeClr>
-    </dgm:fillClrLst>
-    <dgm:linClrLst meth="repeat">
-      <a:schemeClr val="accent2"/>
-      <a:schemeClr val="accent3"/>
-      <a:schemeClr val="accent4"/>
-      <a:schemeClr val="accent5"/>
-      <a:schemeClr val="accent6"/>
-    </dgm:linClrLst>
-    <dgm:effectClrLst/>
-    <dgm:txLinClrLst/>
-    <dgm:txFillClrLst meth="repeat">
-      <a:schemeClr val="dk1"/>
-    </dgm:txFillClrLst>
-    <dgm:txEffectClrLst/>
-  </dgm:styleLbl>
-  <dgm:styleLbl name="conFgAcc1">
-    <dgm:fillClrLst meth="repeat">
-      <a:schemeClr val="lt1">
-        <a:alpha val="90000"/>
-      </a:schemeClr>
-    </dgm:fillClrLst>
-    <dgm:linClrLst meth="repeat">
-      <a:schemeClr val="accent2"/>
-      <a:schemeClr val="accent3"/>
-      <a:schemeClr val="accent4"/>
-      <a:schemeClr val="accent5"/>
-      <a:schemeClr val="accent6"/>
-    </dgm:linClrLst>
-    <dgm:effectClrLst/>
-    <dgm:txLinClrLst/>
-    <dgm:txFillClrLst meth="repeat">
-      <a:schemeClr val="dk1"/>
-    </dgm:txFillClrLst>
-    <dgm:txEffectClrLst/>
-  </dgm:styleLbl>
-  <dgm:styleLbl name="alignAcc1">
-    <dgm:fillClrLst meth="repeat">
-      <a:schemeClr val="lt1">
-        <a:alpha val="90000"/>
-      </a:schemeClr>
-    </dgm:fillClrLst>
-    <dgm:linClrLst meth="repeat">
-      <a:schemeClr val="accent2"/>
-      <a:schemeClr val="accent3"/>
-      <a:schemeClr val="accent4"/>
-      <a:schemeClr val="accent5"/>
-      <a:schemeClr val="accent6"/>
-    </dgm:linClrLst>
-    <dgm:effectClrLst/>
-    <dgm:txLinClrLst/>
-    <dgm:txFillClrLst meth="repeat">
-      <a:schemeClr val="dk1"/>
-    </dgm:txFillClrLst>
-    <dgm:txEffectClrLst/>
-  </dgm:styleLbl>
-  <dgm:styleLbl name="trAlignAcc1">
-    <dgm:fillClrLst meth="repeat">
-      <a:schemeClr val="lt1">
-        <a:alpha val="40000"/>
-      </a:schemeClr>
-    </dgm:fillClrLst>
-    <dgm:linClrLst meth="repeat">
-      <a:schemeClr val="accent1"/>
-    </dgm:linClrLst>
-    <dgm:effectClrLst/>
-    <dgm:txLinClrLst/>
-    <dgm:txFillClrLst meth="repeat">
-      <a:schemeClr val="dk1"/>
-    </dgm:txFillClrLst>
-    <dgm:txEffectClrLst/>
-  </dgm:styleLbl>
-  <dgm:styleLbl name="bgAcc1">
-    <dgm:fillClrLst meth="repeat">
-      <a:schemeClr val="lt1">
-        <a:alpha val="90000"/>
-      </a:schemeClr>
-    </dgm:fillClrLst>
-    <dgm:linClrLst meth="repeat">
-      <a:schemeClr val="accent2"/>
-      <a:schemeClr val="accent3"/>
-      <a:schemeClr val="accent4"/>
-      <a:schemeClr val="accent5"/>
-      <a:schemeClr val="accent6"/>
-    </dgm:linClrLst>
-    <dgm:effectClrLst/>
-    <dgm:txLinClrLst/>
-    <dgm:txFillClrLst meth="repeat">
-      <a:schemeClr val="dk1"/>
-    </dgm:txFillClrLst>
-    <dgm:txEffectClrLst/>
-  </dgm:styleLbl>
-  <dgm:styleLbl name="solidFgAcc1">
-    <dgm:fillClrLst meth="repeat">
-      <a:schemeClr val="lt1"/>
-    </dgm:fillClrLst>
-    <dgm:linClrLst meth="repeat">
-      <a:schemeClr val="accent2"/>
-      <a:schemeClr val="accent3"/>
-      <a:schemeClr val="accent4"/>
-      <a:schemeClr val="accent5"/>
-      <a:schemeClr val="accent6"/>
-    </dgm:linClrLst>
-    <dgm:effectClrLst/>
-    <dgm:txLinClrLst/>
-    <dgm:txFillClrLst meth="repeat">
-      <a:schemeClr val="dk1"/>
-    </dgm:txFillClrLst>
-    <dgm:txEffectClrLst/>
-  </dgm:styleLbl>
-  <dgm:styleLbl name="solidAlignAcc1">
-    <dgm:fillClrLst meth="repeat">
-      <a:schemeClr val="lt1"/>
-    </dgm:fillClrLst>
-    <dgm:linClrLst meth="repeat">
-      <a:schemeClr val="accent2"/>
-      <a:schemeClr val="accent3"/>
-      <a:schemeClr val="accent4"/>
-      <a:schemeClr val="accent5"/>
-      <a:schemeClr val="accent6"/>
-    </dgm:linClrLst>
-    <dgm:effectClrLst/>
-    <dgm:txLinClrLst/>
-    <dgm:txFillClrLst meth="repeat">
-      <a:schemeClr val="dk1"/>
-    </dgm:txFillClrLst>
-    <dgm:txEffectClrLst/>
-  </dgm:styleLbl>
-  <dgm:styleLbl name="solidBgAcc1">
-    <dgm:fillClrLst meth="repeat">
-      <a:schemeClr val="lt1"/>
-    </dgm:fillClrLst>
-    <dgm:linClrLst meth="repeat">
-      <a:schemeClr val="accent2"/>
-      <a:schemeClr val="accent3"/>
-      <a:schemeClr val="accent4"/>
-      <a:schemeClr val="accent5"/>
-      <a:schemeClr val="accent6"/>
-    </dgm:linClrLst>
-    <dgm:effectClrLst/>
-    <dgm:txLinClrLst/>
-    <dgm:txFillClrLst meth="repeat">
-      <a:schemeClr val="dk1"/>
-    </dgm:txFillClrLst>
-    <dgm:txEffectClrLst/>
-  </dgm:styleLbl>
-  <dgm:styleLbl name="fgAccFollowNode1">
-    <dgm:fillClrLst meth="repeat">
-      <a:schemeClr val="accent2">
-        <a:tint val="40000"/>
-        <a:alpha val="90000"/>
-      </a:schemeClr>
-      <a:schemeClr val="accent3">
-        <a:tint val="40000"/>
-        <a:alpha val="90000"/>
-      </a:schemeClr>
-      <a:schemeClr val="accent4">
-        <a:tint val="40000"/>
-        <a:alpha val="90000"/>
-      </a:schemeClr>
-      <a:schemeClr val="accent5">
-        <a:tint val="40000"/>
-        <a:alpha val="90000"/>
-      </a:schemeClr>
-      <a:schemeClr val="accent6">
-        <a:tint val="40000"/>
-        <a:alpha val="90000"/>
-      </a:schemeClr>
-    </dgm:fillClrLst>
-    <dgm:linClrLst meth="repeat">
-      <a:schemeClr val="accent2">
-        <a:tint val="40000"/>
-        <a:alpha val="90000"/>
-      </a:schemeClr>
-      <a:schemeClr val="accent3">
-        <a:tint val="40000"/>
-        <a:alpha val="90000"/>
-      </a:schemeClr>
-      <a:schemeClr val="accent4">
-        <a:tint val="40000"/>
-        <a:alpha val="90000"/>
-      </a:schemeClr>
-      <a:schemeClr val="accent5">
-        <a:tint val="40000"/>
-        <a:alpha val="90000"/>
-      </a:schemeClr>
-      <a:schemeClr val="accent6">
-        <a:tint val="40000"/>
-        <a:alpha val="90000"/>
-      </a:schemeClr>
-    </dgm:linClrLst>
-    <dgm:effectClrLst/>
-    <dgm:txLinClrLst/>
-    <dgm:txFillClrLst meth="repeat">
-      <a:schemeClr val="dk1"/>
-    </dgm:txFillClrLst>
-    <dgm:txEffectClrLst/>
-  </dgm:styleLbl>
-  <dgm:styleLbl name="alignAccFollowNode1">
-    <dgm:fillClrLst meth="repeat">
-      <a:schemeClr val="accent2">
-        <a:tint val="40000"/>
-        <a:alpha val="90000"/>
-      </a:schemeClr>
-      <a:schemeClr val="accent3">
-        <a:tint val="40000"/>
-        <a:alpha val="90000"/>
-      </a:schemeClr>
-      <a:schemeClr val="accent4">
-        <a:tint val="40000"/>
-        <a:alpha val="90000"/>
-      </a:schemeClr>
-      <a:schemeClr val="accent5">
-        <a:tint val="40000"/>
-        <a:alpha val="90000"/>
-      </a:schemeClr>
-      <a:schemeClr val="accent6">
-        <a:tint val="40000"/>
-        <a:alpha val="90000"/>
-      </a:schemeClr>
-    </dgm:fillClrLst>
-    <dgm:linClrLst meth="repeat">
-      <a:schemeClr val="accent2">
-        <a:tint val="40000"/>
-        <a:alpha val="90000"/>
-      </a:schemeClr>
-      <a:schemeClr val="accent3">
-        <a:tint val="40000"/>
-        <a:alpha val="90000"/>
-      </a:schemeClr>
-      <a:schemeClr val="accent4">
-        <a:tint val="40000"/>
-        <a:alpha val="90000"/>
-      </a:schemeClr>
-      <a:schemeClr val="accent5">
-        <a:tint val="40000"/>
-        <a:alpha val="90000"/>
-      </a:schemeClr>
-      <a:schemeClr val="accent6">
-        <a:tint val="40000"/>
-        <a:alpha val="90000"/>
-      </a:schemeClr>
-    </dgm:linClrLst>
-    <dgm:effectClrLst/>
-    <dgm:txLinClrLst/>
-    <dgm:txFillClrLst meth="repeat">
-      <a:schemeClr val="dk1"/>
-    </dgm:txFillClrLst>
-    <dgm:txEffectClrLst/>
-  </dgm:styleLbl>
-  <dgm:styleLbl name="bgAccFollowNode1">
-    <dgm:fillClrLst meth="repeat">
-      <a:schemeClr val="accent2">
-        <a:tint val="40000"/>
-        <a:alpha val="90000"/>
-      </a:schemeClr>
-      <a:schemeClr val="accent3">
-        <a:tint val="40000"/>
-        <a:alpha val="90000"/>
-      </a:schemeClr>
-      <a:schemeClr val="accent4">
-        <a:tint val="40000"/>
-        <a:alpha val="90000"/>
-      </a:schemeClr>
-      <a:schemeClr val="accent5">
-        <a:tint val="40000"/>
-        <a:alpha val="90000"/>
-      </a:schemeClr>
-      <a:schemeClr val="accent6">
-        <a:tint val="40000"/>
-        <a:alpha val="90000"/>
-      </a:schemeClr>
-    </dgm:fillClrLst>
-    <dgm:linClrLst meth="repeat">
-      <a:schemeClr val="accent2">
-        <a:tint val="40000"/>
-        <a:alpha val="90000"/>
-      </a:schemeClr>
-      <a:schemeClr val="accent3">
-        <a:tint val="40000"/>
-        <a:alpha val="90000"/>
-      </a:schemeClr>
-      <a:schemeClr val="accent4">
-        <a:tint val="40000"/>
-        <a:alpha val="90000"/>
-      </a:schemeClr>
-      <a:schemeClr val="accent5">
-        <a:tint val="40000"/>
-        <a:alpha val="90000"/>
-      </a:schemeClr>
-      <a:schemeClr val="accent6">
-        <a:tint val="40000"/>
-        <a:alpha val="90000"/>
-      </a:schemeClr>
-    </dgm:linClrLst>
-    <dgm:effectClrLst/>
-    <dgm:txLinClrLst/>
-    <dgm:txFillClrLst meth="repeat">
-      <a:schemeClr val="dk1"/>
-    </dgm:txFillClrLst>
-    <dgm:txEffectClrLst/>
-  </dgm:styleLbl>
-  <dgm:styleLbl name="fgAcc0">
-    <dgm:fillClrLst meth="repeat">
-      <a:schemeClr val="lt1">
-        <a:alpha val="90000"/>
-      </a:schemeClr>
-    </dgm:fillClrLst>
-    <dgm:linClrLst>
-      <a:schemeClr val="accent1"/>
-    </dgm:linClrLst>
-    <dgm:effectClrLst/>
-    <dgm:txLinClrLst/>
-    <dgm:txFillClrLst meth="repeat">
-      <a:schemeClr val="dk1"/>
-    </dgm:txFillClrLst>
-    <dgm:txEffectClrLst/>
-  </dgm:styleLbl>
-  <dgm:styleLbl name="fgAcc2">
-    <dgm:fillClrLst meth="repeat">
-      <a:schemeClr val="lt1">
-        <a:alpha val="90000"/>
-      </a:schemeClr>
-    </dgm:fillClrLst>
-    <dgm:linClrLst>
-      <a:schemeClr val="accent2"/>
-    </dgm:linClrLst>
-    <dgm:effectClrLst/>
-    <dgm:txLinClrLst/>
-    <dgm:txFillClrLst meth="repeat">
-      <a:schemeClr val="dk1"/>
-    </dgm:txFillClrLst>
-    <dgm:txEffectClrLst/>
-  </dgm:styleLbl>
-  <dgm:styleLbl name="fgAcc3">
-    <dgm:fillClrLst meth="repeat">
-      <a:schemeClr val="lt1">
-        <a:alpha val="90000"/>
-      </a:schemeClr>
-    </dgm:fillClrLst>
-    <dgm:linClrLst>
-      <a:schemeClr val="accent3"/>
-    </dgm:linClrLst>
-    <dgm:effectClrLst/>
-    <dgm:txLinClrLst/>
-    <dgm:txFillClrLst meth="repeat">
-      <a:schemeClr val="dk1"/>
-    </dgm:txFillClrLst>
-    <dgm:txEffectClrLst/>
-  </dgm:styleLbl>
-  <dgm:styleLbl name="fgAcc4">
-    <dgm:fillClrLst meth="repeat">
-      <a:schemeClr val="lt1">
-        <a:alpha val="90000"/>
-      </a:schemeClr>
-    </dgm:fillClrLst>
-    <dgm:linClrLst>
-      <a:schemeClr val="accent4"/>
-    </dgm:linClrLst>
-    <dgm:effectClrLst/>
-    <dgm:txLinClrLst/>
-    <dgm:txFillClrLst meth="repeat">
-      <a:schemeClr val="dk1"/>
-    </dgm:txFillClrLst>
-    <dgm:txEffectClrLst/>
-  </dgm:styleLbl>
-  <dgm:styleLbl name="bgShp">
-    <dgm:fillClrLst meth="repeat">
-      <a:schemeClr val="accent2">
-        <a:tint val="40000"/>
-      </a:schemeClr>
-    </dgm:fillClrLst>
-    <dgm:linClrLst meth="repeat">
-      <a:schemeClr val="dk1"/>
-    </dgm:linClrLst>
-    <dgm:effectClrLst/>
-    <dgm:txLinClrLst/>
-    <dgm:txFillClrLst meth="repeat">
-      <a:schemeClr val="dk1"/>
-    </dgm:txFillClrLst>
-    <dgm:txEffectClrLst/>
-  </dgm:styleLbl>
-  <dgm:styleLbl name="dkBgShp">
-    <dgm:fillClrLst meth="repeat">
-      <a:schemeClr val="accent2">
-        <a:shade val="90000"/>
-      </a:schemeClr>
-    </dgm:fillClrLst>
-    <dgm:linClrLst meth="repeat">
-      <a:schemeClr val="dk1"/>
-    </dgm:linClrLst>
-    <dgm:effectClrLst/>
-    <dgm:txLinClrLst/>
-    <dgm:txFillClrLst meth="repeat">
-      <a:schemeClr val="lt1"/>
-    </dgm:txFillClrLst>
-    <dgm:txEffectClrLst/>
-  </dgm:styleLbl>
-  <dgm:styleLbl name="trBgShp">
-    <dgm:fillClrLst meth="repeat">
-      <a:schemeClr val="accent1">
-        <a:tint val="50000"/>
-        <a:alpha val="40000"/>
-      </a:schemeClr>
-    </dgm:fillClrLst>
-    <dgm:linClrLst meth="repeat">
-      <a:schemeClr val="accent2"/>
-    </dgm:linClrLst>
-    <dgm:effectClrLst/>
-    <dgm:txLinClrLst/>
-    <dgm:txFillClrLst meth="repeat">
-      <a:schemeClr val="lt1"/>
-    </dgm:txFillClrLst>
-    <dgm:txEffectClrLst/>
-  </dgm:styleLbl>
-  <dgm:styleLbl name="fgShp">
-    <dgm:fillClrLst meth="repeat">
-      <a:schemeClr val="accent2">
-        <a:tint val="40000"/>
       </a:schemeClr>
     </dgm:fillClrLst>
     <dgm:linClrLst meth="repeat">
@@ -2951,6 +2951,333 @@
 </file>
 
 <file path=ppt/diagrams/data2.xml><?xml version="1.0" encoding="utf-8"?>
+<dgm:dataModel xmlns:dgm="http://schemas.openxmlformats.org/drawingml/2006/diagram" xmlns:a="http://schemas.openxmlformats.org/drawingml/2006/main">
+  <dgm:ptLst>
+    <dgm:pt modelId="{C4386343-5C47-7246-A120-B94331B362BD}" type="doc">
+      <dgm:prSet loTypeId="urn:microsoft.com/office/officeart/2005/8/layout/venn1" loCatId="" qsTypeId="urn:microsoft.com/office/officeart/2005/8/quickstyle/simple5" qsCatId="simple" csTypeId="urn:microsoft.com/office/officeart/2005/8/colors/colorful1" csCatId="colorful" phldr="1"/>
+      <dgm:spPr/>
+    </dgm:pt>
+    <dgm:pt modelId="{C84FC734-A6E2-5749-8635-BF83D04E3F12}">
+      <dgm:prSet phldrT="[Text]" custT="1"/>
+      <dgm:spPr/>
+      <dgm:t>
+        <a:bodyPr/>
+        <a:lstStyle/>
+        <a:p>
+          <a:r>
+            <a:rPr lang="en-US" sz="2400" i="1" dirty="0" smtClean="0">
+              <a:latin typeface="Helvetica"/>
+              <a:cs typeface="Helvetica"/>
+            </a:rPr>
+            <a:t>Development</a:t>
+          </a:r>
+          <a:endParaRPr lang="en-US" sz="2400" i="1" dirty="0">
+            <a:latin typeface="Helvetica"/>
+            <a:cs typeface="Helvetica"/>
+          </a:endParaRPr>
+        </a:p>
+      </dgm:t>
+    </dgm:pt>
+    <dgm:pt modelId="{B3D29EF8-C102-A646-BD97-1D65E876C034}" type="parTrans" cxnId="{56B7F2F3-1FCA-EA4F-893F-FFC7D713E268}">
+      <dgm:prSet/>
+      <dgm:spPr/>
+      <dgm:t>
+        <a:bodyPr/>
+        <a:lstStyle/>
+        <a:p>
+          <a:endParaRPr lang="en-US" sz="2400">
+            <a:latin typeface="Helvetica"/>
+            <a:cs typeface="Helvetica"/>
+          </a:endParaRPr>
+        </a:p>
+      </dgm:t>
+    </dgm:pt>
+    <dgm:pt modelId="{56472AA7-1FD2-C249-8E74-C7DD4A0F53BE}" type="sibTrans" cxnId="{56B7F2F3-1FCA-EA4F-893F-FFC7D713E268}">
+      <dgm:prSet/>
+      <dgm:spPr/>
+      <dgm:t>
+        <a:bodyPr/>
+        <a:lstStyle/>
+        <a:p>
+          <a:endParaRPr lang="en-US" sz="2400">
+            <a:latin typeface="Helvetica"/>
+            <a:cs typeface="Helvetica"/>
+          </a:endParaRPr>
+        </a:p>
+      </dgm:t>
+    </dgm:pt>
+    <dgm:pt modelId="{7F77755C-F0FD-F848-ABF7-B68232C37EE0}">
+      <dgm:prSet phldrT="[Text]" custT="1"/>
+      <dgm:spPr/>
+      <dgm:t>
+        <a:bodyPr/>
+        <a:lstStyle/>
+        <a:p>
+          <a:r>
+            <a:rPr lang="en-US" sz="2400" i="1" dirty="0" smtClean="0">
+              <a:latin typeface="Helvetica"/>
+              <a:cs typeface="Helvetica"/>
+            </a:rPr>
+            <a:t>Quality Assurance</a:t>
+          </a:r>
+          <a:endParaRPr lang="en-US" sz="2400" i="1" dirty="0">
+            <a:latin typeface="Helvetica"/>
+            <a:cs typeface="Helvetica"/>
+          </a:endParaRPr>
+        </a:p>
+      </dgm:t>
+    </dgm:pt>
+    <dgm:pt modelId="{7285DB8C-E360-284F-8E17-4D342C5EB284}" type="parTrans" cxnId="{9FB71320-81BC-6E4B-83BC-2C0CA43EB5DE}">
+      <dgm:prSet/>
+      <dgm:spPr/>
+      <dgm:t>
+        <a:bodyPr/>
+        <a:lstStyle/>
+        <a:p>
+          <a:endParaRPr lang="en-US" sz="2400">
+            <a:latin typeface="Helvetica"/>
+            <a:cs typeface="Helvetica"/>
+          </a:endParaRPr>
+        </a:p>
+      </dgm:t>
+    </dgm:pt>
+    <dgm:pt modelId="{30BF8400-4CD3-F145-8A0D-5E848C746114}" type="sibTrans" cxnId="{9FB71320-81BC-6E4B-83BC-2C0CA43EB5DE}">
+      <dgm:prSet/>
+      <dgm:spPr/>
+      <dgm:t>
+        <a:bodyPr/>
+        <a:lstStyle/>
+        <a:p>
+          <a:endParaRPr lang="en-US" sz="2400">
+            <a:latin typeface="Helvetica"/>
+            <a:cs typeface="Helvetica"/>
+          </a:endParaRPr>
+        </a:p>
+      </dgm:t>
+    </dgm:pt>
+    <dgm:pt modelId="{A40024C1-00F0-BA4C-ABA1-89CC0D9B06E9}">
+      <dgm:prSet phldrT="[Text]" custT="1"/>
+      <dgm:spPr/>
+      <dgm:t>
+        <a:bodyPr/>
+        <a:lstStyle/>
+        <a:p>
+          <a:r>
+            <a:rPr lang="en-US" sz="2400" i="1" dirty="0" smtClean="0">
+              <a:latin typeface="Helvetica"/>
+              <a:cs typeface="Helvetica"/>
+            </a:rPr>
+            <a:t>Operations</a:t>
+          </a:r>
+          <a:endParaRPr lang="en-US" sz="2400" i="1" dirty="0">
+            <a:latin typeface="Helvetica"/>
+            <a:cs typeface="Helvetica"/>
+          </a:endParaRPr>
+        </a:p>
+      </dgm:t>
+    </dgm:pt>
+    <dgm:pt modelId="{9089F11C-64D0-8941-B898-98D177ACFA1F}" type="parTrans" cxnId="{E99C5949-CC7E-A24F-8163-78E30E20D63E}">
+      <dgm:prSet/>
+      <dgm:spPr/>
+      <dgm:t>
+        <a:bodyPr/>
+        <a:lstStyle/>
+        <a:p>
+          <a:endParaRPr lang="en-US" sz="2400">
+            <a:latin typeface="Helvetica"/>
+            <a:cs typeface="Helvetica"/>
+          </a:endParaRPr>
+        </a:p>
+      </dgm:t>
+    </dgm:pt>
+    <dgm:pt modelId="{59BDBE37-6588-A44E-9E10-802600D91AB1}" type="sibTrans" cxnId="{E99C5949-CC7E-A24F-8163-78E30E20D63E}">
+      <dgm:prSet/>
+      <dgm:spPr/>
+      <dgm:t>
+        <a:bodyPr/>
+        <a:lstStyle/>
+        <a:p>
+          <a:endParaRPr lang="en-US" sz="2400">
+            <a:latin typeface="Helvetica"/>
+            <a:cs typeface="Helvetica"/>
+          </a:endParaRPr>
+        </a:p>
+      </dgm:t>
+    </dgm:pt>
+    <dgm:pt modelId="{29088193-4D7F-9F4A-A36D-480A985EF0E1}">
+      <dgm:prSet phldrT="[Text]" custT="1"/>
+      <dgm:spPr/>
+      <dgm:t>
+        <a:bodyPr/>
+        <a:lstStyle/>
+        <a:p>
+          <a:r>
+            <a:rPr lang="en-US" sz="2400" i="1" dirty="0" smtClean="0">
+              <a:latin typeface="Helvetica"/>
+              <a:cs typeface="Helvetica"/>
+            </a:rPr>
+            <a:t>User</a:t>
+          </a:r>
+        </a:p>
+        <a:p>
+          <a:r>
+            <a:rPr lang="en-US" sz="2400" i="1" dirty="0" smtClean="0">
+              <a:latin typeface="Helvetica"/>
+              <a:cs typeface="Helvetica"/>
+            </a:rPr>
+            <a:t>Support</a:t>
+          </a:r>
+          <a:endParaRPr lang="en-US" sz="2400" i="1" dirty="0">
+            <a:latin typeface="Helvetica"/>
+            <a:cs typeface="Helvetica"/>
+          </a:endParaRPr>
+        </a:p>
+      </dgm:t>
+    </dgm:pt>
+    <dgm:pt modelId="{2CBC4AD0-7AAA-F64C-94BF-1FE62DF412DA}" type="parTrans" cxnId="{8562A065-A516-B843-8F00-24DB4B19FAB3}">
+      <dgm:prSet/>
+      <dgm:spPr/>
+      <dgm:t>
+        <a:bodyPr/>
+        <a:lstStyle/>
+        <a:p>
+          <a:endParaRPr lang="en-US" sz="2400"/>
+        </a:p>
+      </dgm:t>
+    </dgm:pt>
+    <dgm:pt modelId="{5805AA36-673E-374A-B184-FCB3A1B46211}" type="sibTrans" cxnId="{8562A065-A516-B843-8F00-24DB4B19FAB3}">
+      <dgm:prSet/>
+      <dgm:spPr/>
+      <dgm:t>
+        <a:bodyPr/>
+        <a:lstStyle/>
+        <a:p>
+          <a:endParaRPr lang="en-US" sz="2400"/>
+        </a:p>
+      </dgm:t>
+    </dgm:pt>
+    <dgm:pt modelId="{614BF751-4353-A040-8851-30222514E4B1}" type="pres">
+      <dgm:prSet presAssocID="{C4386343-5C47-7246-A120-B94331B362BD}" presName="compositeShape" presStyleCnt="0">
+        <dgm:presLayoutVars>
+          <dgm:chMax val="7"/>
+          <dgm:dir/>
+          <dgm:resizeHandles val="exact"/>
+        </dgm:presLayoutVars>
+      </dgm:prSet>
+      <dgm:spPr/>
+    </dgm:pt>
+    <dgm:pt modelId="{2A4EFB8E-404C-2044-B9B2-5727A6D6C444}" type="pres">
+      <dgm:prSet presAssocID="{C84FC734-A6E2-5749-8635-BF83D04E3F12}" presName="circ1" presStyleLbl="vennNode1" presStyleIdx="0" presStyleCnt="4" custScaleX="132876" custScaleY="134378"/>
+      <dgm:spPr/>
+      <dgm:t>
+        <a:bodyPr/>
+        <a:lstStyle/>
+        <a:p>
+          <a:endParaRPr lang="en-US"/>
+        </a:p>
+      </dgm:t>
+    </dgm:pt>
+    <dgm:pt modelId="{C6DA9E6D-F0E8-8F4F-8970-A34A176155E0}" type="pres">
+      <dgm:prSet presAssocID="{C84FC734-A6E2-5749-8635-BF83D04E3F12}" presName="circ1Tx" presStyleLbl="revTx" presStyleIdx="0" presStyleCnt="0">
+        <dgm:presLayoutVars>
+          <dgm:chMax val="0"/>
+          <dgm:chPref val="0"/>
+          <dgm:bulletEnabled val="1"/>
+        </dgm:presLayoutVars>
+      </dgm:prSet>
+      <dgm:spPr/>
+    </dgm:pt>
+    <dgm:pt modelId="{B83B3B6D-D8C6-F345-A5C1-28C0A6AE7F3F}" type="pres">
+      <dgm:prSet presAssocID="{7F77755C-F0FD-F848-ABF7-B68232C37EE0}" presName="circ2" presStyleLbl="vennNode1" presStyleIdx="1" presStyleCnt="4" custScaleX="132876" custScaleY="134378"/>
+      <dgm:spPr/>
+      <dgm:t>
+        <a:bodyPr/>
+        <a:lstStyle/>
+        <a:p>
+          <a:endParaRPr lang="en-US"/>
+        </a:p>
+      </dgm:t>
+    </dgm:pt>
+    <dgm:pt modelId="{85866C8A-15CC-9745-8834-8A9285EECD22}" type="pres">
+      <dgm:prSet presAssocID="{7F77755C-F0FD-F848-ABF7-B68232C37EE0}" presName="circ2Tx" presStyleLbl="revTx" presStyleIdx="0" presStyleCnt="0">
+        <dgm:presLayoutVars>
+          <dgm:chMax val="0"/>
+          <dgm:chPref val="0"/>
+          <dgm:bulletEnabled val="1"/>
+        </dgm:presLayoutVars>
+      </dgm:prSet>
+      <dgm:spPr/>
+      <dgm:t>
+        <a:bodyPr/>
+        <a:lstStyle/>
+        <a:p>
+          <a:endParaRPr lang="en-US"/>
+        </a:p>
+      </dgm:t>
+    </dgm:pt>
+    <dgm:pt modelId="{1FD57634-E951-E04A-9246-FCD7F7807AB7}" type="pres">
+      <dgm:prSet presAssocID="{A40024C1-00F0-BA4C-ABA1-89CC0D9B06E9}" presName="circ3" presStyleLbl="vennNode1" presStyleIdx="2" presStyleCnt="4" custScaleX="132876" custScaleY="134378"/>
+      <dgm:spPr/>
+    </dgm:pt>
+    <dgm:pt modelId="{A610140F-0E16-4342-A5A8-6C54F503E54B}" type="pres">
+      <dgm:prSet presAssocID="{A40024C1-00F0-BA4C-ABA1-89CC0D9B06E9}" presName="circ3Tx" presStyleLbl="revTx" presStyleIdx="0" presStyleCnt="0">
+        <dgm:presLayoutVars>
+          <dgm:chMax val="0"/>
+          <dgm:chPref val="0"/>
+          <dgm:bulletEnabled val="1"/>
+        </dgm:presLayoutVars>
+      </dgm:prSet>
+      <dgm:spPr/>
+    </dgm:pt>
+    <dgm:pt modelId="{11571F63-98E7-5746-A125-24FC9D010A4E}" type="pres">
+      <dgm:prSet presAssocID="{29088193-4D7F-9F4A-A36D-480A985EF0E1}" presName="circ4" presStyleLbl="vennNode1" presStyleIdx="3" presStyleCnt="4" custScaleX="124626" custScaleY="129936"/>
+      <dgm:spPr/>
+    </dgm:pt>
+    <dgm:pt modelId="{389519C1-107A-1E40-9450-B3F78BF1384B}" type="pres">
+      <dgm:prSet presAssocID="{29088193-4D7F-9F4A-A36D-480A985EF0E1}" presName="circ4Tx" presStyleLbl="revTx" presStyleIdx="0" presStyleCnt="0">
+        <dgm:presLayoutVars>
+          <dgm:chMax val="0"/>
+          <dgm:chPref val="0"/>
+          <dgm:bulletEnabled val="1"/>
+        </dgm:presLayoutVars>
+      </dgm:prSet>
+      <dgm:spPr/>
+    </dgm:pt>
+  </dgm:ptLst>
+  <dgm:cxnLst>
+    <dgm:cxn modelId="{9FB71320-81BC-6E4B-83BC-2C0CA43EB5DE}" srcId="{C4386343-5C47-7246-A120-B94331B362BD}" destId="{7F77755C-F0FD-F848-ABF7-B68232C37EE0}" srcOrd="1" destOrd="0" parTransId="{7285DB8C-E360-284F-8E17-4D342C5EB284}" sibTransId="{30BF8400-4CD3-F145-8A0D-5E848C746114}"/>
+    <dgm:cxn modelId="{BA4AF096-2A58-0043-841D-E10688F91EC4}" type="presOf" srcId="{A40024C1-00F0-BA4C-ABA1-89CC0D9B06E9}" destId="{A610140F-0E16-4342-A5A8-6C54F503E54B}" srcOrd="0" destOrd="0" presId="urn:microsoft.com/office/officeart/2005/8/layout/venn1"/>
+    <dgm:cxn modelId="{F851B6F5-6B5B-9D4E-B5CC-79329EAD59B0}" type="presOf" srcId="{7F77755C-F0FD-F848-ABF7-B68232C37EE0}" destId="{85866C8A-15CC-9745-8834-8A9285EECD22}" srcOrd="0" destOrd="0" presId="urn:microsoft.com/office/officeart/2005/8/layout/venn1"/>
+    <dgm:cxn modelId="{CB450088-14C9-8441-879B-564AA380CCCC}" type="presOf" srcId="{A40024C1-00F0-BA4C-ABA1-89CC0D9B06E9}" destId="{1FD57634-E951-E04A-9246-FCD7F7807AB7}" srcOrd="1" destOrd="0" presId="urn:microsoft.com/office/officeart/2005/8/layout/venn1"/>
+    <dgm:cxn modelId="{EAE5F8F3-1F29-2948-8CFE-F19E29FC63E6}" type="presOf" srcId="{C84FC734-A6E2-5749-8635-BF83D04E3F12}" destId="{C6DA9E6D-F0E8-8F4F-8970-A34A176155E0}" srcOrd="0" destOrd="0" presId="urn:microsoft.com/office/officeart/2005/8/layout/venn1"/>
+    <dgm:cxn modelId="{E99C5949-CC7E-A24F-8163-78E30E20D63E}" srcId="{C4386343-5C47-7246-A120-B94331B362BD}" destId="{A40024C1-00F0-BA4C-ABA1-89CC0D9B06E9}" srcOrd="2" destOrd="0" parTransId="{9089F11C-64D0-8941-B898-98D177ACFA1F}" sibTransId="{59BDBE37-6588-A44E-9E10-802600D91AB1}"/>
+    <dgm:cxn modelId="{475A8A8C-3619-5E49-BB2A-E4D88C1A07DC}" type="presOf" srcId="{C84FC734-A6E2-5749-8635-BF83D04E3F12}" destId="{2A4EFB8E-404C-2044-B9B2-5727A6D6C444}" srcOrd="1" destOrd="0" presId="urn:microsoft.com/office/officeart/2005/8/layout/venn1"/>
+    <dgm:cxn modelId="{A804AC7E-8962-E243-A8AE-2921973CDF70}" type="presOf" srcId="{29088193-4D7F-9F4A-A36D-480A985EF0E1}" destId="{389519C1-107A-1E40-9450-B3F78BF1384B}" srcOrd="0" destOrd="0" presId="urn:microsoft.com/office/officeart/2005/8/layout/venn1"/>
+    <dgm:cxn modelId="{77D6E5C1-43CE-B04B-B2AC-7CAD8D4DD7F2}" type="presOf" srcId="{7F77755C-F0FD-F848-ABF7-B68232C37EE0}" destId="{B83B3B6D-D8C6-F345-A5C1-28C0A6AE7F3F}" srcOrd="1" destOrd="0" presId="urn:microsoft.com/office/officeart/2005/8/layout/venn1"/>
+    <dgm:cxn modelId="{56B7F2F3-1FCA-EA4F-893F-FFC7D713E268}" srcId="{C4386343-5C47-7246-A120-B94331B362BD}" destId="{C84FC734-A6E2-5749-8635-BF83D04E3F12}" srcOrd="0" destOrd="0" parTransId="{B3D29EF8-C102-A646-BD97-1D65E876C034}" sibTransId="{56472AA7-1FD2-C249-8E74-C7DD4A0F53BE}"/>
+    <dgm:cxn modelId="{ED14F932-E1B1-0644-8352-66898A8BCD0B}" type="presOf" srcId="{C4386343-5C47-7246-A120-B94331B362BD}" destId="{614BF751-4353-A040-8851-30222514E4B1}" srcOrd="0" destOrd="0" presId="urn:microsoft.com/office/officeart/2005/8/layout/venn1"/>
+    <dgm:cxn modelId="{8562A065-A516-B843-8F00-24DB4B19FAB3}" srcId="{C4386343-5C47-7246-A120-B94331B362BD}" destId="{29088193-4D7F-9F4A-A36D-480A985EF0E1}" srcOrd="3" destOrd="0" parTransId="{2CBC4AD0-7AAA-F64C-94BF-1FE62DF412DA}" sibTransId="{5805AA36-673E-374A-B184-FCB3A1B46211}"/>
+    <dgm:cxn modelId="{F5AB9052-F972-924B-BFE3-47E9BB5B742A}" type="presOf" srcId="{29088193-4D7F-9F4A-A36D-480A985EF0E1}" destId="{11571F63-98E7-5746-A125-24FC9D010A4E}" srcOrd="1" destOrd="0" presId="urn:microsoft.com/office/officeart/2005/8/layout/venn1"/>
+    <dgm:cxn modelId="{8DAFDF92-A86B-1742-9F1E-4F5CD05296F3}" type="presParOf" srcId="{614BF751-4353-A040-8851-30222514E4B1}" destId="{2A4EFB8E-404C-2044-B9B2-5727A6D6C444}" srcOrd="0" destOrd="0" presId="urn:microsoft.com/office/officeart/2005/8/layout/venn1"/>
+    <dgm:cxn modelId="{E81A87DD-4887-214F-9AD7-7FA569459F25}" type="presParOf" srcId="{614BF751-4353-A040-8851-30222514E4B1}" destId="{C6DA9E6D-F0E8-8F4F-8970-A34A176155E0}" srcOrd="1" destOrd="0" presId="urn:microsoft.com/office/officeart/2005/8/layout/venn1"/>
+    <dgm:cxn modelId="{97FC1382-E825-6548-8BAA-F13F6E14732F}" type="presParOf" srcId="{614BF751-4353-A040-8851-30222514E4B1}" destId="{B83B3B6D-D8C6-F345-A5C1-28C0A6AE7F3F}" srcOrd="2" destOrd="0" presId="urn:microsoft.com/office/officeart/2005/8/layout/venn1"/>
+    <dgm:cxn modelId="{582792C0-83CB-1845-AC3C-8E3277785E71}" type="presParOf" srcId="{614BF751-4353-A040-8851-30222514E4B1}" destId="{85866C8A-15CC-9745-8834-8A9285EECD22}" srcOrd="3" destOrd="0" presId="urn:microsoft.com/office/officeart/2005/8/layout/venn1"/>
+    <dgm:cxn modelId="{D63FF303-B1E9-9F44-8856-1B30137A973E}" type="presParOf" srcId="{614BF751-4353-A040-8851-30222514E4B1}" destId="{1FD57634-E951-E04A-9246-FCD7F7807AB7}" srcOrd="4" destOrd="0" presId="urn:microsoft.com/office/officeart/2005/8/layout/venn1"/>
+    <dgm:cxn modelId="{8151592E-169D-E34C-BBC1-4468B282E90B}" type="presParOf" srcId="{614BF751-4353-A040-8851-30222514E4B1}" destId="{A610140F-0E16-4342-A5A8-6C54F503E54B}" srcOrd="5" destOrd="0" presId="urn:microsoft.com/office/officeart/2005/8/layout/venn1"/>
+    <dgm:cxn modelId="{47308980-EAFF-E34C-B7CE-6BCCD1F2FF0A}" type="presParOf" srcId="{614BF751-4353-A040-8851-30222514E4B1}" destId="{11571F63-98E7-5746-A125-24FC9D010A4E}" srcOrd="6" destOrd="0" presId="urn:microsoft.com/office/officeart/2005/8/layout/venn1"/>
+    <dgm:cxn modelId="{C269FC90-85AA-CE45-8406-DFD76B3B09E5}" type="presParOf" srcId="{614BF751-4353-A040-8851-30222514E4B1}" destId="{389519C1-107A-1E40-9450-B3F78BF1384B}" srcOrd="7" destOrd="0" presId="urn:microsoft.com/office/officeart/2005/8/layout/venn1"/>
+  </dgm:cxnLst>
+  <dgm:bg/>
+  <dgm:whole/>
+  <dgm:extLst>
+    <a:ext uri="http://schemas.microsoft.com/office/drawing/2008/diagram">
+      <dsp:dataModelExt xmlns:dsp="http://schemas.microsoft.com/office/drawing/2008/diagram" relId="rId6" minVer="http://schemas.openxmlformats.org/drawingml/2006/diagram"/>
+    </a:ext>
+  </dgm:extLst>
+</dgm:dataModel>
+</file>
+
+<file path=ppt/diagrams/data3.xml><?xml version="1.0" encoding="utf-8"?>
 <dgm:dataModel xmlns:dgm="http://schemas.openxmlformats.org/drawingml/2006/diagram" xmlns:a="http://schemas.openxmlformats.org/drawingml/2006/main">
   <dgm:ptLst>
     <dgm:pt modelId="{51639F81-8175-D445-B6DD-ADB2399E4F74}" type="doc">
@@ -3522,341 +3849,6 @@
 </dgm:dataModel>
 </file>
 
-<file path=ppt/diagrams/data3.xml><?xml version="1.0" encoding="utf-8"?>
-<dgm:dataModel xmlns:dgm="http://schemas.openxmlformats.org/drawingml/2006/diagram" xmlns:a="http://schemas.openxmlformats.org/drawingml/2006/main">
-  <dgm:ptLst>
-    <dgm:pt modelId="{C9B6C4C1-9595-574F-9930-6B48376A02A0}" type="doc">
-      <dgm:prSet loTypeId="urn:microsoft.com/office/officeart/2005/8/layout/radial5" loCatId="" qsTypeId="urn:microsoft.com/office/officeart/2005/8/quickstyle/simple3" qsCatId="simple" csTypeId="urn:microsoft.com/office/officeart/2005/8/colors/colorful1" csCatId="colorful" phldr="1"/>
-      <dgm:spPr/>
-      <dgm:t>
-        <a:bodyPr/>
-        <a:lstStyle/>
-        <a:p>
-          <a:endParaRPr lang="en-US"/>
-        </a:p>
-      </dgm:t>
-    </dgm:pt>
-    <dgm:pt modelId="{16ABB3E6-51F6-FC4D-A57E-CE14BFB290E3}">
-      <dgm:prSet phldrT="[Text]"/>
-      <dgm:spPr/>
-      <dgm:t>
-        <a:bodyPr/>
-        <a:lstStyle/>
-        <a:p>
-          <a:r>
-            <a:rPr lang="en-US" dirty="0" err="1" smtClean="0"/>
-            <a:t>DevOpsUse</a:t>
-          </a:r>
-          <a:endParaRPr lang="en-US" dirty="0"/>
-        </a:p>
-      </dgm:t>
-    </dgm:pt>
-    <dgm:pt modelId="{868387BB-D9AA-2245-93C9-650A02894EA6}" type="parTrans" cxnId="{9AC1479D-6212-2E4A-B7E1-30A516B829D2}">
-      <dgm:prSet/>
-      <dgm:spPr/>
-      <dgm:t>
-        <a:bodyPr/>
-        <a:lstStyle/>
-        <a:p>
-          <a:endParaRPr lang="en-US"/>
-        </a:p>
-      </dgm:t>
-    </dgm:pt>
-    <dgm:pt modelId="{F5D56ADB-AC60-B441-B5AE-90BC6B91209B}" type="sibTrans" cxnId="{9AC1479D-6212-2E4A-B7E1-30A516B829D2}">
-      <dgm:prSet/>
-      <dgm:spPr/>
-      <dgm:t>
-        <a:bodyPr/>
-        <a:lstStyle/>
-        <a:p>
-          <a:endParaRPr lang="en-US"/>
-        </a:p>
-      </dgm:t>
-    </dgm:pt>
-    <dgm:pt modelId="{55FDFE82-EE07-644F-852E-DA9574A5E659}">
-      <dgm:prSet phldrT="[Text]"/>
-      <dgm:spPr/>
-      <dgm:t>
-        <a:bodyPr/>
-        <a:lstStyle/>
-        <a:p>
-          <a:r>
-            <a:rPr lang="en-US" dirty="0" smtClean="0"/>
-            <a:t>Development</a:t>
-          </a:r>
-          <a:endParaRPr lang="en-US" dirty="0"/>
-        </a:p>
-      </dgm:t>
-    </dgm:pt>
-    <dgm:pt modelId="{2DA309AE-D6C8-B24E-9374-BBF57BED8AD8}" type="parTrans" cxnId="{CDFF84D8-084D-FB45-88F2-8D216BCF1B80}">
-      <dgm:prSet/>
-      <dgm:spPr/>
-      <dgm:t>
-        <a:bodyPr/>
-        <a:lstStyle/>
-        <a:p>
-          <a:endParaRPr lang="en-US"/>
-        </a:p>
-      </dgm:t>
-    </dgm:pt>
-    <dgm:pt modelId="{A54365D5-5F33-4D46-B82B-AF777F917DE5}" type="sibTrans" cxnId="{CDFF84D8-084D-FB45-88F2-8D216BCF1B80}">
-      <dgm:prSet/>
-      <dgm:spPr/>
-      <dgm:t>
-        <a:bodyPr/>
-        <a:lstStyle/>
-        <a:p>
-          <a:endParaRPr lang="en-US"/>
-        </a:p>
-      </dgm:t>
-    </dgm:pt>
-    <dgm:pt modelId="{64F948DE-1B79-434E-ABFA-4A9D93A493A4}">
-      <dgm:prSet phldrT="[Text]"/>
-      <dgm:spPr/>
-      <dgm:t>
-        <a:bodyPr/>
-        <a:lstStyle/>
-        <a:p>
-          <a:r>
-            <a:rPr lang="en-US" dirty="0" smtClean="0"/>
-            <a:t>Quality</a:t>
-          </a:r>
-        </a:p>
-        <a:p>
-          <a:r>
-            <a:rPr lang="en-US" dirty="0" smtClean="0"/>
-            <a:t>Control</a:t>
-          </a:r>
-          <a:endParaRPr lang="en-US" dirty="0"/>
-        </a:p>
-      </dgm:t>
-    </dgm:pt>
-    <dgm:pt modelId="{7051D8BD-82FD-B747-A9E6-A99D11A51CB9}" type="parTrans" cxnId="{9271B694-5624-444C-A090-A2380CC4B787}">
-      <dgm:prSet/>
-      <dgm:spPr/>
-      <dgm:t>
-        <a:bodyPr/>
-        <a:lstStyle/>
-        <a:p>
-          <a:endParaRPr lang="en-US"/>
-        </a:p>
-      </dgm:t>
-    </dgm:pt>
-    <dgm:pt modelId="{137B22CE-66CC-F44D-98B9-F6C2FE3844C4}" type="sibTrans" cxnId="{9271B694-5624-444C-A090-A2380CC4B787}">
-      <dgm:prSet/>
-      <dgm:spPr/>
-      <dgm:t>
-        <a:bodyPr/>
-        <a:lstStyle/>
-        <a:p>
-          <a:endParaRPr lang="en-US"/>
-        </a:p>
-      </dgm:t>
-    </dgm:pt>
-    <dgm:pt modelId="{783DA713-B707-7641-8161-FF581D94787A}">
-      <dgm:prSet phldrT="[Text]"/>
-      <dgm:spPr/>
-      <dgm:t>
-        <a:bodyPr/>
-        <a:lstStyle/>
-        <a:p>
-          <a:r>
-            <a:rPr lang="en-US" dirty="0" smtClean="0"/>
-            <a:t>Operations</a:t>
-          </a:r>
-          <a:endParaRPr lang="en-US" dirty="0"/>
-        </a:p>
-      </dgm:t>
-    </dgm:pt>
-    <dgm:pt modelId="{2BB0C787-3749-CC48-96F1-BCD336138BBC}" type="parTrans" cxnId="{EA67FF04-C969-0841-9E7D-5B52142CE5A3}">
-      <dgm:prSet/>
-      <dgm:spPr/>
-      <dgm:t>
-        <a:bodyPr/>
-        <a:lstStyle/>
-        <a:p>
-          <a:endParaRPr lang="en-US"/>
-        </a:p>
-      </dgm:t>
-    </dgm:pt>
-    <dgm:pt modelId="{2850E58B-7F09-1149-8F01-80BBF2E65197}" type="sibTrans" cxnId="{EA67FF04-C969-0841-9E7D-5B52142CE5A3}">
-      <dgm:prSet/>
-      <dgm:spPr/>
-      <dgm:t>
-        <a:bodyPr/>
-        <a:lstStyle/>
-        <a:p>
-          <a:endParaRPr lang="en-US"/>
-        </a:p>
-      </dgm:t>
-    </dgm:pt>
-    <dgm:pt modelId="{1CFCF618-85AA-1540-BB4F-99CBFD1D840F}">
-      <dgm:prSet phldrT="[Text]"/>
-      <dgm:spPr/>
-      <dgm:t>
-        <a:bodyPr/>
-        <a:lstStyle/>
-        <a:p>
-          <a:r>
-            <a:rPr lang="en-US" dirty="0" smtClean="0"/>
-            <a:t>User </a:t>
-          </a:r>
-        </a:p>
-        <a:p>
-          <a:r>
-            <a:rPr lang="en-US" dirty="0" smtClean="0"/>
-            <a:t>Support</a:t>
-          </a:r>
-          <a:endParaRPr lang="en-US" dirty="0"/>
-        </a:p>
-      </dgm:t>
-    </dgm:pt>
-    <dgm:pt modelId="{D34B288A-D134-7049-BD1B-165C28717412}" type="parTrans" cxnId="{D23C32E8-3999-C046-A9F3-BA069A6EAA53}">
-      <dgm:prSet/>
-      <dgm:spPr/>
-      <dgm:t>
-        <a:bodyPr/>
-        <a:lstStyle/>
-        <a:p>
-          <a:endParaRPr lang="en-US"/>
-        </a:p>
-      </dgm:t>
-    </dgm:pt>
-    <dgm:pt modelId="{490D5322-F378-E147-995C-E086ADEAF508}" type="sibTrans" cxnId="{D23C32E8-3999-C046-A9F3-BA069A6EAA53}">
-      <dgm:prSet/>
-      <dgm:spPr/>
-      <dgm:t>
-        <a:bodyPr/>
-        <a:lstStyle/>
-        <a:p>
-          <a:endParaRPr lang="en-US"/>
-        </a:p>
-      </dgm:t>
-    </dgm:pt>
-    <dgm:pt modelId="{C7FBEAC8-E4CA-E446-AEA2-596C4EA28AD1}" type="pres">
-      <dgm:prSet presAssocID="{C9B6C4C1-9595-574F-9930-6B48376A02A0}" presName="Name0" presStyleCnt="0">
-        <dgm:presLayoutVars>
-          <dgm:chMax val="1"/>
-          <dgm:dir/>
-          <dgm:animLvl val="ctr"/>
-          <dgm:resizeHandles val="exact"/>
-        </dgm:presLayoutVars>
-      </dgm:prSet>
-      <dgm:spPr/>
-    </dgm:pt>
-    <dgm:pt modelId="{6C21D262-8595-1C45-ABBE-C62BF457678A}" type="pres">
-      <dgm:prSet presAssocID="{16ABB3E6-51F6-FC4D-A57E-CE14BFB290E3}" presName="centerShape" presStyleLbl="node0" presStyleIdx="0" presStyleCnt="1"/>
-      <dgm:spPr/>
-    </dgm:pt>
-    <dgm:pt modelId="{C61FE9CB-F761-604F-A407-B21A864454B7}" type="pres">
-      <dgm:prSet presAssocID="{2DA309AE-D6C8-B24E-9374-BBF57BED8AD8}" presName="parTrans" presStyleLbl="sibTrans2D1" presStyleIdx="0" presStyleCnt="4"/>
-      <dgm:spPr/>
-    </dgm:pt>
-    <dgm:pt modelId="{949D2A3D-AFFF-9843-BEB6-E88D577629CA}" type="pres">
-      <dgm:prSet presAssocID="{2DA309AE-D6C8-B24E-9374-BBF57BED8AD8}" presName="connectorText" presStyleLbl="sibTrans2D1" presStyleIdx="0" presStyleCnt="4"/>
-      <dgm:spPr/>
-    </dgm:pt>
-    <dgm:pt modelId="{0D7E1F44-363A-D04D-BDC0-515E05309709}" type="pres">
-      <dgm:prSet presAssocID="{55FDFE82-EE07-644F-852E-DA9574A5E659}" presName="node" presStyleLbl="node1" presStyleIdx="0" presStyleCnt="4">
-        <dgm:presLayoutVars>
-          <dgm:bulletEnabled val="1"/>
-        </dgm:presLayoutVars>
-      </dgm:prSet>
-      <dgm:spPr/>
-    </dgm:pt>
-    <dgm:pt modelId="{26BC6F49-4FEF-B44D-8C5D-5C7DFD31F1E3}" type="pres">
-      <dgm:prSet presAssocID="{2BB0C787-3749-CC48-96F1-BCD336138BBC}" presName="parTrans" presStyleLbl="sibTrans2D1" presStyleIdx="1" presStyleCnt="4"/>
-      <dgm:spPr/>
-    </dgm:pt>
-    <dgm:pt modelId="{0055D4E9-932D-CA47-8B29-124FCCD03245}" type="pres">
-      <dgm:prSet presAssocID="{2BB0C787-3749-CC48-96F1-BCD336138BBC}" presName="connectorText" presStyleLbl="sibTrans2D1" presStyleIdx="1" presStyleCnt="4"/>
-      <dgm:spPr/>
-    </dgm:pt>
-    <dgm:pt modelId="{A3F38CDD-3C65-E645-9C56-C08296C69EB2}" type="pres">
-      <dgm:prSet presAssocID="{783DA713-B707-7641-8161-FF581D94787A}" presName="node" presStyleLbl="node1" presStyleIdx="1" presStyleCnt="4">
-        <dgm:presLayoutVars>
-          <dgm:bulletEnabled val="1"/>
-        </dgm:presLayoutVars>
-      </dgm:prSet>
-      <dgm:spPr/>
-    </dgm:pt>
-    <dgm:pt modelId="{574889F1-2BD3-C64C-8F5F-AE6B399836A4}" type="pres">
-      <dgm:prSet presAssocID="{D34B288A-D134-7049-BD1B-165C28717412}" presName="parTrans" presStyleLbl="sibTrans2D1" presStyleIdx="2" presStyleCnt="4"/>
-      <dgm:spPr/>
-    </dgm:pt>
-    <dgm:pt modelId="{83496FE4-4953-8947-BD58-4A40F8A44AA3}" type="pres">
-      <dgm:prSet presAssocID="{D34B288A-D134-7049-BD1B-165C28717412}" presName="connectorText" presStyleLbl="sibTrans2D1" presStyleIdx="2" presStyleCnt="4"/>
-      <dgm:spPr/>
-    </dgm:pt>
-    <dgm:pt modelId="{5F4D31A8-E95F-0642-B1DD-8DD89A59DCAF}" type="pres">
-      <dgm:prSet presAssocID="{1CFCF618-85AA-1540-BB4F-99CBFD1D840F}" presName="node" presStyleLbl="node1" presStyleIdx="2" presStyleCnt="4">
-        <dgm:presLayoutVars>
-          <dgm:bulletEnabled val="1"/>
-        </dgm:presLayoutVars>
-      </dgm:prSet>
-      <dgm:spPr/>
-    </dgm:pt>
-    <dgm:pt modelId="{828A5975-0F65-5549-9EA5-EE2019572929}" type="pres">
-      <dgm:prSet presAssocID="{7051D8BD-82FD-B747-A9E6-A99D11A51CB9}" presName="parTrans" presStyleLbl="sibTrans2D1" presStyleIdx="3" presStyleCnt="4"/>
-      <dgm:spPr/>
-    </dgm:pt>
-    <dgm:pt modelId="{E9F913EE-3EBD-5049-804F-FBFA580388E7}" type="pres">
-      <dgm:prSet presAssocID="{7051D8BD-82FD-B747-A9E6-A99D11A51CB9}" presName="connectorText" presStyleLbl="sibTrans2D1" presStyleIdx="3" presStyleCnt="4"/>
-      <dgm:spPr/>
-    </dgm:pt>
-    <dgm:pt modelId="{DEA2CE57-EDCB-7848-B338-A96F532DB442}" type="pres">
-      <dgm:prSet presAssocID="{64F948DE-1B79-434E-ABFA-4A9D93A493A4}" presName="node" presStyleLbl="node1" presStyleIdx="3" presStyleCnt="4">
-        <dgm:presLayoutVars>
-          <dgm:bulletEnabled val="1"/>
-        </dgm:presLayoutVars>
-      </dgm:prSet>
-      <dgm:spPr/>
-    </dgm:pt>
-  </dgm:ptLst>
-  <dgm:cxnLst>
-    <dgm:cxn modelId="{734E5FB3-9FF6-0D43-BF4F-7527BB69E729}" type="presOf" srcId="{2BB0C787-3749-CC48-96F1-BCD336138BBC}" destId="{0055D4E9-932D-CA47-8B29-124FCCD03245}" srcOrd="1" destOrd="0" presId="urn:microsoft.com/office/officeart/2005/8/layout/radial5"/>
-    <dgm:cxn modelId="{B3269A33-6F9A-EE40-B450-6A6125122291}" type="presOf" srcId="{55FDFE82-EE07-644F-852E-DA9574A5E659}" destId="{0D7E1F44-363A-D04D-BDC0-515E05309709}" srcOrd="0" destOrd="0" presId="urn:microsoft.com/office/officeart/2005/8/layout/radial5"/>
-    <dgm:cxn modelId="{53DB3BF9-F334-AA4A-A18C-ED1C43BC8746}" type="presOf" srcId="{2DA309AE-D6C8-B24E-9374-BBF57BED8AD8}" destId="{C61FE9CB-F761-604F-A407-B21A864454B7}" srcOrd="0" destOrd="0" presId="urn:microsoft.com/office/officeart/2005/8/layout/radial5"/>
-    <dgm:cxn modelId="{1DF83BD4-0607-D04F-A989-1104A557E25F}" type="presOf" srcId="{D34B288A-D134-7049-BD1B-165C28717412}" destId="{574889F1-2BD3-C64C-8F5F-AE6B399836A4}" srcOrd="0" destOrd="0" presId="urn:microsoft.com/office/officeart/2005/8/layout/radial5"/>
-    <dgm:cxn modelId="{3ECCCECB-93EA-A942-AA56-FE17520CA6C0}" type="presOf" srcId="{7051D8BD-82FD-B747-A9E6-A99D11A51CB9}" destId="{828A5975-0F65-5549-9EA5-EE2019572929}" srcOrd="0" destOrd="0" presId="urn:microsoft.com/office/officeart/2005/8/layout/radial5"/>
-    <dgm:cxn modelId="{D23C32E8-3999-C046-A9F3-BA069A6EAA53}" srcId="{16ABB3E6-51F6-FC4D-A57E-CE14BFB290E3}" destId="{1CFCF618-85AA-1540-BB4F-99CBFD1D840F}" srcOrd="2" destOrd="0" parTransId="{D34B288A-D134-7049-BD1B-165C28717412}" sibTransId="{490D5322-F378-E147-995C-E086ADEAF508}"/>
-    <dgm:cxn modelId="{EA67FF04-C969-0841-9E7D-5B52142CE5A3}" srcId="{16ABB3E6-51F6-FC4D-A57E-CE14BFB290E3}" destId="{783DA713-B707-7641-8161-FF581D94787A}" srcOrd="1" destOrd="0" parTransId="{2BB0C787-3749-CC48-96F1-BCD336138BBC}" sibTransId="{2850E58B-7F09-1149-8F01-80BBF2E65197}"/>
-    <dgm:cxn modelId="{913CAD90-E4C7-A742-860D-5E53339B7142}" type="presOf" srcId="{C9B6C4C1-9595-574F-9930-6B48376A02A0}" destId="{C7FBEAC8-E4CA-E446-AEA2-596C4EA28AD1}" srcOrd="0" destOrd="0" presId="urn:microsoft.com/office/officeart/2005/8/layout/radial5"/>
-    <dgm:cxn modelId="{CD8411AC-DAB4-A64D-B833-1671DAC1341F}" type="presOf" srcId="{2BB0C787-3749-CC48-96F1-BCD336138BBC}" destId="{26BC6F49-4FEF-B44D-8C5D-5C7DFD31F1E3}" srcOrd="0" destOrd="0" presId="urn:microsoft.com/office/officeart/2005/8/layout/radial5"/>
-    <dgm:cxn modelId="{9AC1479D-6212-2E4A-B7E1-30A516B829D2}" srcId="{C9B6C4C1-9595-574F-9930-6B48376A02A0}" destId="{16ABB3E6-51F6-FC4D-A57E-CE14BFB290E3}" srcOrd="0" destOrd="0" parTransId="{868387BB-D9AA-2245-93C9-650A02894EA6}" sibTransId="{F5D56ADB-AC60-B441-B5AE-90BC6B91209B}"/>
-    <dgm:cxn modelId="{74F0D5DA-7000-2445-910C-626F086AAC29}" type="presOf" srcId="{16ABB3E6-51F6-FC4D-A57E-CE14BFB290E3}" destId="{6C21D262-8595-1C45-ABBE-C62BF457678A}" srcOrd="0" destOrd="0" presId="urn:microsoft.com/office/officeart/2005/8/layout/radial5"/>
-    <dgm:cxn modelId="{D384C6E0-26AA-5E4B-83C8-32DC730F10E8}" type="presOf" srcId="{783DA713-B707-7641-8161-FF581D94787A}" destId="{A3F38CDD-3C65-E645-9C56-C08296C69EB2}" srcOrd="0" destOrd="0" presId="urn:microsoft.com/office/officeart/2005/8/layout/radial5"/>
-    <dgm:cxn modelId="{016F895F-EE53-7E42-BB17-87813F956CD3}" type="presOf" srcId="{D34B288A-D134-7049-BD1B-165C28717412}" destId="{83496FE4-4953-8947-BD58-4A40F8A44AA3}" srcOrd="1" destOrd="0" presId="urn:microsoft.com/office/officeart/2005/8/layout/radial5"/>
-    <dgm:cxn modelId="{5776A7C9-5ECD-A24E-B004-8BE5C6B1C327}" type="presOf" srcId="{64F948DE-1B79-434E-ABFA-4A9D93A493A4}" destId="{DEA2CE57-EDCB-7848-B338-A96F532DB442}" srcOrd="0" destOrd="0" presId="urn:microsoft.com/office/officeart/2005/8/layout/radial5"/>
-    <dgm:cxn modelId="{249220BF-B5D9-9043-AF29-E5D82DD8508B}" type="presOf" srcId="{1CFCF618-85AA-1540-BB4F-99CBFD1D840F}" destId="{5F4D31A8-E95F-0642-B1DD-8DD89A59DCAF}" srcOrd="0" destOrd="0" presId="urn:microsoft.com/office/officeart/2005/8/layout/radial5"/>
-    <dgm:cxn modelId="{8112DFE1-B86E-8C4B-AA4D-7EED4732402B}" type="presOf" srcId="{7051D8BD-82FD-B747-A9E6-A99D11A51CB9}" destId="{E9F913EE-3EBD-5049-804F-FBFA580388E7}" srcOrd="1" destOrd="0" presId="urn:microsoft.com/office/officeart/2005/8/layout/radial5"/>
-    <dgm:cxn modelId="{E79E8EBF-5C4C-F04E-B870-19294A1CBCFF}" type="presOf" srcId="{2DA309AE-D6C8-B24E-9374-BBF57BED8AD8}" destId="{949D2A3D-AFFF-9843-BEB6-E88D577629CA}" srcOrd="1" destOrd="0" presId="urn:microsoft.com/office/officeart/2005/8/layout/radial5"/>
-    <dgm:cxn modelId="{9271B694-5624-444C-A090-A2380CC4B787}" srcId="{16ABB3E6-51F6-FC4D-A57E-CE14BFB290E3}" destId="{64F948DE-1B79-434E-ABFA-4A9D93A493A4}" srcOrd="3" destOrd="0" parTransId="{7051D8BD-82FD-B747-A9E6-A99D11A51CB9}" sibTransId="{137B22CE-66CC-F44D-98B9-F6C2FE3844C4}"/>
-    <dgm:cxn modelId="{CDFF84D8-084D-FB45-88F2-8D216BCF1B80}" srcId="{16ABB3E6-51F6-FC4D-A57E-CE14BFB290E3}" destId="{55FDFE82-EE07-644F-852E-DA9574A5E659}" srcOrd="0" destOrd="0" parTransId="{2DA309AE-D6C8-B24E-9374-BBF57BED8AD8}" sibTransId="{A54365D5-5F33-4D46-B82B-AF777F917DE5}"/>
-    <dgm:cxn modelId="{549AEAAC-9B98-BA48-BB06-0F4DA96ABC8B}" type="presParOf" srcId="{C7FBEAC8-E4CA-E446-AEA2-596C4EA28AD1}" destId="{6C21D262-8595-1C45-ABBE-C62BF457678A}" srcOrd="0" destOrd="0" presId="urn:microsoft.com/office/officeart/2005/8/layout/radial5"/>
-    <dgm:cxn modelId="{7320F896-DB70-764E-9EE7-8569C7A341B2}" type="presParOf" srcId="{C7FBEAC8-E4CA-E446-AEA2-596C4EA28AD1}" destId="{C61FE9CB-F761-604F-A407-B21A864454B7}" srcOrd="1" destOrd="0" presId="urn:microsoft.com/office/officeart/2005/8/layout/radial5"/>
-    <dgm:cxn modelId="{BCFEA0A4-FF25-F842-BC43-CECA081702F7}" type="presParOf" srcId="{C61FE9CB-F761-604F-A407-B21A864454B7}" destId="{949D2A3D-AFFF-9843-BEB6-E88D577629CA}" srcOrd="0" destOrd="0" presId="urn:microsoft.com/office/officeart/2005/8/layout/radial5"/>
-    <dgm:cxn modelId="{A69B25B8-89A7-7A4A-94EB-BCD9A8A010C0}" type="presParOf" srcId="{C7FBEAC8-E4CA-E446-AEA2-596C4EA28AD1}" destId="{0D7E1F44-363A-D04D-BDC0-515E05309709}" srcOrd="2" destOrd="0" presId="urn:microsoft.com/office/officeart/2005/8/layout/radial5"/>
-    <dgm:cxn modelId="{F8F4474C-4550-214A-8EB9-4E5ED21938F9}" type="presParOf" srcId="{C7FBEAC8-E4CA-E446-AEA2-596C4EA28AD1}" destId="{26BC6F49-4FEF-B44D-8C5D-5C7DFD31F1E3}" srcOrd="3" destOrd="0" presId="urn:microsoft.com/office/officeart/2005/8/layout/radial5"/>
-    <dgm:cxn modelId="{A7247AB1-BD74-774E-A55E-AF8ED12AEEFA}" type="presParOf" srcId="{26BC6F49-4FEF-B44D-8C5D-5C7DFD31F1E3}" destId="{0055D4E9-932D-CA47-8B29-124FCCD03245}" srcOrd="0" destOrd="0" presId="urn:microsoft.com/office/officeart/2005/8/layout/radial5"/>
-    <dgm:cxn modelId="{D13C4254-8826-C440-A6F5-0A966F58C0DC}" type="presParOf" srcId="{C7FBEAC8-E4CA-E446-AEA2-596C4EA28AD1}" destId="{A3F38CDD-3C65-E645-9C56-C08296C69EB2}" srcOrd="4" destOrd="0" presId="urn:microsoft.com/office/officeart/2005/8/layout/radial5"/>
-    <dgm:cxn modelId="{99166DFC-5209-5E45-92B3-EBC8DC3A9FE4}" type="presParOf" srcId="{C7FBEAC8-E4CA-E446-AEA2-596C4EA28AD1}" destId="{574889F1-2BD3-C64C-8F5F-AE6B399836A4}" srcOrd="5" destOrd="0" presId="urn:microsoft.com/office/officeart/2005/8/layout/radial5"/>
-    <dgm:cxn modelId="{1D600DCE-C7FC-3D4F-A88E-1F1D5AF00217}" type="presParOf" srcId="{574889F1-2BD3-C64C-8F5F-AE6B399836A4}" destId="{83496FE4-4953-8947-BD58-4A40F8A44AA3}" srcOrd="0" destOrd="0" presId="urn:microsoft.com/office/officeart/2005/8/layout/radial5"/>
-    <dgm:cxn modelId="{EFB30A27-3078-9049-B1F6-CBFA76CB18D4}" type="presParOf" srcId="{C7FBEAC8-E4CA-E446-AEA2-596C4EA28AD1}" destId="{5F4D31A8-E95F-0642-B1DD-8DD89A59DCAF}" srcOrd="6" destOrd="0" presId="urn:microsoft.com/office/officeart/2005/8/layout/radial5"/>
-    <dgm:cxn modelId="{A5F602BE-40D0-434C-BA2E-99EF1121988B}" type="presParOf" srcId="{C7FBEAC8-E4CA-E446-AEA2-596C4EA28AD1}" destId="{828A5975-0F65-5549-9EA5-EE2019572929}" srcOrd="7" destOrd="0" presId="urn:microsoft.com/office/officeart/2005/8/layout/radial5"/>
-    <dgm:cxn modelId="{C9D69E49-14DC-914A-B4D2-8D26037125F5}" type="presParOf" srcId="{828A5975-0F65-5549-9EA5-EE2019572929}" destId="{E9F913EE-3EBD-5049-804F-FBFA580388E7}" srcOrd="0" destOrd="0" presId="urn:microsoft.com/office/officeart/2005/8/layout/radial5"/>
-    <dgm:cxn modelId="{B6D02265-5DF4-314E-A369-D830B49DA7F0}" type="presParOf" srcId="{C7FBEAC8-E4CA-E446-AEA2-596C4EA28AD1}" destId="{DEA2CE57-EDCB-7848-B338-A96F532DB442}" srcOrd="8" destOrd="0" presId="urn:microsoft.com/office/officeart/2005/8/layout/radial5"/>
-  </dgm:cxnLst>
-  <dgm:bg/>
-  <dgm:whole/>
-  <dgm:extLst>
-    <a:ext uri="http://schemas.microsoft.com/office/drawing/2008/diagram">
-      <dsp:dataModelExt xmlns:dsp="http://schemas.microsoft.com/office/drawing/2008/diagram" relId="rId6" minVer="http://schemas.openxmlformats.org/drawingml/2006/diagram"/>
-    </a:ext>
-  </dgm:extLst>
-</dgm:dataModel>
-</file>
-
 <file path=ppt/diagrams/drawing1.xml><?xml version="1.0" encoding="utf-8"?>
 <dsp:drawing xmlns:dgm="http://schemas.openxmlformats.org/drawingml/2006/diagram" xmlns:dsp="http://schemas.microsoft.com/office/drawing/2008/diagram" xmlns:a="http://schemas.openxmlformats.org/drawingml/2006/main">
   <dsp:spTree>
@@ -4158,6 +4150,490 @@
 </file>
 
 <file path=ppt/diagrams/drawing2.xml><?xml version="1.0" encoding="utf-8"?>
+<dsp:drawing xmlns:dgm="http://schemas.openxmlformats.org/drawingml/2006/diagram" xmlns:dsp="http://schemas.microsoft.com/office/drawing/2008/diagram" xmlns:a="http://schemas.openxmlformats.org/drawingml/2006/main">
+  <dsp:spTree>
+    <dsp:nvGrpSpPr>
+      <dsp:cNvPr id="0" name=""/>
+      <dsp:cNvGrpSpPr/>
+    </dsp:nvGrpSpPr>
+    <dsp:grpSpPr/>
+    <dsp:sp modelId="{2A4EFB8E-404C-2044-B9B2-5727A6D6C444}">
+      <dsp:nvSpPr>
+        <dsp:cNvPr id="0" name=""/>
+        <dsp:cNvSpPr/>
+      </dsp:nvSpPr>
+      <dsp:spPr>
+        <a:xfrm>
+          <a:off x="2861609" y="-450586"/>
+          <a:ext cx="3921949" cy="3966282"/>
+        </a:xfrm>
+        <a:prstGeom prst="ellipse">
+          <a:avLst/>
+        </a:prstGeom>
+        <a:gradFill rotWithShape="0">
+          <a:gsLst>
+            <a:gs pos="0">
+              <a:schemeClr val="accent2">
+                <a:alpha val="50000"/>
+                <a:hueOff val="0"/>
+                <a:satOff val="0"/>
+                <a:lumOff val="0"/>
+                <a:alphaOff val="0"/>
+                <a:tint val="100000"/>
+                <a:shade val="100000"/>
+                <a:satMod val="130000"/>
+              </a:schemeClr>
+            </a:gs>
+            <a:gs pos="100000">
+              <a:schemeClr val="accent2">
+                <a:alpha val="50000"/>
+                <a:hueOff val="0"/>
+                <a:satOff val="0"/>
+                <a:lumOff val="0"/>
+                <a:alphaOff val="0"/>
+                <a:tint val="50000"/>
+                <a:shade val="100000"/>
+                <a:satMod val="350000"/>
+              </a:schemeClr>
+            </a:gs>
+          </a:gsLst>
+          <a:lin ang="16200000" scaled="0"/>
+        </a:gradFill>
+        <a:ln>
+          <a:noFill/>
+        </a:ln>
+        <a:effectLst>
+          <a:outerShdw blurRad="40000" dist="23000" dir="5400000" rotWithShape="0">
+            <a:srgbClr val="000000">
+              <a:alpha val="35000"/>
+            </a:srgbClr>
+          </a:outerShdw>
+        </a:effectLst>
+        <a:scene3d>
+          <a:camera prst="orthographicFront">
+            <a:rot lat="0" lon="0" rev="0"/>
+          </a:camera>
+          <a:lightRig rig="threePt" dir="t">
+            <a:rot lat="0" lon="0" rev="1200000"/>
+          </a:lightRig>
+        </a:scene3d>
+        <a:sp3d>
+          <a:bevelT w="63500" h="25400"/>
+        </a:sp3d>
+      </dsp:spPr>
+      <dsp:style>
+        <a:lnRef idx="0">
+          <a:scrgbClr r="0" g="0" b="0"/>
+        </a:lnRef>
+        <a:fillRef idx="3">
+          <a:scrgbClr r="0" g="0" b="0"/>
+        </a:fillRef>
+        <a:effectRef idx="3">
+          <a:scrgbClr r="0" g="0" b="0"/>
+        </a:effectRef>
+        <a:fontRef idx="minor">
+          <a:schemeClr val="tx1"/>
+        </a:fontRef>
+      </dsp:style>
+      <dsp:txBody>
+        <a:bodyPr spcFirstLastPara="0" vert="horz" wrap="square" lIns="0" tIns="0" rIns="0" bIns="0" numCol="1" spcCol="1270" anchor="ctr" anchorCtr="0">
+          <a:noAutofit/>
+        </a:bodyPr>
+        <a:lstStyle/>
+        <a:p>
+          <a:pPr lvl="0" algn="ctr" defTabSz="1066800">
+            <a:lnSpc>
+              <a:spcPct val="90000"/>
+            </a:lnSpc>
+            <a:spcBef>
+              <a:spcPct val="0"/>
+            </a:spcBef>
+            <a:spcAft>
+              <a:spcPct val="35000"/>
+            </a:spcAft>
+          </a:pPr>
+          <a:r>
+            <a:rPr lang="en-US" sz="2400" i="1" kern="1200" dirty="0" smtClean="0">
+              <a:latin typeface="Helvetica"/>
+              <a:cs typeface="Helvetica"/>
+            </a:rPr>
+            <a:t>Development</a:t>
+          </a:r>
+          <a:endParaRPr lang="en-US" sz="2400" i="1" kern="1200" dirty="0">
+            <a:latin typeface="Helvetica"/>
+            <a:cs typeface="Helvetica"/>
+          </a:endParaRPr>
+        </a:p>
+      </dsp:txBody>
+      <dsp:txXfrm>
+        <a:off x="3314141" y="83335"/>
+        <a:ext cx="3016884" cy="1258531"/>
+      </dsp:txXfrm>
+    </dsp:sp>
+    <dsp:sp modelId="{B83B3B6D-D8C6-F345-A5C1-28C0A6AE7F3F}">
+      <dsp:nvSpPr>
+        <dsp:cNvPr id="0" name=""/>
+        <dsp:cNvSpPr/>
+      </dsp:nvSpPr>
+      <dsp:spPr>
+        <a:xfrm>
+          <a:off x="4167118" y="854922"/>
+          <a:ext cx="3921949" cy="3966282"/>
+        </a:xfrm>
+        <a:prstGeom prst="ellipse">
+          <a:avLst/>
+        </a:prstGeom>
+        <a:gradFill rotWithShape="0">
+          <a:gsLst>
+            <a:gs pos="0">
+              <a:schemeClr val="accent3">
+                <a:alpha val="50000"/>
+                <a:hueOff val="0"/>
+                <a:satOff val="0"/>
+                <a:lumOff val="0"/>
+                <a:alphaOff val="0"/>
+                <a:tint val="100000"/>
+                <a:shade val="100000"/>
+                <a:satMod val="130000"/>
+              </a:schemeClr>
+            </a:gs>
+            <a:gs pos="100000">
+              <a:schemeClr val="accent3">
+                <a:alpha val="50000"/>
+                <a:hueOff val="0"/>
+                <a:satOff val="0"/>
+                <a:lumOff val="0"/>
+                <a:alphaOff val="0"/>
+                <a:tint val="50000"/>
+                <a:shade val="100000"/>
+                <a:satMod val="350000"/>
+              </a:schemeClr>
+            </a:gs>
+          </a:gsLst>
+          <a:lin ang="16200000" scaled="0"/>
+        </a:gradFill>
+        <a:ln>
+          <a:noFill/>
+        </a:ln>
+        <a:effectLst>
+          <a:outerShdw blurRad="40000" dist="23000" dir="5400000" rotWithShape="0">
+            <a:srgbClr val="000000">
+              <a:alpha val="35000"/>
+            </a:srgbClr>
+          </a:outerShdw>
+        </a:effectLst>
+        <a:scene3d>
+          <a:camera prst="orthographicFront">
+            <a:rot lat="0" lon="0" rev="0"/>
+          </a:camera>
+          <a:lightRig rig="threePt" dir="t">
+            <a:rot lat="0" lon="0" rev="1200000"/>
+          </a:lightRig>
+        </a:scene3d>
+        <a:sp3d>
+          <a:bevelT w="63500" h="25400"/>
+        </a:sp3d>
+      </dsp:spPr>
+      <dsp:style>
+        <a:lnRef idx="0">
+          <a:scrgbClr r="0" g="0" b="0"/>
+        </a:lnRef>
+        <a:fillRef idx="3">
+          <a:scrgbClr r="0" g="0" b="0"/>
+        </a:fillRef>
+        <a:effectRef idx="3">
+          <a:scrgbClr r="0" g="0" b="0"/>
+        </a:effectRef>
+        <a:fontRef idx="minor">
+          <a:schemeClr val="tx1"/>
+        </a:fontRef>
+      </dsp:style>
+      <dsp:txBody>
+        <a:bodyPr spcFirstLastPara="0" vert="horz" wrap="square" lIns="0" tIns="0" rIns="0" bIns="0" numCol="1" spcCol="1270" anchor="ctr" anchorCtr="0">
+          <a:noAutofit/>
+        </a:bodyPr>
+        <a:lstStyle/>
+        <a:p>
+          <a:pPr lvl="0" algn="ctr" defTabSz="1066800">
+            <a:lnSpc>
+              <a:spcPct val="90000"/>
+            </a:lnSpc>
+            <a:spcBef>
+              <a:spcPct val="0"/>
+            </a:spcBef>
+            <a:spcAft>
+              <a:spcPct val="35000"/>
+            </a:spcAft>
+          </a:pPr>
+          <a:r>
+            <a:rPr lang="en-US" sz="2400" i="1" kern="1200" dirty="0" smtClean="0">
+              <a:latin typeface="Helvetica"/>
+              <a:cs typeface="Helvetica"/>
+            </a:rPr>
+            <a:t>Quality Assurance</a:t>
+          </a:r>
+          <a:endParaRPr lang="en-US" sz="2400" i="1" kern="1200" dirty="0">
+            <a:latin typeface="Helvetica"/>
+            <a:cs typeface="Helvetica"/>
+          </a:endParaRPr>
+        </a:p>
+      </dsp:txBody>
+      <dsp:txXfrm>
+        <a:off x="6278937" y="1312570"/>
+        <a:ext cx="1508442" cy="3050986"/>
+      </dsp:txXfrm>
+    </dsp:sp>
+    <dsp:sp modelId="{1FD57634-E951-E04A-9246-FCD7F7807AB7}">
+      <dsp:nvSpPr>
+        <dsp:cNvPr id="0" name=""/>
+        <dsp:cNvSpPr/>
+      </dsp:nvSpPr>
+      <dsp:spPr>
+        <a:xfrm>
+          <a:off x="2861609" y="2160431"/>
+          <a:ext cx="3921949" cy="3966282"/>
+        </a:xfrm>
+        <a:prstGeom prst="ellipse">
+          <a:avLst/>
+        </a:prstGeom>
+        <a:gradFill rotWithShape="0">
+          <a:gsLst>
+            <a:gs pos="0">
+              <a:schemeClr val="accent4">
+                <a:alpha val="50000"/>
+                <a:hueOff val="0"/>
+                <a:satOff val="0"/>
+                <a:lumOff val="0"/>
+                <a:alphaOff val="0"/>
+                <a:tint val="100000"/>
+                <a:shade val="100000"/>
+                <a:satMod val="130000"/>
+              </a:schemeClr>
+            </a:gs>
+            <a:gs pos="100000">
+              <a:schemeClr val="accent4">
+                <a:alpha val="50000"/>
+                <a:hueOff val="0"/>
+                <a:satOff val="0"/>
+                <a:lumOff val="0"/>
+                <a:alphaOff val="0"/>
+                <a:tint val="50000"/>
+                <a:shade val="100000"/>
+                <a:satMod val="350000"/>
+              </a:schemeClr>
+            </a:gs>
+          </a:gsLst>
+          <a:lin ang="16200000" scaled="0"/>
+        </a:gradFill>
+        <a:ln>
+          <a:noFill/>
+        </a:ln>
+        <a:effectLst>
+          <a:outerShdw blurRad="40000" dist="23000" dir="5400000" rotWithShape="0">
+            <a:srgbClr val="000000">
+              <a:alpha val="35000"/>
+            </a:srgbClr>
+          </a:outerShdw>
+        </a:effectLst>
+        <a:scene3d>
+          <a:camera prst="orthographicFront">
+            <a:rot lat="0" lon="0" rev="0"/>
+          </a:camera>
+          <a:lightRig rig="threePt" dir="t">
+            <a:rot lat="0" lon="0" rev="1200000"/>
+          </a:lightRig>
+        </a:scene3d>
+        <a:sp3d>
+          <a:bevelT w="63500" h="25400"/>
+        </a:sp3d>
+      </dsp:spPr>
+      <dsp:style>
+        <a:lnRef idx="0">
+          <a:scrgbClr r="0" g="0" b="0"/>
+        </a:lnRef>
+        <a:fillRef idx="3">
+          <a:scrgbClr r="0" g="0" b="0"/>
+        </a:fillRef>
+        <a:effectRef idx="3">
+          <a:scrgbClr r="0" g="0" b="0"/>
+        </a:effectRef>
+        <a:fontRef idx="minor">
+          <a:schemeClr val="tx1"/>
+        </a:fontRef>
+      </dsp:style>
+      <dsp:txBody>
+        <a:bodyPr spcFirstLastPara="0" vert="horz" wrap="square" lIns="0" tIns="0" rIns="0" bIns="0" numCol="1" spcCol="1270" anchor="ctr" anchorCtr="0">
+          <a:noAutofit/>
+        </a:bodyPr>
+        <a:lstStyle/>
+        <a:p>
+          <a:pPr lvl="0" algn="ctr" defTabSz="1066800">
+            <a:lnSpc>
+              <a:spcPct val="90000"/>
+            </a:lnSpc>
+            <a:spcBef>
+              <a:spcPct val="0"/>
+            </a:spcBef>
+            <a:spcAft>
+              <a:spcPct val="35000"/>
+            </a:spcAft>
+          </a:pPr>
+          <a:r>
+            <a:rPr lang="en-US" sz="2400" i="1" kern="1200" dirty="0" smtClean="0">
+              <a:latin typeface="Helvetica"/>
+              <a:cs typeface="Helvetica"/>
+            </a:rPr>
+            <a:t>Operations</a:t>
+          </a:r>
+          <a:endParaRPr lang="en-US" sz="2400" i="1" kern="1200" dirty="0">
+            <a:latin typeface="Helvetica"/>
+            <a:cs typeface="Helvetica"/>
+          </a:endParaRPr>
+        </a:p>
+      </dsp:txBody>
+      <dsp:txXfrm>
+        <a:off x="3314141" y="4334259"/>
+        <a:ext cx="3016884" cy="1258531"/>
+      </dsp:txXfrm>
+    </dsp:sp>
+    <dsp:sp modelId="{11571F63-98E7-5746-A125-24FC9D010A4E}">
+      <dsp:nvSpPr>
+        <dsp:cNvPr id="0" name=""/>
+        <dsp:cNvSpPr/>
+      </dsp:nvSpPr>
+      <dsp:spPr>
+        <a:xfrm>
+          <a:off x="1677853" y="920477"/>
+          <a:ext cx="3678443" cy="3835172"/>
+        </a:xfrm>
+        <a:prstGeom prst="ellipse">
+          <a:avLst/>
+        </a:prstGeom>
+        <a:gradFill rotWithShape="0">
+          <a:gsLst>
+            <a:gs pos="0">
+              <a:schemeClr val="accent5">
+                <a:alpha val="50000"/>
+                <a:hueOff val="0"/>
+                <a:satOff val="0"/>
+                <a:lumOff val="0"/>
+                <a:alphaOff val="0"/>
+                <a:tint val="100000"/>
+                <a:shade val="100000"/>
+                <a:satMod val="130000"/>
+              </a:schemeClr>
+            </a:gs>
+            <a:gs pos="100000">
+              <a:schemeClr val="accent5">
+                <a:alpha val="50000"/>
+                <a:hueOff val="0"/>
+                <a:satOff val="0"/>
+                <a:lumOff val="0"/>
+                <a:alphaOff val="0"/>
+                <a:tint val="50000"/>
+                <a:shade val="100000"/>
+                <a:satMod val="350000"/>
+              </a:schemeClr>
+            </a:gs>
+          </a:gsLst>
+          <a:lin ang="16200000" scaled="0"/>
+        </a:gradFill>
+        <a:ln>
+          <a:noFill/>
+        </a:ln>
+        <a:effectLst>
+          <a:outerShdw blurRad="40000" dist="23000" dir="5400000" rotWithShape="0">
+            <a:srgbClr val="000000">
+              <a:alpha val="35000"/>
+            </a:srgbClr>
+          </a:outerShdw>
+        </a:effectLst>
+        <a:scene3d>
+          <a:camera prst="orthographicFront">
+            <a:rot lat="0" lon="0" rev="0"/>
+          </a:camera>
+          <a:lightRig rig="threePt" dir="t">
+            <a:rot lat="0" lon="0" rev="1200000"/>
+          </a:lightRig>
+        </a:scene3d>
+        <a:sp3d>
+          <a:bevelT w="63500" h="25400"/>
+        </a:sp3d>
+      </dsp:spPr>
+      <dsp:style>
+        <a:lnRef idx="0">
+          <a:scrgbClr r="0" g="0" b="0"/>
+        </a:lnRef>
+        <a:fillRef idx="3">
+          <a:scrgbClr r="0" g="0" b="0"/>
+        </a:fillRef>
+        <a:effectRef idx="3">
+          <a:scrgbClr r="0" g="0" b="0"/>
+        </a:effectRef>
+        <a:fontRef idx="minor">
+          <a:schemeClr val="tx1"/>
+        </a:fontRef>
+      </dsp:style>
+      <dsp:txBody>
+        <a:bodyPr spcFirstLastPara="0" vert="horz" wrap="square" lIns="0" tIns="0" rIns="0" bIns="0" numCol="1" spcCol="1270" anchor="ctr" anchorCtr="0">
+          <a:noAutofit/>
+        </a:bodyPr>
+        <a:lstStyle/>
+        <a:p>
+          <a:pPr lvl="0" algn="ctr" defTabSz="1066800">
+            <a:lnSpc>
+              <a:spcPct val="90000"/>
+            </a:lnSpc>
+            <a:spcBef>
+              <a:spcPct val="0"/>
+            </a:spcBef>
+            <a:spcAft>
+              <a:spcPct val="35000"/>
+            </a:spcAft>
+          </a:pPr>
+          <a:r>
+            <a:rPr lang="en-US" sz="2400" i="1" kern="1200" dirty="0" smtClean="0">
+              <a:latin typeface="Helvetica"/>
+              <a:cs typeface="Helvetica"/>
+            </a:rPr>
+            <a:t>User</a:t>
+          </a:r>
+        </a:p>
+        <a:p>
+          <a:pPr lvl="0" algn="ctr" defTabSz="1066800">
+            <a:lnSpc>
+              <a:spcPct val="90000"/>
+            </a:lnSpc>
+            <a:spcBef>
+              <a:spcPct val="0"/>
+            </a:spcBef>
+            <a:spcAft>
+              <a:spcPct val="35000"/>
+            </a:spcAft>
+          </a:pPr>
+          <a:r>
+            <a:rPr lang="en-US" sz="2400" i="1" kern="1200" dirty="0" smtClean="0">
+              <a:latin typeface="Helvetica"/>
+              <a:cs typeface="Helvetica"/>
+            </a:rPr>
+            <a:t>Support</a:t>
+          </a:r>
+          <a:endParaRPr lang="en-US" sz="2400" i="1" kern="1200" dirty="0">
+            <a:latin typeface="Helvetica"/>
+            <a:cs typeface="Helvetica"/>
+          </a:endParaRPr>
+        </a:p>
+      </dsp:txBody>
+      <dsp:txXfrm>
+        <a:off x="1960810" y="1362997"/>
+        <a:ext cx="1414786" cy="2950132"/>
+      </dsp:txXfrm>
+    </dsp:sp>
+  </dsp:spTree>
+</dsp:drawing>
+</file>
+
+<file path=ppt/diagrams/drawing3.xml><?xml version="1.0" encoding="utf-8"?>
 <dsp:drawing xmlns:dgm="http://schemas.openxmlformats.org/drawingml/2006/diagram" xmlns:dsp="http://schemas.microsoft.com/office/drawing/2008/diagram" xmlns:a="http://schemas.openxmlformats.org/drawingml/2006/main">
   <dsp:spTree>
     <dsp:nvGrpSpPr>
@@ -4954,1001 +5430,6 @@
       <dsp:txXfrm>
         <a:off x="1272358" y="541364"/>
         <a:ext cx="1084371" cy="514359"/>
-      </dsp:txXfrm>
-    </dsp:sp>
-  </dsp:spTree>
-</dsp:drawing>
-</file>
-
-<file path=ppt/diagrams/drawing3.xml><?xml version="1.0" encoding="utf-8"?>
-<dsp:drawing xmlns:dgm="http://schemas.openxmlformats.org/drawingml/2006/diagram" xmlns:dsp="http://schemas.microsoft.com/office/drawing/2008/diagram" xmlns:a="http://schemas.openxmlformats.org/drawingml/2006/main">
-  <dsp:spTree>
-    <dsp:nvGrpSpPr>
-      <dsp:cNvPr id="0" name=""/>
-      <dsp:cNvGrpSpPr/>
-    </dsp:nvGrpSpPr>
-    <dsp:grpSpPr/>
-    <dsp:sp modelId="{6C21D262-8595-1C45-ABBE-C62BF457678A}">
-      <dsp:nvSpPr>
-        <dsp:cNvPr id="0" name=""/>
-        <dsp:cNvSpPr/>
-      </dsp:nvSpPr>
-      <dsp:spPr>
-        <a:xfrm>
-          <a:off x="3666221" y="2528055"/>
-          <a:ext cx="1801889" cy="1801889"/>
-        </a:xfrm>
-        <a:prstGeom prst="ellipse">
-          <a:avLst/>
-        </a:prstGeom>
-        <a:gradFill rotWithShape="0">
-          <a:gsLst>
-            <a:gs pos="0">
-              <a:schemeClr val="accent1">
-                <a:hueOff val="0"/>
-                <a:satOff val="0"/>
-                <a:lumOff val="0"/>
-                <a:alphaOff val="0"/>
-                <a:tint val="50000"/>
-                <a:satMod val="300000"/>
-              </a:schemeClr>
-            </a:gs>
-            <a:gs pos="35000">
-              <a:schemeClr val="accent1">
-                <a:hueOff val="0"/>
-                <a:satOff val="0"/>
-                <a:lumOff val="0"/>
-                <a:alphaOff val="0"/>
-                <a:tint val="37000"/>
-                <a:satMod val="300000"/>
-              </a:schemeClr>
-            </a:gs>
-            <a:gs pos="100000">
-              <a:schemeClr val="accent1">
-                <a:hueOff val="0"/>
-                <a:satOff val="0"/>
-                <a:lumOff val="0"/>
-                <a:alphaOff val="0"/>
-                <a:tint val="15000"/>
-                <a:satMod val="350000"/>
-              </a:schemeClr>
-            </a:gs>
-          </a:gsLst>
-          <a:lin ang="16200000" scaled="1"/>
-        </a:gradFill>
-        <a:ln>
-          <a:noFill/>
-        </a:ln>
-        <a:effectLst>
-          <a:outerShdw blurRad="40000" dist="20000" dir="5400000" rotWithShape="0">
-            <a:srgbClr val="000000">
-              <a:alpha val="38000"/>
-            </a:srgbClr>
-          </a:outerShdw>
-        </a:effectLst>
-        <a:scene3d>
-          <a:camera prst="orthographicFront"/>
-          <a:lightRig rig="flat" dir="t"/>
-        </a:scene3d>
-        <a:sp3d prstMaterial="dkEdge">
-          <a:bevelT w="8200" h="38100"/>
-        </a:sp3d>
-      </dsp:spPr>
-      <dsp:style>
-        <a:lnRef idx="0">
-          <a:scrgbClr r="0" g="0" b="0"/>
-        </a:lnRef>
-        <a:fillRef idx="2">
-          <a:scrgbClr r="0" g="0" b="0"/>
-        </a:fillRef>
-        <a:effectRef idx="1">
-          <a:scrgbClr r="0" g="0" b="0"/>
-        </a:effectRef>
-        <a:fontRef idx="minor">
-          <a:schemeClr val="dk1"/>
-        </a:fontRef>
-      </dsp:style>
-      <dsp:txBody>
-        <a:bodyPr spcFirstLastPara="0" vert="horz" wrap="square" lIns="25400" tIns="25400" rIns="25400" bIns="25400" numCol="1" spcCol="1270" anchor="ctr" anchorCtr="0">
-          <a:noAutofit/>
-        </a:bodyPr>
-        <a:lstStyle/>
-        <a:p>
-          <a:pPr lvl="0" algn="ctr" defTabSz="889000">
-            <a:lnSpc>
-              <a:spcPct val="90000"/>
-            </a:lnSpc>
-            <a:spcBef>
-              <a:spcPct val="0"/>
-            </a:spcBef>
-            <a:spcAft>
-              <a:spcPct val="35000"/>
-            </a:spcAft>
-          </a:pPr>
-          <a:r>
-            <a:rPr lang="en-US" sz="2000" kern="1200" dirty="0" err="1" smtClean="0"/>
-            <a:t>DevOpsUse</a:t>
-          </a:r>
-          <a:endParaRPr lang="en-US" sz="2000" kern="1200" dirty="0"/>
-        </a:p>
-      </dsp:txBody>
-      <dsp:txXfrm>
-        <a:off x="3930102" y="2791936"/>
-        <a:ext cx="1274127" cy="1274127"/>
-      </dsp:txXfrm>
-    </dsp:sp>
-    <dsp:sp modelId="{C61FE9CB-F761-604F-A407-B21A864454B7}">
-      <dsp:nvSpPr>
-        <dsp:cNvPr id="0" name=""/>
-        <dsp:cNvSpPr/>
-      </dsp:nvSpPr>
-      <dsp:spPr>
-        <a:xfrm rot="16200000">
-          <a:off x="4375721" y="1871353"/>
-          <a:ext cx="382889" cy="612642"/>
-        </a:xfrm>
-        <a:prstGeom prst="rightArrow">
-          <a:avLst>
-            <a:gd name="adj1" fmla="val 60000"/>
-            <a:gd name="adj2" fmla="val 50000"/>
-          </a:avLst>
-        </a:prstGeom>
-        <a:gradFill rotWithShape="0">
-          <a:gsLst>
-            <a:gs pos="0">
-              <a:schemeClr val="accent2">
-                <a:hueOff val="0"/>
-                <a:satOff val="0"/>
-                <a:lumOff val="0"/>
-                <a:alphaOff val="0"/>
-                <a:tint val="50000"/>
-                <a:satMod val="300000"/>
-              </a:schemeClr>
-            </a:gs>
-            <a:gs pos="35000">
-              <a:schemeClr val="accent2">
-                <a:hueOff val="0"/>
-                <a:satOff val="0"/>
-                <a:lumOff val="0"/>
-                <a:alphaOff val="0"/>
-                <a:tint val="37000"/>
-                <a:satMod val="300000"/>
-              </a:schemeClr>
-            </a:gs>
-            <a:gs pos="100000">
-              <a:schemeClr val="accent2">
-                <a:hueOff val="0"/>
-                <a:satOff val="0"/>
-                <a:lumOff val="0"/>
-                <a:alphaOff val="0"/>
-                <a:tint val="15000"/>
-                <a:satMod val="350000"/>
-              </a:schemeClr>
-            </a:gs>
-          </a:gsLst>
-          <a:lin ang="16200000" scaled="1"/>
-        </a:gradFill>
-        <a:ln>
-          <a:noFill/>
-        </a:ln>
-        <a:effectLst>
-          <a:outerShdw blurRad="40000" dist="20000" dir="5400000" rotWithShape="0">
-            <a:srgbClr val="000000">
-              <a:alpha val="38000"/>
-            </a:srgbClr>
-          </a:outerShdw>
-        </a:effectLst>
-      </dsp:spPr>
-      <dsp:style>
-        <a:lnRef idx="0">
-          <a:scrgbClr r="0" g="0" b="0"/>
-        </a:lnRef>
-        <a:fillRef idx="2">
-          <a:scrgbClr r="0" g="0" b="0"/>
-        </a:fillRef>
-        <a:effectRef idx="1">
-          <a:scrgbClr r="0" g="0" b="0"/>
-        </a:effectRef>
-        <a:fontRef idx="minor">
-          <a:schemeClr val="dk1"/>
-        </a:fontRef>
-      </dsp:style>
-      <dsp:txBody>
-        <a:bodyPr spcFirstLastPara="0" vert="horz" wrap="square" lIns="0" tIns="0" rIns="0" bIns="0" numCol="1" spcCol="1270" anchor="ctr" anchorCtr="0">
-          <a:noAutofit/>
-        </a:bodyPr>
-        <a:lstStyle/>
-        <a:p>
-          <a:pPr lvl="0" algn="ctr" defTabSz="711200">
-            <a:lnSpc>
-              <a:spcPct val="90000"/>
-            </a:lnSpc>
-            <a:spcBef>
-              <a:spcPct val="0"/>
-            </a:spcBef>
-            <a:spcAft>
-              <a:spcPct val="35000"/>
-            </a:spcAft>
-          </a:pPr>
-          <a:endParaRPr lang="en-US" sz="1600" kern="1200"/>
-        </a:p>
-      </dsp:txBody>
-      <dsp:txXfrm>
-        <a:off x="4433155" y="2051315"/>
-        <a:ext cx="268022" cy="367586"/>
-      </dsp:txXfrm>
-    </dsp:sp>
-    <dsp:sp modelId="{0D7E1F44-363A-D04D-BDC0-515E05309709}">
-      <dsp:nvSpPr>
-        <dsp:cNvPr id="0" name=""/>
-        <dsp:cNvSpPr/>
-      </dsp:nvSpPr>
-      <dsp:spPr>
-        <a:xfrm>
-          <a:off x="3666221" y="3732"/>
-          <a:ext cx="1801889" cy="1801889"/>
-        </a:xfrm>
-        <a:prstGeom prst="ellipse">
-          <a:avLst/>
-        </a:prstGeom>
-        <a:gradFill rotWithShape="0">
-          <a:gsLst>
-            <a:gs pos="0">
-              <a:schemeClr val="accent2">
-                <a:hueOff val="0"/>
-                <a:satOff val="0"/>
-                <a:lumOff val="0"/>
-                <a:alphaOff val="0"/>
-                <a:tint val="50000"/>
-                <a:satMod val="300000"/>
-              </a:schemeClr>
-            </a:gs>
-            <a:gs pos="35000">
-              <a:schemeClr val="accent2">
-                <a:hueOff val="0"/>
-                <a:satOff val="0"/>
-                <a:lumOff val="0"/>
-                <a:alphaOff val="0"/>
-                <a:tint val="37000"/>
-                <a:satMod val="300000"/>
-              </a:schemeClr>
-            </a:gs>
-            <a:gs pos="100000">
-              <a:schemeClr val="accent2">
-                <a:hueOff val="0"/>
-                <a:satOff val="0"/>
-                <a:lumOff val="0"/>
-                <a:alphaOff val="0"/>
-                <a:tint val="15000"/>
-                <a:satMod val="350000"/>
-              </a:schemeClr>
-            </a:gs>
-          </a:gsLst>
-          <a:lin ang="16200000" scaled="1"/>
-        </a:gradFill>
-        <a:ln>
-          <a:noFill/>
-        </a:ln>
-        <a:effectLst>
-          <a:outerShdw blurRad="40000" dist="20000" dir="5400000" rotWithShape="0">
-            <a:srgbClr val="000000">
-              <a:alpha val="38000"/>
-            </a:srgbClr>
-          </a:outerShdw>
-        </a:effectLst>
-        <a:scene3d>
-          <a:camera prst="orthographicFront"/>
-          <a:lightRig rig="flat" dir="t"/>
-        </a:scene3d>
-        <a:sp3d prstMaterial="dkEdge">
-          <a:bevelT w="8200" h="38100"/>
-        </a:sp3d>
-      </dsp:spPr>
-      <dsp:style>
-        <a:lnRef idx="0">
-          <a:scrgbClr r="0" g="0" b="0"/>
-        </a:lnRef>
-        <a:fillRef idx="2">
-          <a:scrgbClr r="0" g="0" b="0"/>
-        </a:fillRef>
-        <a:effectRef idx="1">
-          <a:scrgbClr r="0" g="0" b="0"/>
-        </a:effectRef>
-        <a:fontRef idx="minor">
-          <a:schemeClr val="dk1"/>
-        </a:fontRef>
-      </dsp:style>
-      <dsp:txBody>
-        <a:bodyPr spcFirstLastPara="0" vert="horz" wrap="square" lIns="21590" tIns="21590" rIns="21590" bIns="21590" numCol="1" spcCol="1270" anchor="ctr" anchorCtr="0">
-          <a:noAutofit/>
-        </a:bodyPr>
-        <a:lstStyle/>
-        <a:p>
-          <a:pPr lvl="0" algn="ctr" defTabSz="755650">
-            <a:lnSpc>
-              <a:spcPct val="90000"/>
-            </a:lnSpc>
-            <a:spcBef>
-              <a:spcPct val="0"/>
-            </a:spcBef>
-            <a:spcAft>
-              <a:spcPct val="35000"/>
-            </a:spcAft>
-          </a:pPr>
-          <a:r>
-            <a:rPr lang="en-US" sz="1700" kern="1200" dirty="0" smtClean="0"/>
-            <a:t>Development</a:t>
-          </a:r>
-          <a:endParaRPr lang="en-US" sz="1700" kern="1200" dirty="0"/>
-        </a:p>
-      </dsp:txBody>
-      <dsp:txXfrm>
-        <a:off x="3930102" y="267613"/>
-        <a:ext cx="1274127" cy="1274127"/>
-      </dsp:txXfrm>
-    </dsp:sp>
-    <dsp:sp modelId="{26BC6F49-4FEF-B44D-8C5D-5C7DFD31F1E3}">
-      <dsp:nvSpPr>
-        <dsp:cNvPr id="0" name=""/>
-        <dsp:cNvSpPr/>
-      </dsp:nvSpPr>
-      <dsp:spPr>
-        <a:xfrm>
-          <a:off x="5627046" y="3122678"/>
-          <a:ext cx="382889" cy="612642"/>
-        </a:xfrm>
-        <a:prstGeom prst="rightArrow">
-          <a:avLst>
-            <a:gd name="adj1" fmla="val 60000"/>
-            <a:gd name="adj2" fmla="val 50000"/>
-          </a:avLst>
-        </a:prstGeom>
-        <a:gradFill rotWithShape="0">
-          <a:gsLst>
-            <a:gs pos="0">
-              <a:schemeClr val="accent3">
-                <a:hueOff val="0"/>
-                <a:satOff val="0"/>
-                <a:lumOff val="0"/>
-                <a:alphaOff val="0"/>
-                <a:tint val="50000"/>
-                <a:satMod val="300000"/>
-              </a:schemeClr>
-            </a:gs>
-            <a:gs pos="35000">
-              <a:schemeClr val="accent3">
-                <a:hueOff val="0"/>
-                <a:satOff val="0"/>
-                <a:lumOff val="0"/>
-                <a:alphaOff val="0"/>
-                <a:tint val="37000"/>
-                <a:satMod val="300000"/>
-              </a:schemeClr>
-            </a:gs>
-            <a:gs pos="100000">
-              <a:schemeClr val="accent3">
-                <a:hueOff val="0"/>
-                <a:satOff val="0"/>
-                <a:lumOff val="0"/>
-                <a:alphaOff val="0"/>
-                <a:tint val="15000"/>
-                <a:satMod val="350000"/>
-              </a:schemeClr>
-            </a:gs>
-          </a:gsLst>
-          <a:lin ang="16200000" scaled="1"/>
-        </a:gradFill>
-        <a:ln>
-          <a:noFill/>
-        </a:ln>
-        <a:effectLst>
-          <a:outerShdw blurRad="40000" dist="20000" dir="5400000" rotWithShape="0">
-            <a:srgbClr val="000000">
-              <a:alpha val="38000"/>
-            </a:srgbClr>
-          </a:outerShdw>
-        </a:effectLst>
-      </dsp:spPr>
-      <dsp:style>
-        <a:lnRef idx="0">
-          <a:scrgbClr r="0" g="0" b="0"/>
-        </a:lnRef>
-        <a:fillRef idx="2">
-          <a:scrgbClr r="0" g="0" b="0"/>
-        </a:fillRef>
-        <a:effectRef idx="1">
-          <a:scrgbClr r="0" g="0" b="0"/>
-        </a:effectRef>
-        <a:fontRef idx="minor">
-          <a:schemeClr val="dk1"/>
-        </a:fontRef>
-      </dsp:style>
-      <dsp:txBody>
-        <a:bodyPr spcFirstLastPara="0" vert="horz" wrap="square" lIns="0" tIns="0" rIns="0" bIns="0" numCol="1" spcCol="1270" anchor="ctr" anchorCtr="0">
-          <a:noAutofit/>
-        </a:bodyPr>
-        <a:lstStyle/>
-        <a:p>
-          <a:pPr lvl="0" algn="ctr" defTabSz="711200">
-            <a:lnSpc>
-              <a:spcPct val="90000"/>
-            </a:lnSpc>
-            <a:spcBef>
-              <a:spcPct val="0"/>
-            </a:spcBef>
-            <a:spcAft>
-              <a:spcPct val="35000"/>
-            </a:spcAft>
-          </a:pPr>
-          <a:endParaRPr lang="en-US" sz="1600" kern="1200"/>
-        </a:p>
-      </dsp:txBody>
-      <dsp:txXfrm>
-        <a:off x="5627046" y="3245206"/>
-        <a:ext cx="268022" cy="367586"/>
-      </dsp:txXfrm>
-    </dsp:sp>
-    <dsp:sp modelId="{A3F38CDD-3C65-E645-9C56-C08296C69EB2}">
-      <dsp:nvSpPr>
-        <dsp:cNvPr id="0" name=""/>
-        <dsp:cNvSpPr/>
-      </dsp:nvSpPr>
-      <dsp:spPr>
-        <a:xfrm>
-          <a:off x="6190544" y="2528055"/>
-          <a:ext cx="1801889" cy="1801889"/>
-        </a:xfrm>
-        <a:prstGeom prst="ellipse">
-          <a:avLst/>
-        </a:prstGeom>
-        <a:gradFill rotWithShape="0">
-          <a:gsLst>
-            <a:gs pos="0">
-              <a:schemeClr val="accent3">
-                <a:hueOff val="0"/>
-                <a:satOff val="0"/>
-                <a:lumOff val="0"/>
-                <a:alphaOff val="0"/>
-                <a:tint val="50000"/>
-                <a:satMod val="300000"/>
-              </a:schemeClr>
-            </a:gs>
-            <a:gs pos="35000">
-              <a:schemeClr val="accent3">
-                <a:hueOff val="0"/>
-                <a:satOff val="0"/>
-                <a:lumOff val="0"/>
-                <a:alphaOff val="0"/>
-                <a:tint val="37000"/>
-                <a:satMod val="300000"/>
-              </a:schemeClr>
-            </a:gs>
-            <a:gs pos="100000">
-              <a:schemeClr val="accent3">
-                <a:hueOff val="0"/>
-                <a:satOff val="0"/>
-                <a:lumOff val="0"/>
-                <a:alphaOff val="0"/>
-                <a:tint val="15000"/>
-                <a:satMod val="350000"/>
-              </a:schemeClr>
-            </a:gs>
-          </a:gsLst>
-          <a:lin ang="16200000" scaled="1"/>
-        </a:gradFill>
-        <a:ln>
-          <a:noFill/>
-        </a:ln>
-        <a:effectLst>
-          <a:outerShdw blurRad="40000" dist="20000" dir="5400000" rotWithShape="0">
-            <a:srgbClr val="000000">
-              <a:alpha val="38000"/>
-            </a:srgbClr>
-          </a:outerShdw>
-        </a:effectLst>
-        <a:scene3d>
-          <a:camera prst="orthographicFront"/>
-          <a:lightRig rig="flat" dir="t"/>
-        </a:scene3d>
-        <a:sp3d prstMaterial="dkEdge">
-          <a:bevelT w="8200" h="38100"/>
-        </a:sp3d>
-      </dsp:spPr>
-      <dsp:style>
-        <a:lnRef idx="0">
-          <a:scrgbClr r="0" g="0" b="0"/>
-        </a:lnRef>
-        <a:fillRef idx="2">
-          <a:scrgbClr r="0" g="0" b="0"/>
-        </a:fillRef>
-        <a:effectRef idx="1">
-          <a:scrgbClr r="0" g="0" b="0"/>
-        </a:effectRef>
-        <a:fontRef idx="minor">
-          <a:schemeClr val="dk1"/>
-        </a:fontRef>
-      </dsp:style>
-      <dsp:txBody>
-        <a:bodyPr spcFirstLastPara="0" vert="horz" wrap="square" lIns="21590" tIns="21590" rIns="21590" bIns="21590" numCol="1" spcCol="1270" anchor="ctr" anchorCtr="0">
-          <a:noAutofit/>
-        </a:bodyPr>
-        <a:lstStyle/>
-        <a:p>
-          <a:pPr lvl="0" algn="ctr" defTabSz="755650">
-            <a:lnSpc>
-              <a:spcPct val="90000"/>
-            </a:lnSpc>
-            <a:spcBef>
-              <a:spcPct val="0"/>
-            </a:spcBef>
-            <a:spcAft>
-              <a:spcPct val="35000"/>
-            </a:spcAft>
-          </a:pPr>
-          <a:r>
-            <a:rPr lang="en-US" sz="1700" kern="1200" dirty="0" smtClean="0"/>
-            <a:t>Operations</a:t>
-          </a:r>
-          <a:endParaRPr lang="en-US" sz="1700" kern="1200" dirty="0"/>
-        </a:p>
-      </dsp:txBody>
-      <dsp:txXfrm>
-        <a:off x="6454425" y="2791936"/>
-        <a:ext cx="1274127" cy="1274127"/>
-      </dsp:txXfrm>
-    </dsp:sp>
-    <dsp:sp modelId="{574889F1-2BD3-C64C-8F5F-AE6B399836A4}">
-      <dsp:nvSpPr>
-        <dsp:cNvPr id="0" name=""/>
-        <dsp:cNvSpPr/>
-      </dsp:nvSpPr>
-      <dsp:spPr>
-        <a:xfrm rot="5400000">
-          <a:off x="4375721" y="4374003"/>
-          <a:ext cx="382889" cy="612642"/>
-        </a:xfrm>
-        <a:prstGeom prst="rightArrow">
-          <a:avLst>
-            <a:gd name="adj1" fmla="val 60000"/>
-            <a:gd name="adj2" fmla="val 50000"/>
-          </a:avLst>
-        </a:prstGeom>
-        <a:gradFill rotWithShape="0">
-          <a:gsLst>
-            <a:gs pos="0">
-              <a:schemeClr val="accent4">
-                <a:hueOff val="0"/>
-                <a:satOff val="0"/>
-                <a:lumOff val="0"/>
-                <a:alphaOff val="0"/>
-                <a:tint val="50000"/>
-                <a:satMod val="300000"/>
-              </a:schemeClr>
-            </a:gs>
-            <a:gs pos="35000">
-              <a:schemeClr val="accent4">
-                <a:hueOff val="0"/>
-                <a:satOff val="0"/>
-                <a:lumOff val="0"/>
-                <a:alphaOff val="0"/>
-                <a:tint val="37000"/>
-                <a:satMod val="300000"/>
-              </a:schemeClr>
-            </a:gs>
-            <a:gs pos="100000">
-              <a:schemeClr val="accent4">
-                <a:hueOff val="0"/>
-                <a:satOff val="0"/>
-                <a:lumOff val="0"/>
-                <a:alphaOff val="0"/>
-                <a:tint val="15000"/>
-                <a:satMod val="350000"/>
-              </a:schemeClr>
-            </a:gs>
-          </a:gsLst>
-          <a:lin ang="16200000" scaled="1"/>
-        </a:gradFill>
-        <a:ln>
-          <a:noFill/>
-        </a:ln>
-        <a:effectLst>
-          <a:outerShdw blurRad="40000" dist="20000" dir="5400000" rotWithShape="0">
-            <a:srgbClr val="000000">
-              <a:alpha val="38000"/>
-            </a:srgbClr>
-          </a:outerShdw>
-        </a:effectLst>
-      </dsp:spPr>
-      <dsp:style>
-        <a:lnRef idx="0">
-          <a:scrgbClr r="0" g="0" b="0"/>
-        </a:lnRef>
-        <a:fillRef idx="2">
-          <a:scrgbClr r="0" g="0" b="0"/>
-        </a:fillRef>
-        <a:effectRef idx="1">
-          <a:scrgbClr r="0" g="0" b="0"/>
-        </a:effectRef>
-        <a:fontRef idx="minor">
-          <a:schemeClr val="dk1"/>
-        </a:fontRef>
-      </dsp:style>
-      <dsp:txBody>
-        <a:bodyPr spcFirstLastPara="0" vert="horz" wrap="square" lIns="0" tIns="0" rIns="0" bIns="0" numCol="1" spcCol="1270" anchor="ctr" anchorCtr="0">
-          <a:noAutofit/>
-        </a:bodyPr>
-        <a:lstStyle/>
-        <a:p>
-          <a:pPr lvl="0" algn="ctr" defTabSz="711200">
-            <a:lnSpc>
-              <a:spcPct val="90000"/>
-            </a:lnSpc>
-            <a:spcBef>
-              <a:spcPct val="0"/>
-            </a:spcBef>
-            <a:spcAft>
-              <a:spcPct val="35000"/>
-            </a:spcAft>
-          </a:pPr>
-          <a:endParaRPr lang="en-US" sz="1600" kern="1200"/>
-        </a:p>
-      </dsp:txBody>
-      <dsp:txXfrm>
-        <a:off x="4433155" y="4439098"/>
-        <a:ext cx="268022" cy="367586"/>
-      </dsp:txXfrm>
-    </dsp:sp>
-    <dsp:sp modelId="{5F4D31A8-E95F-0642-B1DD-8DD89A59DCAF}">
-      <dsp:nvSpPr>
-        <dsp:cNvPr id="0" name=""/>
-        <dsp:cNvSpPr/>
-      </dsp:nvSpPr>
-      <dsp:spPr>
-        <a:xfrm>
-          <a:off x="3666221" y="5052377"/>
-          <a:ext cx="1801889" cy="1801889"/>
-        </a:xfrm>
-        <a:prstGeom prst="ellipse">
-          <a:avLst/>
-        </a:prstGeom>
-        <a:gradFill rotWithShape="0">
-          <a:gsLst>
-            <a:gs pos="0">
-              <a:schemeClr val="accent4">
-                <a:hueOff val="0"/>
-                <a:satOff val="0"/>
-                <a:lumOff val="0"/>
-                <a:alphaOff val="0"/>
-                <a:tint val="50000"/>
-                <a:satMod val="300000"/>
-              </a:schemeClr>
-            </a:gs>
-            <a:gs pos="35000">
-              <a:schemeClr val="accent4">
-                <a:hueOff val="0"/>
-                <a:satOff val="0"/>
-                <a:lumOff val="0"/>
-                <a:alphaOff val="0"/>
-                <a:tint val="37000"/>
-                <a:satMod val="300000"/>
-              </a:schemeClr>
-            </a:gs>
-            <a:gs pos="100000">
-              <a:schemeClr val="accent4">
-                <a:hueOff val="0"/>
-                <a:satOff val="0"/>
-                <a:lumOff val="0"/>
-                <a:alphaOff val="0"/>
-                <a:tint val="15000"/>
-                <a:satMod val="350000"/>
-              </a:schemeClr>
-            </a:gs>
-          </a:gsLst>
-          <a:lin ang="16200000" scaled="1"/>
-        </a:gradFill>
-        <a:ln>
-          <a:noFill/>
-        </a:ln>
-        <a:effectLst>
-          <a:outerShdw blurRad="40000" dist="20000" dir="5400000" rotWithShape="0">
-            <a:srgbClr val="000000">
-              <a:alpha val="38000"/>
-            </a:srgbClr>
-          </a:outerShdw>
-        </a:effectLst>
-        <a:scene3d>
-          <a:camera prst="orthographicFront"/>
-          <a:lightRig rig="flat" dir="t"/>
-        </a:scene3d>
-        <a:sp3d prstMaterial="dkEdge">
-          <a:bevelT w="8200" h="38100"/>
-        </a:sp3d>
-      </dsp:spPr>
-      <dsp:style>
-        <a:lnRef idx="0">
-          <a:scrgbClr r="0" g="0" b="0"/>
-        </a:lnRef>
-        <a:fillRef idx="2">
-          <a:scrgbClr r="0" g="0" b="0"/>
-        </a:fillRef>
-        <a:effectRef idx="1">
-          <a:scrgbClr r="0" g="0" b="0"/>
-        </a:effectRef>
-        <a:fontRef idx="minor">
-          <a:schemeClr val="dk1"/>
-        </a:fontRef>
-      </dsp:style>
-      <dsp:txBody>
-        <a:bodyPr spcFirstLastPara="0" vert="horz" wrap="square" lIns="21590" tIns="21590" rIns="21590" bIns="21590" numCol="1" spcCol="1270" anchor="ctr" anchorCtr="0">
-          <a:noAutofit/>
-        </a:bodyPr>
-        <a:lstStyle/>
-        <a:p>
-          <a:pPr lvl="0" algn="ctr" defTabSz="755650">
-            <a:lnSpc>
-              <a:spcPct val="90000"/>
-            </a:lnSpc>
-            <a:spcBef>
-              <a:spcPct val="0"/>
-            </a:spcBef>
-            <a:spcAft>
-              <a:spcPct val="35000"/>
-            </a:spcAft>
-          </a:pPr>
-          <a:r>
-            <a:rPr lang="en-US" sz="1700" kern="1200" dirty="0" smtClean="0"/>
-            <a:t>User </a:t>
-          </a:r>
-        </a:p>
-        <a:p>
-          <a:pPr lvl="0" algn="ctr" defTabSz="755650">
-            <a:lnSpc>
-              <a:spcPct val="90000"/>
-            </a:lnSpc>
-            <a:spcBef>
-              <a:spcPct val="0"/>
-            </a:spcBef>
-            <a:spcAft>
-              <a:spcPct val="35000"/>
-            </a:spcAft>
-          </a:pPr>
-          <a:r>
-            <a:rPr lang="en-US" sz="1700" kern="1200" dirty="0" smtClean="0"/>
-            <a:t>Support</a:t>
-          </a:r>
-          <a:endParaRPr lang="en-US" sz="1700" kern="1200" dirty="0"/>
-        </a:p>
-      </dsp:txBody>
-      <dsp:txXfrm>
-        <a:off x="3930102" y="5316258"/>
-        <a:ext cx="1274127" cy="1274127"/>
-      </dsp:txXfrm>
-    </dsp:sp>
-    <dsp:sp modelId="{828A5975-0F65-5549-9EA5-EE2019572929}">
-      <dsp:nvSpPr>
-        <dsp:cNvPr id="0" name=""/>
-        <dsp:cNvSpPr/>
-      </dsp:nvSpPr>
-      <dsp:spPr>
-        <a:xfrm rot="10800000">
-          <a:off x="3124397" y="3122678"/>
-          <a:ext cx="382889" cy="612642"/>
-        </a:xfrm>
-        <a:prstGeom prst="rightArrow">
-          <a:avLst>
-            <a:gd name="adj1" fmla="val 60000"/>
-            <a:gd name="adj2" fmla="val 50000"/>
-          </a:avLst>
-        </a:prstGeom>
-        <a:gradFill rotWithShape="0">
-          <a:gsLst>
-            <a:gs pos="0">
-              <a:schemeClr val="accent5">
-                <a:hueOff val="0"/>
-                <a:satOff val="0"/>
-                <a:lumOff val="0"/>
-                <a:alphaOff val="0"/>
-                <a:tint val="50000"/>
-                <a:satMod val="300000"/>
-              </a:schemeClr>
-            </a:gs>
-            <a:gs pos="35000">
-              <a:schemeClr val="accent5">
-                <a:hueOff val="0"/>
-                <a:satOff val="0"/>
-                <a:lumOff val="0"/>
-                <a:alphaOff val="0"/>
-                <a:tint val="37000"/>
-                <a:satMod val="300000"/>
-              </a:schemeClr>
-            </a:gs>
-            <a:gs pos="100000">
-              <a:schemeClr val="accent5">
-                <a:hueOff val="0"/>
-                <a:satOff val="0"/>
-                <a:lumOff val="0"/>
-                <a:alphaOff val="0"/>
-                <a:tint val="15000"/>
-                <a:satMod val="350000"/>
-              </a:schemeClr>
-            </a:gs>
-          </a:gsLst>
-          <a:lin ang="16200000" scaled="1"/>
-        </a:gradFill>
-        <a:ln>
-          <a:noFill/>
-        </a:ln>
-        <a:effectLst>
-          <a:outerShdw blurRad="40000" dist="20000" dir="5400000" rotWithShape="0">
-            <a:srgbClr val="000000">
-              <a:alpha val="38000"/>
-            </a:srgbClr>
-          </a:outerShdw>
-        </a:effectLst>
-      </dsp:spPr>
-      <dsp:style>
-        <a:lnRef idx="0">
-          <a:scrgbClr r="0" g="0" b="0"/>
-        </a:lnRef>
-        <a:fillRef idx="2">
-          <a:scrgbClr r="0" g="0" b="0"/>
-        </a:fillRef>
-        <a:effectRef idx="1">
-          <a:scrgbClr r="0" g="0" b="0"/>
-        </a:effectRef>
-        <a:fontRef idx="minor">
-          <a:schemeClr val="dk1"/>
-        </a:fontRef>
-      </dsp:style>
-      <dsp:txBody>
-        <a:bodyPr spcFirstLastPara="0" vert="horz" wrap="square" lIns="0" tIns="0" rIns="0" bIns="0" numCol="1" spcCol="1270" anchor="ctr" anchorCtr="0">
-          <a:noAutofit/>
-        </a:bodyPr>
-        <a:lstStyle/>
-        <a:p>
-          <a:pPr lvl="0" algn="ctr" defTabSz="711200">
-            <a:lnSpc>
-              <a:spcPct val="90000"/>
-            </a:lnSpc>
-            <a:spcBef>
-              <a:spcPct val="0"/>
-            </a:spcBef>
-            <a:spcAft>
-              <a:spcPct val="35000"/>
-            </a:spcAft>
-          </a:pPr>
-          <a:endParaRPr lang="en-US" sz="1600" kern="1200"/>
-        </a:p>
-      </dsp:txBody>
-      <dsp:txXfrm rot="10800000">
-        <a:off x="3239264" y="3245206"/>
-        <a:ext cx="268022" cy="367586"/>
-      </dsp:txXfrm>
-    </dsp:sp>
-    <dsp:sp modelId="{DEA2CE57-EDCB-7848-B338-A96F532DB442}">
-      <dsp:nvSpPr>
-        <dsp:cNvPr id="0" name=""/>
-        <dsp:cNvSpPr/>
-      </dsp:nvSpPr>
-      <dsp:spPr>
-        <a:xfrm>
-          <a:off x="1141899" y="2528055"/>
-          <a:ext cx="1801889" cy="1801889"/>
-        </a:xfrm>
-        <a:prstGeom prst="ellipse">
-          <a:avLst/>
-        </a:prstGeom>
-        <a:gradFill rotWithShape="0">
-          <a:gsLst>
-            <a:gs pos="0">
-              <a:schemeClr val="accent5">
-                <a:hueOff val="0"/>
-                <a:satOff val="0"/>
-                <a:lumOff val="0"/>
-                <a:alphaOff val="0"/>
-                <a:tint val="50000"/>
-                <a:satMod val="300000"/>
-              </a:schemeClr>
-            </a:gs>
-            <a:gs pos="35000">
-              <a:schemeClr val="accent5">
-                <a:hueOff val="0"/>
-                <a:satOff val="0"/>
-                <a:lumOff val="0"/>
-                <a:alphaOff val="0"/>
-                <a:tint val="37000"/>
-                <a:satMod val="300000"/>
-              </a:schemeClr>
-            </a:gs>
-            <a:gs pos="100000">
-              <a:schemeClr val="accent5">
-                <a:hueOff val="0"/>
-                <a:satOff val="0"/>
-                <a:lumOff val="0"/>
-                <a:alphaOff val="0"/>
-                <a:tint val="15000"/>
-                <a:satMod val="350000"/>
-              </a:schemeClr>
-            </a:gs>
-          </a:gsLst>
-          <a:lin ang="16200000" scaled="1"/>
-        </a:gradFill>
-        <a:ln>
-          <a:noFill/>
-        </a:ln>
-        <a:effectLst>
-          <a:outerShdw blurRad="40000" dist="20000" dir="5400000" rotWithShape="0">
-            <a:srgbClr val="000000">
-              <a:alpha val="38000"/>
-            </a:srgbClr>
-          </a:outerShdw>
-        </a:effectLst>
-        <a:scene3d>
-          <a:camera prst="orthographicFront"/>
-          <a:lightRig rig="flat" dir="t"/>
-        </a:scene3d>
-        <a:sp3d prstMaterial="dkEdge">
-          <a:bevelT w="8200" h="38100"/>
-        </a:sp3d>
-      </dsp:spPr>
-      <dsp:style>
-        <a:lnRef idx="0">
-          <a:scrgbClr r="0" g="0" b="0"/>
-        </a:lnRef>
-        <a:fillRef idx="2">
-          <a:scrgbClr r="0" g="0" b="0"/>
-        </a:fillRef>
-        <a:effectRef idx="1">
-          <a:scrgbClr r="0" g="0" b="0"/>
-        </a:effectRef>
-        <a:fontRef idx="minor">
-          <a:schemeClr val="dk1"/>
-        </a:fontRef>
-      </dsp:style>
-      <dsp:txBody>
-        <a:bodyPr spcFirstLastPara="0" vert="horz" wrap="square" lIns="21590" tIns="21590" rIns="21590" bIns="21590" numCol="1" spcCol="1270" anchor="ctr" anchorCtr="0">
-          <a:noAutofit/>
-        </a:bodyPr>
-        <a:lstStyle/>
-        <a:p>
-          <a:pPr lvl="0" algn="ctr" defTabSz="755650">
-            <a:lnSpc>
-              <a:spcPct val="90000"/>
-            </a:lnSpc>
-            <a:spcBef>
-              <a:spcPct val="0"/>
-            </a:spcBef>
-            <a:spcAft>
-              <a:spcPct val="35000"/>
-            </a:spcAft>
-          </a:pPr>
-          <a:r>
-            <a:rPr lang="en-US" sz="1700" kern="1200" dirty="0" smtClean="0"/>
-            <a:t>Quality</a:t>
-          </a:r>
-        </a:p>
-        <a:p>
-          <a:pPr lvl="0" algn="ctr" defTabSz="755650">
-            <a:lnSpc>
-              <a:spcPct val="90000"/>
-            </a:lnSpc>
-            <a:spcBef>
-              <a:spcPct val="0"/>
-            </a:spcBef>
-            <a:spcAft>
-              <a:spcPct val="35000"/>
-            </a:spcAft>
-          </a:pPr>
-          <a:r>
-            <a:rPr lang="en-US" sz="1700" kern="1200" dirty="0" smtClean="0"/>
-            <a:t>Control</a:t>
-          </a:r>
-          <a:endParaRPr lang="en-US" sz="1700" kern="1200" dirty="0"/>
-        </a:p>
-      </dsp:txBody>
-      <dsp:txXfrm>
-        <a:off x="1405780" y="2791936"/>
-        <a:ext cx="1274127" cy="1274127"/>
       </dsp:txXfrm>
     </dsp:sp>
   </dsp:spTree>
@@ -6831,6 +6312,881 @@
 </file>
 
 <file path=ppt/diagrams/layout2.xml><?xml version="1.0" encoding="utf-8"?>
+<dgm:layoutDef xmlns:dgm="http://schemas.openxmlformats.org/drawingml/2006/diagram" xmlns:a="http://schemas.openxmlformats.org/drawingml/2006/main" uniqueId="urn:microsoft.com/office/officeart/2005/8/layout/venn1">
+  <dgm:title val=""/>
+  <dgm:desc val=""/>
+  <dgm:catLst>
+    <dgm:cat type="relationship" pri="28000"/>
+    <dgm:cat type="convert" pri="19000"/>
+  </dgm:catLst>
+  <dgm:sampData useDef="1">
+    <dgm:dataModel>
+      <dgm:ptLst/>
+      <dgm:bg/>
+      <dgm:whole/>
+    </dgm:dataModel>
+  </dgm:sampData>
+  <dgm:styleData useDef="1">
+    <dgm:dataModel>
+      <dgm:ptLst/>
+      <dgm:bg/>
+      <dgm:whole/>
+    </dgm:dataModel>
+  </dgm:styleData>
+  <dgm:clrData>
+    <dgm:dataModel>
+      <dgm:ptLst>
+        <dgm:pt modelId="0" type="doc"/>
+        <dgm:pt modelId="1"/>
+        <dgm:pt modelId="2"/>
+        <dgm:pt modelId="3"/>
+        <dgm:pt modelId="4"/>
+      </dgm:ptLst>
+      <dgm:cxnLst>
+        <dgm:cxn modelId="7" srcId="0" destId="1" srcOrd="0" destOrd="0"/>
+        <dgm:cxn modelId="8" srcId="0" destId="2" srcOrd="1" destOrd="0"/>
+        <dgm:cxn modelId="9" srcId="0" destId="3" srcOrd="2" destOrd="0"/>
+        <dgm:cxn modelId="10" srcId="0" destId="4" srcOrd="3" destOrd="0"/>
+      </dgm:cxnLst>
+      <dgm:bg/>
+      <dgm:whole/>
+    </dgm:dataModel>
+  </dgm:clrData>
+  <dgm:layoutNode name="compositeShape">
+    <dgm:varLst>
+      <dgm:chMax val="7"/>
+      <dgm:dir/>
+      <dgm:resizeHandles val="exact"/>
+    </dgm:varLst>
+    <dgm:choose name="Name0">
+      <dgm:if name="Name1" axis="ch" ptType="node" func="cnt" op="equ" val="1">
+        <dgm:alg type="composite">
+          <dgm:param type="ar" val="1"/>
+        </dgm:alg>
+      </dgm:if>
+      <dgm:if name="Name2" axis="ch" ptType="node" func="cnt" op="equ" val="2">
+        <dgm:alg type="composite">
+          <dgm:param type="ar" val="1.792"/>
+        </dgm:alg>
+      </dgm:if>
+      <dgm:if name="Name3" axis="ch" ptType="node" func="cnt" op="equ" val="3">
+        <dgm:alg type="composite">
+          <dgm:param type="ar" val="1"/>
+        </dgm:alg>
+      </dgm:if>
+      <dgm:if name="Name4" axis="ch" ptType="node" func="cnt" op="equ" val="4">
+        <dgm:alg type="composite">
+          <dgm:param type="ar" val="1"/>
+        </dgm:alg>
+      </dgm:if>
+      <dgm:if name="Name5" axis="ch" ptType="node" func="cnt" op="equ" val="5">
+        <dgm:alg type="composite">
+          <dgm:param type="ar" val="1.4"/>
+        </dgm:alg>
+      </dgm:if>
+      <dgm:if name="Name6" axis="ch" ptType="node" func="cnt" op="equ" val="6">
+        <dgm:alg type="composite">
+          <dgm:param type="ar" val="1.285"/>
+        </dgm:alg>
+      </dgm:if>
+      <dgm:if name="Name7" axis="ch" ptType="node" func="cnt" op="equ" val="7">
+        <dgm:alg type="composite">
+          <dgm:param type="ar" val="1.359"/>
+        </dgm:alg>
+      </dgm:if>
+      <dgm:else name="Name8">
+        <dgm:alg type="composite">
+          <dgm:param type="ar" val="1.359"/>
+        </dgm:alg>
+      </dgm:else>
+    </dgm:choose>
+    <dgm:shape xmlns:r="http://schemas.openxmlformats.org/officeDocument/2006/relationships" r:blip="">
+      <dgm:adjLst/>
+    </dgm:shape>
+    <dgm:presOf/>
+    <dgm:choose name="Name9">
+      <dgm:if name="Name10" axis="ch" ptType="node" func="cnt" op="equ" val="1">
+        <dgm:constrLst>
+          <dgm:constr type="ctrX" for="ch" forName="circ1TxSh" refType="w" fact="0.5"/>
+          <dgm:constr type="ctrY" for="ch" forName="circ1TxSh" refType="h" fact="0.5"/>
+          <dgm:constr type="w" for="ch" forName="circ1TxSh" refType="w"/>
+          <dgm:constr type="h" for="ch" forName="circ1TxSh" refType="h"/>
+          <dgm:constr type="primFontSz" for="ch" ptType="node" op="equ"/>
+        </dgm:constrLst>
+      </dgm:if>
+      <dgm:if name="Name11" axis="ch" ptType="node" func="cnt" op="equ" val="2">
+        <dgm:constrLst>
+          <dgm:constr type="ctrX" for="ch" forName="circ1" refType="w" fact="0.3"/>
+          <dgm:constr type="ctrY" for="ch" forName="circ1" refType="h" fact="0.5"/>
+          <dgm:constr type="w" for="ch" forName="circ1" refType="w" fact="0.555"/>
+          <dgm:constr type="h" for="ch" forName="circ1" refType="h" fact="0.99456"/>
+          <dgm:constr type="l" for="ch" forName="circ1Tx" refType="w" fact="0.1"/>
+          <dgm:constr type="t" for="ch" forName="circ1Tx" refType="h" fact="0.12"/>
+          <dgm:constr type="w" for="ch" forName="circ1Tx" refType="w" fact="0.32"/>
+          <dgm:constr type="h" for="ch" forName="circ1Tx" refType="h" fact="0.76"/>
+          <dgm:constr type="ctrX" for="ch" forName="circ2" refType="w" fact="0.7"/>
+          <dgm:constr type="ctrY" for="ch" forName="circ2" refType="h" fact="0.5"/>
+          <dgm:constr type="w" for="ch" forName="circ2" refType="w" fact="0.555"/>
+          <dgm:constr type="h" for="ch" forName="circ2" refType="h" fact="0.99456"/>
+          <dgm:constr type="l" for="ch" forName="circ2Tx" refType="w" fact="0.58"/>
+          <dgm:constr type="t" for="ch" forName="circ2Tx" refType="h" fact="0.12"/>
+          <dgm:constr type="w" for="ch" forName="circ2Tx" refType="w" fact="0.32"/>
+          <dgm:constr type="h" for="ch" forName="circ2Tx" refType="h" fact="0.76"/>
+          <dgm:constr type="primFontSz" for="ch" ptType="node" op="equ"/>
+        </dgm:constrLst>
+      </dgm:if>
+      <dgm:if name="Name12" axis="ch" ptType="node" func="cnt" op="equ" val="3">
+        <dgm:constrLst>
+          <dgm:constr type="ctrX" for="ch" forName="circ1" refType="w" fact="0.5"/>
+          <dgm:constr type="ctrY" for="ch" forName="circ1" refType="w" fact="0.25"/>
+          <dgm:constr type="w" for="ch" forName="circ1" refType="w" fact="0.6"/>
+          <dgm:constr type="h" for="ch" forName="circ1" refType="h" fact="0.6"/>
+          <dgm:constr type="l" for="ch" forName="circ1Tx" refType="w" fact="0.28"/>
+          <dgm:constr type="t" for="ch" forName="circ1Tx" refType="h" fact="0.055"/>
+          <dgm:constr type="w" for="ch" forName="circ1Tx" refType="w" fact="0.44"/>
+          <dgm:constr type="h" for="ch" forName="circ1Tx" refType="h" fact="0.27"/>
+          <dgm:constr type="ctrX" for="ch" forName="circ2" refType="w" fact="0.7165"/>
+          <dgm:constr type="ctrY" for="ch" forName="circ2" refType="w" fact="0.625"/>
+          <dgm:constr type="w" for="ch" forName="circ2" refType="w" fact="0.6"/>
+          <dgm:constr type="h" for="ch" forName="circ2" refType="h" fact="0.6"/>
+          <dgm:constr type="l" for="ch" forName="circ2Tx" refType="w" fact="0.6"/>
+          <dgm:constr type="t" for="ch" forName="circ2Tx" refType="h" fact="0.48"/>
+          <dgm:constr type="w" for="ch" forName="circ2Tx" refType="w" fact="0.36"/>
+          <dgm:constr type="h" for="ch" forName="circ2Tx" refType="h" fact="0.33"/>
+          <dgm:constr type="ctrX" for="ch" forName="circ3" refType="w" fact="0.2835"/>
+          <dgm:constr type="ctrY" for="ch" forName="circ3" refType="w" fact="0.625"/>
+          <dgm:constr type="w" for="ch" forName="circ3" refType="w" fact="0.6"/>
+          <dgm:constr type="h" for="ch" forName="circ3" refType="h" fact="0.6"/>
+          <dgm:constr type="l" for="ch" forName="circ3Tx" refType="w" fact="0.04"/>
+          <dgm:constr type="t" for="ch" forName="circ3Tx" refType="h" fact="0.48"/>
+          <dgm:constr type="w" for="ch" forName="circ3Tx" refType="w" fact="0.36"/>
+          <dgm:constr type="h" for="ch" forName="circ3Tx" refType="h" fact="0.33"/>
+          <dgm:constr type="primFontSz" for="ch" ptType="node" op="equ"/>
+        </dgm:constrLst>
+      </dgm:if>
+      <dgm:if name="Name13" axis="ch" ptType="node" func="cnt" op="equ" val="4">
+        <dgm:constrLst>
+          <dgm:constr type="ctrX" for="ch" forName="circ1" refType="w" fact="0.5"/>
+          <dgm:constr type="ctrY" for="ch" forName="circ1" refType="w" fact="0.27"/>
+          <dgm:constr type="w" for="ch" forName="circ1" refType="w" fact="0.52"/>
+          <dgm:constr type="h" for="ch" forName="circ1" refType="h" fact="0.52"/>
+          <dgm:constr type="l" for="ch" forName="circ1Tx" refType="w" fact="0.3"/>
+          <dgm:constr type="t" for="ch" forName="circ1Tx" refType="h" fact="0.08"/>
+          <dgm:constr type="w" for="ch" forName="circ1Tx" refType="w" fact="0.4"/>
+          <dgm:constr type="h" for="ch" forName="circ1Tx" refType="h" fact="0.165"/>
+          <dgm:constr type="ctrX" for="ch" forName="circ2" refType="w" fact="0.73"/>
+          <dgm:constr type="ctrY" for="ch" forName="circ2" refType="w" fact="0.5"/>
+          <dgm:constr type="w" for="ch" forName="circ2" refType="w" fact="0.52"/>
+          <dgm:constr type="h" for="ch" forName="circ2" refType="h" fact="0.52"/>
+          <dgm:constr type="r" for="ch" forName="circ2Tx" refType="w" fact="0.95"/>
+          <dgm:constr type="t" for="ch" forName="circ2Tx" refType="h" fact="0.3"/>
+          <dgm:constr type="w" for="ch" forName="circ2Tx" refType="w" fact="0.2"/>
+          <dgm:constr type="h" for="ch" forName="circ2Tx" refType="h" fact="0.4"/>
+          <dgm:constr type="ctrX" for="ch" forName="circ3" refType="w" fact="0.5"/>
+          <dgm:constr type="ctrY" for="ch" forName="circ3" refType="w" fact="0.73"/>
+          <dgm:constr type="w" for="ch" forName="circ3" refType="w" fact="0.52"/>
+          <dgm:constr type="h" for="ch" forName="circ3" refType="h" fact="0.52"/>
+          <dgm:constr type="l" for="ch" forName="circ3Tx" refType="w" fact="0.3"/>
+          <dgm:constr type="b" for="ch" forName="circ3Tx" refType="h" fact="0.92"/>
+          <dgm:constr type="w" for="ch" forName="circ3Tx" refType="w" fact="0.4"/>
+          <dgm:constr type="h" for="ch" forName="circ3Tx" refType="h" fact="0.165"/>
+          <dgm:constr type="ctrX" for="ch" forName="circ4" refType="w" fact="0.27"/>
+          <dgm:constr type="ctrY" for="ch" forName="circ4" refType="h" fact="0.5"/>
+          <dgm:constr type="w" for="ch" forName="circ4" refType="w" fact="0.52"/>
+          <dgm:constr type="h" for="ch" forName="circ4" refType="h" fact="0.52"/>
+          <dgm:constr type="l" for="ch" forName="circ4Tx" refType="w" fact="0.05"/>
+          <dgm:constr type="t" for="ch" forName="circ4Tx" refType="h" fact="0.3"/>
+          <dgm:constr type="w" for="ch" forName="circ4Tx" refType="w" fact="0.2"/>
+          <dgm:constr type="h" for="ch" forName="circ4Tx" refType="h" fact="0.4"/>
+          <dgm:constr type="primFontSz" for="ch" ptType="node" op="equ"/>
+        </dgm:constrLst>
+      </dgm:if>
+      <dgm:if name="Name14" axis="ch" ptType="node" func="cnt" op="equ" val="5">
+        <dgm:constrLst>
+          <dgm:constr type="ctrX" for="ch" forName="circ1" refType="w" fact="0.5"/>
+          <dgm:constr type="ctrY" for="ch" forName="circ1" refType="h" fact="0.46"/>
+          <dgm:constr type="w" for="ch" forName="circ1" refType="w" fact="0.25"/>
+          <dgm:constr type="h" for="ch" forName="circ1" refType="h" fact="0.35"/>
+          <dgm:constr type="l" for="ch" forName="circ1Tx" refType="w" fact="0.355"/>
+          <dgm:constr type="t" for="ch" forName="circ1Tx"/>
+          <dgm:constr type="w" for="ch" forName="circ1Tx" refType="w" fact="0.29"/>
+          <dgm:constr type="h" for="ch" forName="circ1Tx" refType="h" fact="0.235"/>
+          <dgm:constr type="ctrX" for="ch" forName="circ2" refType="w" fact="0.5951"/>
+          <dgm:constr type="ctrY" for="ch" forName="circ2" refType="h" fact="0.5567"/>
+          <dgm:constr type="w" for="ch" forName="circ2" refType="w" fact="0.25"/>
+          <dgm:constr type="h" for="ch" forName="circ2" refType="h" fact="0.35"/>
+          <dgm:constr type="l" for="ch" forName="circ2Tx" refType="w" fact="0.74"/>
+          <dgm:constr type="t" for="ch" forName="circ2Tx" refType="h" fact="0.31"/>
+          <dgm:constr type="w" for="ch" forName="circ2Tx" refType="w" fact="0.26"/>
+          <dgm:constr type="h" for="ch" forName="circ2Tx" refType="h" fact="0.255"/>
+          <dgm:constr type="ctrX" for="ch" forName="circ3" refType="w" fact="0.5588"/>
+          <dgm:constr type="ctrY" for="ch" forName="circ3" refType="h" fact="0.7133"/>
+          <dgm:constr type="w" for="ch" forName="circ3" refType="w" fact="0.25"/>
+          <dgm:constr type="h" for="ch" forName="circ3" refType="h" fact="0.35"/>
+          <dgm:constr type="l" for="ch" forName="circ3Tx" refType="w" fact="0.7"/>
+          <dgm:constr type="t" for="ch" forName="circ3Tx" refType="h" fact="0.745"/>
+          <dgm:constr type="w" for="ch" forName="circ3Tx" refType="w" fact="0.26"/>
+          <dgm:constr type="h" for="ch" forName="circ3Tx" refType="h" fact="0.255"/>
+          <dgm:constr type="ctrX" for="ch" forName="circ4" refType="w" fact="0.4412"/>
+          <dgm:constr type="ctrY" for="ch" forName="circ4" refType="h" fact="0.7133"/>
+          <dgm:constr type="w" for="ch" forName="circ4" refType="w" fact="0.25"/>
+          <dgm:constr type="h" for="ch" forName="circ4" refType="h" fact="0.35"/>
+          <dgm:constr type="l" for="ch" forName="circ4Tx" refType="w" fact="0.04"/>
+          <dgm:constr type="t" for="ch" forName="circ4Tx" refType="h" fact="0.745"/>
+          <dgm:constr type="w" for="ch" forName="circ4Tx" refType="w" fact="0.26"/>
+          <dgm:constr type="h" for="ch" forName="circ4Tx" refType="h" fact="0.255"/>
+          <dgm:constr type="ctrX" for="ch" forName="circ5" refType="w" fact="0.4049"/>
+          <dgm:constr type="ctrY" for="ch" forName="circ5" refType="h" fact="0.5567"/>
+          <dgm:constr type="w" for="ch" forName="circ5" refType="w" fact="0.25"/>
+          <dgm:constr type="h" for="ch" forName="circ5" refType="h" fact="0.35"/>
+          <dgm:constr type="l" for="ch" forName="circ5Tx"/>
+          <dgm:constr type="t" for="ch" forName="circ5Tx" refType="h" fact="0.31"/>
+          <dgm:constr type="w" for="ch" forName="circ5Tx" refType="w" fact="0.26"/>
+          <dgm:constr type="h" for="ch" forName="circ5Tx" refType="h" fact="0.255"/>
+          <dgm:constr type="primFontSz" for="ch" ptType="node" op="equ"/>
+        </dgm:constrLst>
+      </dgm:if>
+      <dgm:if name="Name15" axis="ch" ptType="node" func="cnt" op="equ" val="6">
+        <dgm:constrLst>
+          <dgm:constr type="ctrX" for="ch" forName="circ1" refType="w" fact="0.5"/>
+          <dgm:constr type="ctrY" for="ch" forName="circ1" refType="h" fact="0.3844"/>
+          <dgm:constr type="w" for="ch" forName="circ1" refType="w" fact="0.24"/>
+          <dgm:constr type="h" for="ch" forName="circ1" refType="h" fact="0.3084"/>
+          <dgm:constr type="l" for="ch" forName="circ1Tx" refType="w" fact="0.35"/>
+          <dgm:constr type="t" for="ch" forName="circ1Tx"/>
+          <dgm:constr type="w" for="ch" forName="circ1Tx" refType="w" fact="0.3"/>
+          <dgm:constr type="h" for="ch" forName="circ1Tx" refType="h" fact="0.21"/>
+          <dgm:constr type="ctrX" for="ch" forName="circ2" refType="w" fact="0.5779"/>
+          <dgm:constr type="ctrY" for="ch" forName="circ2" refType="h" fact="0.4422"/>
+          <dgm:constr type="w" for="ch" forName="circ2" refType="w" fact="0.24"/>
+          <dgm:constr type="h" for="ch" forName="circ2" refType="h" fact="0.3084"/>
+          <dgm:constr type="l" for="ch" forName="circ2Tx" refType="w" fact="0.7157"/>
+          <dgm:constr type="t" for="ch" forName="circ2Tx" refType="h" fact="0.2"/>
+          <dgm:constr type="w" for="ch" forName="circ2Tx" refType="w" fact="0.2843"/>
+          <dgm:constr type="h" for="ch" forName="circ2Tx" refType="h" fact="0.23"/>
+          <dgm:constr type="ctrX" for="ch" forName="circ3" refType="w" fact="0.5779"/>
+          <dgm:constr type="ctrY" for="ch" forName="circ3" refType="h" fact="0.5578"/>
+          <dgm:constr type="w" for="ch" forName="circ3" refType="w" fact="0.24"/>
+          <dgm:constr type="h" for="ch" forName="circ3" refType="h" fact="0.3084"/>
+          <dgm:constr type="l" for="ch" forName="circ3Tx" refType="w" fact="0.7157"/>
+          <dgm:constr type="t" for="ch" forName="circ3Tx" refType="h" fact="0.543"/>
+          <dgm:constr type="w" for="ch" forName="circ3Tx" refType="w" fact="0.2843"/>
+          <dgm:constr type="h" for="ch" forName="circ3Tx" refType="h" fact="0.257"/>
+          <dgm:constr type="ctrX" for="ch" forName="circ4" refType="w" fact="0.5"/>
+          <dgm:constr type="ctrY" for="ch" forName="circ4" refType="h" fact="0.6157"/>
+          <dgm:constr type="w" for="ch" forName="circ4" refType="w" fact="0.24"/>
+          <dgm:constr type="h" for="ch" forName="circ4" refType="h" fact="0.3084"/>
+          <dgm:constr type="l" for="ch" forName="circ4Tx" refType="w" fact="0.35"/>
+          <dgm:constr type="t" for="ch" forName="circ4Tx" refType="h" fact="0.79"/>
+          <dgm:constr type="w" for="ch" forName="circ4Tx" refType="w" fact="0.3"/>
+          <dgm:constr type="h" for="ch" forName="circ4Tx" refType="h" fact="0.21"/>
+          <dgm:constr type="ctrX" for="ch" forName="circ5" refType="w" fact="0.4221"/>
+          <dgm:constr type="ctrY" for="ch" forName="circ5" refType="h" fact="0.5578"/>
+          <dgm:constr type="w" for="ch" forName="circ5" refType="w" fact="0.24"/>
+          <dgm:constr type="h" for="ch" forName="circ5" refType="h" fact="0.3084"/>
+          <dgm:constr type="l" for="ch" forName="circ5Tx" refType="w" fact="0"/>
+          <dgm:constr type="t" for="ch" forName="circ5Tx" refType="h" fact="0.543"/>
+          <dgm:constr type="w" for="ch" forName="circ5Tx" refType="w" fact="0.2843"/>
+          <dgm:constr type="h" for="ch" forName="circ5Tx" refType="h" fact="0.257"/>
+          <dgm:constr type="ctrX" for="ch" forName="circ6" refType="w" fact="0.4221"/>
+          <dgm:constr type="ctrY" for="ch" forName="circ6" refType="h" fact="0.4422"/>
+          <dgm:constr type="w" for="ch" forName="circ6" refType="w" fact="0.24"/>
+          <dgm:constr type="h" for="ch" forName="circ6" refType="h" fact="0.3084"/>
+          <dgm:constr type="l" for="ch" forName="circ6Tx" refType="w" fact="0"/>
+          <dgm:constr type="t" for="ch" forName="circ6Tx" refType="h" fact="0.2"/>
+          <dgm:constr type="w" for="ch" forName="circ6Tx" refType="w" fact="0.2843"/>
+          <dgm:constr type="h" for="ch" forName="circ6Tx" refType="h" fact="0.257"/>
+          <dgm:constr type="primFontSz" for="ch" ptType="node" op="equ"/>
+        </dgm:constrLst>
+      </dgm:if>
+      <dgm:else name="Name16">
+        <dgm:constrLst>
+          <dgm:constr type="ctrX" for="ch" forName="circ1" refType="w" fact="0.5"/>
+          <dgm:constr type="ctrY" for="ch" forName="circ1" refType="h" fact="0.4177"/>
+          <dgm:constr type="w" for="ch" forName="circ1" refType="w" fact="0.24"/>
+          <dgm:constr type="h" for="ch" forName="circ1" refType="h" fact="0.3262"/>
+          <dgm:constr type="l" for="ch" forName="circ1Tx" refType="w" fact="0.3625"/>
+          <dgm:constr type="t" for="ch" forName="circ1Tx"/>
+          <dgm:constr type="w" for="ch" forName="circ1Tx" refType="w" fact="0.275"/>
+          <dgm:constr type="h" for="ch" forName="circ1Tx" refType="h" fact="0.2"/>
+          <dgm:constr type="ctrX" for="ch" forName="circ2" refType="w" fact="0.5704"/>
+          <dgm:constr type="ctrY" for="ch" forName="circ2" refType="h" fact="0.4637"/>
+          <dgm:constr type="w" for="ch" forName="circ2" refType="w" fact="0.24"/>
+          <dgm:constr type="h" for="ch" forName="circ2" refType="h" fact="0.3262"/>
+          <dgm:constr type="l" for="ch" forName="circ2Tx" refType="w" fact="0.72"/>
+          <dgm:constr type="t" for="ch" forName="circ2Tx" refType="h" fact="0.19"/>
+          <dgm:constr type="w" for="ch" forName="circ2Tx" refType="w" fact="0.26"/>
+          <dgm:constr type="h" for="ch" forName="circ2Tx" refType="h" fact="0.22"/>
+          <dgm:constr type="ctrX" for="ch" forName="circ3" refType="w" fact="0.5877"/>
+          <dgm:constr type="ctrY" for="ch" forName="circ3" refType="h" fact="0.5672"/>
+          <dgm:constr type="w" for="ch" forName="circ3" refType="w" fact="0.24"/>
+          <dgm:constr type="h" for="ch" forName="circ3" refType="h" fact="0.3262"/>
+          <dgm:constr type="l" for="ch" forName="circ3Tx" refType="w" fact="0.745"/>
+          <dgm:constr type="t" for="ch" forName="circ3Tx" refType="h" fact="0.47"/>
+          <dgm:constr type="w" for="ch" forName="circ3Tx" refType="w" fact="0.255"/>
+          <dgm:constr type="h" for="ch" forName="circ3Tx" refType="h" fact="0.235"/>
+          <dgm:constr type="ctrX" for="ch" forName="circ4" refType="w" fact="0.539"/>
+          <dgm:constr type="ctrY" for="ch" forName="circ4" refType="h" fact="0.6502"/>
+          <dgm:constr type="w" for="ch" forName="circ4" refType="w" fact="0.24"/>
+          <dgm:constr type="h" for="ch" forName="circ4" refType="h" fact="0.3262"/>
+          <dgm:constr type="l" for="ch" forName="circ4Tx" refType="w" fact="0.635"/>
+          <dgm:constr type="t" for="ch" forName="circ4Tx" refType="h" fact="0.785"/>
+          <dgm:constr type="w" for="ch" forName="circ4Tx" refType="w" fact="0.275"/>
+          <dgm:constr type="h" for="ch" forName="circ4Tx" refType="h" fact="0.215"/>
+          <dgm:constr type="ctrX" for="ch" forName="circ5" refType="w" fact="0.461"/>
+          <dgm:constr type="ctrY" for="ch" forName="circ5" refType="h" fact="0.6502"/>
+          <dgm:constr type="w" for="ch" forName="circ5" refType="w" fact="0.24"/>
+          <dgm:constr type="h" for="ch" forName="circ5" refType="h" fact="0.3262"/>
+          <dgm:constr type="l" for="ch" forName="circ5Tx" refType="w" fact="0.09"/>
+          <dgm:constr type="t" for="ch" forName="circ5Tx" refType="h" fact="0.785"/>
+          <dgm:constr type="w" for="ch" forName="circ5Tx" refType="w" fact="0.275"/>
+          <dgm:constr type="h" for="ch" forName="circ5Tx" refType="h" fact="0.215"/>
+          <dgm:constr type="ctrX" for="ch" forName="circ6" refType="w" fact="0.4123"/>
+          <dgm:constr type="ctrY" for="ch" forName="circ6" refType="h" fact="0.5672"/>
+          <dgm:constr type="w" for="ch" forName="circ6" refType="w" fact="0.24"/>
+          <dgm:constr type="h" for="ch" forName="circ6" refType="h" fact="0.3262"/>
+          <dgm:constr type="l" for="ch" forName="circ6Tx"/>
+          <dgm:constr type="t" for="ch" forName="circ6Tx" refType="h" fact="0.47"/>
+          <dgm:constr type="w" for="ch" forName="circ6Tx" refType="w" fact="0.255"/>
+          <dgm:constr type="h" for="ch" forName="circ6Tx" refType="h" fact="0.235"/>
+          <dgm:constr type="ctrX" for="ch" forName="circ7" refType="w" fact="0.4296"/>
+          <dgm:constr type="ctrY" for="ch" forName="circ7" refType="h" fact="0.4637"/>
+          <dgm:constr type="w" for="ch" forName="circ7" refType="w" fact="0.24"/>
+          <dgm:constr type="h" for="ch" forName="circ7" refType="h" fact="0.3262"/>
+          <dgm:constr type="l" for="ch" forName="circ7Tx" refType="w" fact="0.02"/>
+          <dgm:constr type="t" for="ch" forName="circ7Tx" refType="h" fact="0.19"/>
+          <dgm:constr type="w" for="ch" forName="circ7Tx" refType="w" fact="0.26"/>
+          <dgm:constr type="h" for="ch" forName="circ7Tx" refType="h" fact="0.22"/>
+          <dgm:constr type="primFontSz" for="ch" ptType="node" op="equ"/>
+        </dgm:constrLst>
+      </dgm:else>
+    </dgm:choose>
+    <dgm:ruleLst/>
+    <dgm:forEach name="Name17" axis="ch" ptType="node" cnt="1">
+      <dgm:choose name="Name18">
+        <dgm:if name="Name19" axis="root ch" ptType="all node" func="cnt" op="equ" val="1">
+          <dgm:layoutNode name="circ1TxSh" styleLbl="vennNode1">
+            <dgm:alg type="tx">
+              <dgm:param type="txAnchorHorzCh" val="ctr"/>
+              <dgm:param type="txAnchorVertCh" val="mid"/>
+            </dgm:alg>
+            <dgm:shape xmlns:r="http://schemas.openxmlformats.org/officeDocument/2006/relationships" type="ellipse" r:blip="">
+              <dgm:adjLst/>
+            </dgm:shape>
+            <dgm:choose name="Name20">
+              <dgm:if name="Name21" func="var" arg="dir" op="equ" val="norm">
+                <dgm:choose name="Name22">
+                  <dgm:if name="Name23" axis="root ch" ptType="all node" func="cnt" op="lte" val="4">
+                    <dgm:presOf axis="desOrSelf" ptType="node"/>
+                  </dgm:if>
+                  <dgm:else name="Name24">
+                    <dgm:presOf/>
+                  </dgm:else>
+                </dgm:choose>
+              </dgm:if>
+              <dgm:else name="Name25">
+                <dgm:choose name="Name26">
+                  <dgm:if name="Name27" axis="root ch" ptType="all node" func="cnt" op="equ" val="2">
+                    <dgm:presOf axis="root ch desOrSelf" ptType="all node node" st="1 2 1" cnt="1 1 0"/>
+                  </dgm:if>
+                  <dgm:else name="Name28">
+                    <dgm:presOf axis="desOrSelf" ptType="node"/>
+                  </dgm:else>
+                </dgm:choose>
+              </dgm:else>
+            </dgm:choose>
+            <dgm:constrLst>
+              <dgm:constr type="tMarg"/>
+              <dgm:constr type="bMarg"/>
+              <dgm:constr type="lMarg"/>
+              <dgm:constr type="rMarg"/>
+              <dgm:constr type="primFontSz" val="65"/>
+            </dgm:constrLst>
+            <dgm:ruleLst>
+              <dgm:rule type="primFontSz" val="5" fact="NaN" max="NaN"/>
+            </dgm:ruleLst>
+          </dgm:layoutNode>
+        </dgm:if>
+        <dgm:else name="Name29">
+          <dgm:layoutNode name="circ1" styleLbl="vennNode1">
+            <dgm:alg type="sp"/>
+            <dgm:shape xmlns:r="http://schemas.openxmlformats.org/officeDocument/2006/relationships" type="ellipse" r:blip="">
+              <dgm:adjLst/>
+            </dgm:shape>
+            <dgm:choose name="Name30">
+              <dgm:if name="Name31" func="var" arg="dir" op="equ" val="norm">
+                <dgm:choose name="Name32">
+                  <dgm:if name="Name33" axis="root ch" ptType="all node" func="cnt" op="lte" val="4">
+                    <dgm:presOf axis="desOrSelf" ptType="node"/>
+                  </dgm:if>
+                  <dgm:else name="Name34">
+                    <dgm:presOf/>
+                  </dgm:else>
+                </dgm:choose>
+              </dgm:if>
+              <dgm:else name="Name35">
+                <dgm:choose name="Name36">
+                  <dgm:if name="Name37" axis="root ch" ptType="all node" func="cnt" op="equ" val="2">
+                    <dgm:presOf axis="root ch desOrSelf" ptType="all node node" st="1 2 1" cnt="1 1 0"/>
+                  </dgm:if>
+                  <dgm:else name="Name38">
+                    <dgm:choose name="Name39">
+                      <dgm:if name="Name40" axis="root ch" ptType="all node" func="cnt" op="lte" val="4">
+                        <dgm:presOf axis="desOrSelf" ptType="node"/>
+                      </dgm:if>
+                      <dgm:else name="Name41">
+                        <dgm:presOf/>
+                      </dgm:else>
+                    </dgm:choose>
+                  </dgm:else>
+                </dgm:choose>
+              </dgm:else>
+            </dgm:choose>
+            <dgm:constrLst/>
+            <dgm:ruleLst/>
+          </dgm:layoutNode>
+          <dgm:layoutNode name="circ1Tx" styleLbl="revTx">
+            <dgm:varLst>
+              <dgm:chMax val="0"/>
+              <dgm:chPref val="0"/>
+              <dgm:bulletEnabled val="1"/>
+            </dgm:varLst>
+            <dgm:alg type="tx">
+              <dgm:param type="txAnchorHorzCh" val="ctr"/>
+              <dgm:param type="txAnchorVertCh" val="mid"/>
+            </dgm:alg>
+            <dgm:shape xmlns:r="http://schemas.openxmlformats.org/officeDocument/2006/relationships" type="rect" r:blip="" hideGeom="1">
+              <dgm:adjLst/>
+            </dgm:shape>
+            <dgm:choose name="Name42">
+              <dgm:if name="Name43" func="var" arg="dir" op="equ" val="norm">
+                <dgm:presOf axis="desOrSelf" ptType="node"/>
+              </dgm:if>
+              <dgm:else name="Name44">
+                <dgm:choose name="Name45">
+                  <dgm:if name="Name46" axis="root ch" ptType="all node" func="cnt" op="equ" val="2">
+                    <dgm:presOf axis="root ch desOrSelf" ptType="all node node" st="1 2 1" cnt="1 1 0"/>
+                  </dgm:if>
+                  <dgm:else name="Name47">
+                    <dgm:presOf axis="desOrSelf" ptType="node"/>
+                  </dgm:else>
+                </dgm:choose>
+              </dgm:else>
+            </dgm:choose>
+            <dgm:constrLst>
+              <dgm:constr type="tMarg"/>
+              <dgm:constr type="bMarg"/>
+              <dgm:constr type="lMarg"/>
+              <dgm:constr type="rMarg"/>
+              <dgm:constr type="primFontSz" val="65"/>
+            </dgm:constrLst>
+            <dgm:ruleLst>
+              <dgm:rule type="primFontSz" val="5" fact="NaN" max="NaN"/>
+            </dgm:ruleLst>
+          </dgm:layoutNode>
+        </dgm:else>
+      </dgm:choose>
+    </dgm:forEach>
+    <dgm:forEach name="Name48" axis="ch" ptType="node" st="2" cnt="1">
+      <dgm:layoutNode name="circ2" styleLbl="vennNode1">
+        <dgm:alg type="sp"/>
+        <dgm:shape xmlns:r="http://schemas.openxmlformats.org/officeDocument/2006/relationships" type="ellipse" r:blip="">
+          <dgm:adjLst/>
+        </dgm:shape>
+        <dgm:choose name="Name49">
+          <dgm:if name="Name50" func="var" arg="dir" op="equ" val="norm">
+            <dgm:choose name="Name51">
+              <dgm:if name="Name52" axis="root ch" ptType="all node" func="cnt" op="lte" val="4">
+                <dgm:presOf axis="desOrSelf" ptType="node"/>
+              </dgm:if>
+              <dgm:else name="Name53">
+                <dgm:presOf/>
+              </dgm:else>
+            </dgm:choose>
+          </dgm:if>
+          <dgm:else name="Name54">
+            <dgm:choose name="Name55">
+              <dgm:if name="Name56" axis="root ch" ptType="all node" func="cnt" op="equ" val="2">
+                <dgm:presOf axis="root ch desOrSelf" ptType="all node node" st="1 1 1" cnt="1 1 0"/>
+              </dgm:if>
+              <dgm:if name="Name57" axis="root ch" ptType="all node" func="cnt" op="equ" val="3">
+                <dgm:presOf axis="root ch desOrSelf" ptType="all node node" st="1 3 1" cnt="1 1 0"/>
+              </dgm:if>
+              <dgm:if name="Name58" axis="root ch" ptType="all node" func="cnt" op="equ" val="4">
+                <dgm:presOf axis="root ch desOrSelf" ptType="all node node" st="1 4 1" cnt="1 1 0"/>
+              </dgm:if>
+              <dgm:else name="Name59">
+                <dgm:presOf/>
+              </dgm:else>
+            </dgm:choose>
+          </dgm:else>
+        </dgm:choose>
+        <dgm:constrLst/>
+        <dgm:ruleLst/>
+      </dgm:layoutNode>
+      <dgm:layoutNode name="circ2Tx" styleLbl="revTx">
+        <dgm:varLst>
+          <dgm:chMax val="0"/>
+          <dgm:chPref val="0"/>
+          <dgm:bulletEnabled val="1"/>
+        </dgm:varLst>
+        <dgm:alg type="tx">
+          <dgm:param type="txAnchorHorzCh" val="ctr"/>
+          <dgm:param type="txAnchorVertCh" val="mid"/>
+        </dgm:alg>
+        <dgm:shape xmlns:r="http://schemas.openxmlformats.org/officeDocument/2006/relationships" type="rect" r:blip="" hideGeom="1">
+          <dgm:adjLst/>
+        </dgm:shape>
+        <dgm:choose name="Name60">
+          <dgm:if name="Name61" func="var" arg="dir" op="equ" val="norm">
+            <dgm:presOf axis="desOrSelf" ptType="node"/>
+          </dgm:if>
+          <dgm:else name="Name62">
+            <dgm:choose name="Name63">
+              <dgm:if name="Name64" axis="root ch" ptType="all node" func="cnt" op="equ" val="2">
+                <dgm:presOf axis="root ch desOrSelf" ptType="all node node" st="1 1 1" cnt="1 1 0"/>
+              </dgm:if>
+              <dgm:if name="Name65" axis="root ch" ptType="all node" func="cnt" op="equ" val="3">
+                <dgm:presOf axis="root ch desOrSelf" ptType="all node node" st="1 3 1" cnt="1 1 0"/>
+              </dgm:if>
+              <dgm:if name="Name66" axis="root ch" ptType="all node" func="cnt" op="equ" val="4">
+                <dgm:presOf axis="root ch desOrSelf" ptType="all node node" st="1 4 1" cnt="1 1 0"/>
+              </dgm:if>
+              <dgm:if name="Name67" axis="root ch" ptType="all node" func="cnt" op="equ" val="5">
+                <dgm:presOf axis="root ch desOrSelf" ptType="all node node" st="1 5 1" cnt="1 1 0"/>
+              </dgm:if>
+              <dgm:if name="Name68" axis="root ch" ptType="all node" func="cnt" op="equ" val="6">
+                <dgm:presOf axis="root ch desOrSelf" ptType="all node node" st="1 6 1" cnt="1 1 0"/>
+              </dgm:if>
+              <dgm:else name="Name69">
+                <dgm:presOf axis="root ch desOrSelf" ptType="all node node" st="1 7 1" cnt="1 1 0"/>
+              </dgm:else>
+            </dgm:choose>
+          </dgm:else>
+        </dgm:choose>
+        <dgm:constrLst>
+          <dgm:constr type="tMarg"/>
+          <dgm:constr type="bMarg"/>
+          <dgm:constr type="lMarg"/>
+          <dgm:constr type="rMarg"/>
+          <dgm:constr type="primFontSz" val="65"/>
+        </dgm:constrLst>
+        <dgm:ruleLst>
+          <dgm:rule type="primFontSz" val="5" fact="NaN" max="NaN"/>
+        </dgm:ruleLst>
+      </dgm:layoutNode>
+    </dgm:forEach>
+    <dgm:forEach name="Name70" axis="ch" ptType="node" st="3" cnt="1">
+      <dgm:layoutNode name="circ3" styleLbl="vennNode1">
+        <dgm:alg type="sp"/>
+        <dgm:shape xmlns:r="http://schemas.openxmlformats.org/officeDocument/2006/relationships" type="ellipse" r:blip="">
+          <dgm:adjLst/>
+        </dgm:shape>
+        <dgm:choose name="Name71">
+          <dgm:if name="Name72" func="var" arg="dir" op="equ" val="norm">
+            <dgm:choose name="Name73">
+              <dgm:if name="Name74" axis="root ch" ptType="all node" func="cnt" op="lte" val="4">
+                <dgm:presOf axis="desOrSelf" ptType="node"/>
+              </dgm:if>
+              <dgm:else name="Name75">
+                <dgm:presOf/>
+              </dgm:else>
+            </dgm:choose>
+          </dgm:if>
+          <dgm:else name="Name76">
+            <dgm:choose name="Name77">
+              <dgm:if name="Name78" axis="root ch" ptType="all node" func="cnt" op="equ" val="3">
+                <dgm:presOf axis="root ch desOrSelf" ptType="all node node" st="1 2 1" cnt="1 1 0"/>
+              </dgm:if>
+              <dgm:if name="Name79" axis="root ch" ptType="all node" func="cnt" op="equ" val="4">
+                <dgm:presOf axis="root ch desOrSelf" ptType="all node node" st="1 3 1" cnt="1 1 0"/>
+              </dgm:if>
+              <dgm:else name="Name80">
+                <dgm:presOf/>
+              </dgm:else>
+            </dgm:choose>
+          </dgm:else>
+        </dgm:choose>
+        <dgm:constrLst/>
+        <dgm:ruleLst/>
+      </dgm:layoutNode>
+      <dgm:layoutNode name="circ3Tx" styleLbl="revTx">
+        <dgm:varLst>
+          <dgm:chMax val="0"/>
+          <dgm:chPref val="0"/>
+          <dgm:bulletEnabled val="1"/>
+        </dgm:varLst>
+        <dgm:alg type="tx">
+          <dgm:param type="txAnchorHorzCh" val="ctr"/>
+          <dgm:param type="txAnchorVertCh" val="mid"/>
+        </dgm:alg>
+        <dgm:shape xmlns:r="http://schemas.openxmlformats.org/officeDocument/2006/relationships" type="rect" r:blip="" hideGeom="1">
+          <dgm:adjLst/>
+        </dgm:shape>
+        <dgm:choose name="Name81">
+          <dgm:if name="Name82" func="var" arg="dir" op="equ" val="norm">
+            <dgm:presOf axis="desOrSelf" ptType="node"/>
+          </dgm:if>
+          <dgm:else name="Name83">
+            <dgm:choose name="Name84">
+              <dgm:if name="Name85" axis="root ch" ptType="all node" func="cnt" op="equ" val="3">
+                <dgm:presOf axis="root ch desOrSelf" ptType="all node node" st="1 2 1" cnt="1 1 0"/>
+              </dgm:if>
+              <dgm:if name="Name86" axis="root ch" ptType="all node" func="cnt" op="equ" val="4">
+                <dgm:presOf axis="root ch desOrSelf" ptType="all node node" st="1 3 1" cnt="1 1 0"/>
+              </dgm:if>
+              <dgm:if name="Name87" axis="root ch" ptType="all node" func="cnt" op="equ" val="5">
+                <dgm:presOf axis="root ch desOrSelf" ptType="all node node" st="1 4 1" cnt="1 1 0"/>
+              </dgm:if>
+              <dgm:if name="Name88" axis="root ch" ptType="all node" func="cnt" op="equ" val="6">
+                <dgm:presOf axis="root ch desOrSelf" ptType="all node node" st="1 5 1" cnt="1 1 0"/>
+              </dgm:if>
+              <dgm:else name="Name89">
+                <dgm:presOf axis="root ch desOrSelf" ptType="all node node" st="1 6 1" cnt="1 1 0"/>
+              </dgm:else>
+            </dgm:choose>
+          </dgm:else>
+        </dgm:choose>
+        <dgm:constrLst>
+          <dgm:constr type="tMarg"/>
+          <dgm:constr type="bMarg"/>
+          <dgm:constr type="lMarg"/>
+          <dgm:constr type="rMarg"/>
+          <dgm:constr type="primFontSz" val="65"/>
+        </dgm:constrLst>
+        <dgm:ruleLst>
+          <dgm:rule type="primFontSz" val="5" fact="NaN" max="NaN"/>
+        </dgm:ruleLst>
+      </dgm:layoutNode>
+    </dgm:forEach>
+    <dgm:forEach name="Name90" axis="ch" ptType="node" st="4" cnt="1">
+      <dgm:layoutNode name="circ4" styleLbl="vennNode1">
+        <dgm:alg type="sp"/>
+        <dgm:shape xmlns:r="http://schemas.openxmlformats.org/officeDocument/2006/relationships" type="ellipse" r:blip="">
+          <dgm:adjLst/>
+        </dgm:shape>
+        <dgm:choose name="Name91">
+          <dgm:if name="Name92" func="var" arg="dir" op="equ" val="norm">
+            <dgm:choose name="Name93">
+              <dgm:if name="Name94" axis="root ch" ptType="all node" func="cnt" op="lte" val="4">
+                <dgm:presOf axis="desOrSelf" ptType="node"/>
+              </dgm:if>
+              <dgm:else name="Name95">
+                <dgm:presOf/>
+              </dgm:else>
+            </dgm:choose>
+          </dgm:if>
+          <dgm:else name="Name96">
+            <dgm:choose name="Name97">
+              <dgm:if name="Name98" axis="root ch" ptType="all node" func="cnt" op="equ" val="4">
+                <dgm:presOf axis="root ch desOrSelf" ptType="all node node" st="1 2 1" cnt="1 1 0"/>
+              </dgm:if>
+              <dgm:else name="Name99">
+                <dgm:presOf/>
+              </dgm:else>
+            </dgm:choose>
+          </dgm:else>
+        </dgm:choose>
+        <dgm:constrLst/>
+        <dgm:ruleLst/>
+      </dgm:layoutNode>
+      <dgm:layoutNode name="circ4Tx" styleLbl="revTx">
+        <dgm:varLst>
+          <dgm:chMax val="0"/>
+          <dgm:chPref val="0"/>
+          <dgm:bulletEnabled val="1"/>
+        </dgm:varLst>
+        <dgm:alg type="tx">
+          <dgm:param type="txAnchorHorzCh" val="ctr"/>
+          <dgm:param type="txAnchorVertCh" val="mid"/>
+        </dgm:alg>
+        <dgm:shape xmlns:r="http://schemas.openxmlformats.org/officeDocument/2006/relationships" type="rect" r:blip="" hideGeom="1">
+          <dgm:adjLst/>
+        </dgm:shape>
+        <dgm:choose name="Name100">
+          <dgm:if name="Name101" func="var" arg="dir" op="equ" val="norm">
+            <dgm:presOf axis="desOrSelf" ptType="node"/>
+          </dgm:if>
+          <dgm:else name="Name102">
+            <dgm:choose name="Name103">
+              <dgm:if name="Name104" axis="root ch" ptType="all node" func="cnt" op="equ" val="4">
+                <dgm:presOf axis="root ch desOrSelf" ptType="all node node" st="1 2 1" cnt="1 1 0"/>
+              </dgm:if>
+              <dgm:if name="Name105" axis="root ch" ptType="all node" func="cnt" op="equ" val="5">
+                <dgm:presOf axis="root ch desOrSelf" ptType="all node node" st="1 3 1" cnt="1 1 0"/>
+              </dgm:if>
+              <dgm:if name="Name106" axis="root ch" ptType="all node" func="cnt" op="equ" val="6">
+                <dgm:presOf axis="root ch desOrSelf" ptType="all node node" st="1 4 1" cnt="1 1 0"/>
+              </dgm:if>
+              <dgm:else name="Name107">
+                <dgm:presOf axis="root ch desOrSelf" ptType="all node node" st="1 5 1" cnt="1 1 0"/>
+              </dgm:else>
+            </dgm:choose>
+          </dgm:else>
+        </dgm:choose>
+        <dgm:constrLst>
+          <dgm:constr type="tMarg"/>
+          <dgm:constr type="bMarg"/>
+          <dgm:constr type="lMarg"/>
+          <dgm:constr type="rMarg"/>
+          <dgm:constr type="primFontSz" val="65"/>
+        </dgm:constrLst>
+        <dgm:ruleLst>
+          <dgm:rule type="primFontSz" val="5" fact="NaN" max="NaN"/>
+        </dgm:ruleLst>
+      </dgm:layoutNode>
+    </dgm:forEach>
+    <dgm:forEach name="Name108" axis="ch" ptType="node" st="5" cnt="1">
+      <dgm:layoutNode name="circ5" styleLbl="vennNode1">
+        <dgm:alg type="sp"/>
+        <dgm:shape xmlns:r="http://schemas.openxmlformats.org/officeDocument/2006/relationships" type="ellipse" r:blip="">
+          <dgm:adjLst/>
+        </dgm:shape>
+        <dgm:presOf/>
+        <dgm:constrLst/>
+        <dgm:ruleLst/>
+      </dgm:layoutNode>
+      <dgm:layoutNode name="circ5Tx" styleLbl="revTx">
+        <dgm:varLst>
+          <dgm:chMax val="0"/>
+          <dgm:chPref val="0"/>
+          <dgm:bulletEnabled val="1"/>
+        </dgm:varLst>
+        <dgm:alg type="tx">
+          <dgm:param type="txAnchorHorzCh" val="ctr"/>
+          <dgm:param type="txAnchorVertCh" val="mid"/>
+        </dgm:alg>
+        <dgm:shape xmlns:r="http://schemas.openxmlformats.org/officeDocument/2006/relationships" type="rect" r:blip="" hideGeom="1">
+          <dgm:adjLst/>
+        </dgm:shape>
+        <dgm:choose name="Name109">
+          <dgm:if name="Name110" func="var" arg="dir" op="equ" val="norm">
+            <dgm:presOf axis="desOrSelf" ptType="node"/>
+          </dgm:if>
+          <dgm:else name="Name111">
+            <dgm:choose name="Name112">
+              <dgm:if name="Name113" axis="root ch" ptType="all node" func="cnt" op="equ" val="5">
+                <dgm:presOf axis="root ch desOrSelf" ptType="all node node" st="1 2 1" cnt="1 1 0"/>
+              </dgm:if>
+              <dgm:if name="Name114" axis="root ch" ptType="all node" func="cnt" op="equ" val="6">
+                <dgm:presOf axis="root ch desOrSelf" ptType="all node node" st="1 3 1" cnt="1 1 0"/>
+              </dgm:if>
+              <dgm:else name="Name115">
+                <dgm:presOf axis="root ch desOrSelf" ptType="all node node" st="1 4 1" cnt="1 1 0"/>
+              </dgm:else>
+            </dgm:choose>
+          </dgm:else>
+        </dgm:choose>
+        <dgm:constrLst>
+          <dgm:constr type="tMarg"/>
+          <dgm:constr type="bMarg"/>
+          <dgm:constr type="lMarg"/>
+          <dgm:constr type="rMarg"/>
+          <dgm:constr type="primFontSz" val="65"/>
+        </dgm:constrLst>
+        <dgm:ruleLst>
+          <dgm:rule type="primFontSz" val="5" fact="NaN" max="NaN"/>
+        </dgm:ruleLst>
+      </dgm:layoutNode>
+    </dgm:forEach>
+    <dgm:forEach name="Name116" axis="ch" ptType="node" st="6" cnt="1">
+      <dgm:layoutNode name="circ6" styleLbl="vennNode1">
+        <dgm:alg type="sp"/>
+        <dgm:shape xmlns:r="http://schemas.openxmlformats.org/officeDocument/2006/relationships" type="ellipse" r:blip="">
+          <dgm:adjLst/>
+        </dgm:shape>
+        <dgm:presOf/>
+        <dgm:constrLst/>
+        <dgm:ruleLst/>
+      </dgm:layoutNode>
+      <dgm:layoutNode name="circ6Tx" styleLbl="revTx">
+        <dgm:varLst>
+          <dgm:chMax val="0"/>
+          <dgm:chPref val="0"/>
+          <dgm:bulletEnabled val="1"/>
+        </dgm:varLst>
+        <dgm:alg type="tx">
+          <dgm:param type="txAnchorHorzCh" val="ctr"/>
+          <dgm:param type="txAnchorVertCh" val="mid"/>
+        </dgm:alg>
+        <dgm:shape xmlns:r="http://schemas.openxmlformats.org/officeDocument/2006/relationships" type="rect" r:blip="" hideGeom="1">
+          <dgm:adjLst/>
+        </dgm:shape>
+        <dgm:choose name="Name117">
+          <dgm:if name="Name118" func="var" arg="dir" op="equ" val="norm">
+            <dgm:presOf axis="desOrSelf" ptType="node"/>
+          </dgm:if>
+          <dgm:else name="Name119">
+            <dgm:choose name="Name120">
+              <dgm:if name="Name121" axis="root ch" ptType="all node" func="cnt" op="equ" val="6">
+                <dgm:presOf axis="root ch desOrSelf" ptType="all node node" st="1 2 1" cnt="1 1 0"/>
+              </dgm:if>
+              <dgm:else name="Name122">
+                <dgm:presOf axis="root ch desOrSelf" ptType="all node node" st="1 3 1" cnt="1 1 0"/>
+              </dgm:else>
+            </dgm:choose>
+          </dgm:else>
+        </dgm:choose>
+        <dgm:constrLst>
+          <dgm:constr type="tMarg"/>
+          <dgm:constr type="bMarg"/>
+          <dgm:constr type="lMarg"/>
+          <dgm:constr type="rMarg"/>
+          <dgm:constr type="primFontSz" val="65"/>
+        </dgm:constrLst>
+        <dgm:ruleLst>
+          <dgm:rule type="primFontSz" val="5" fact="NaN" max="NaN"/>
+        </dgm:ruleLst>
+      </dgm:layoutNode>
+    </dgm:forEach>
+    <dgm:forEach name="Name123" axis="ch" ptType="node" st="7" cnt="1">
+      <dgm:layoutNode name="circ7" styleLbl="vennNode1">
+        <dgm:alg type="sp"/>
+        <dgm:shape xmlns:r="http://schemas.openxmlformats.org/officeDocument/2006/relationships" type="ellipse" r:blip="">
+          <dgm:adjLst/>
+        </dgm:shape>
+        <dgm:presOf/>
+        <dgm:constrLst/>
+        <dgm:ruleLst/>
+      </dgm:layoutNode>
+      <dgm:layoutNode name="circ7Tx" styleLbl="revTx">
+        <dgm:varLst>
+          <dgm:chMax val="0"/>
+          <dgm:chPref val="0"/>
+          <dgm:bulletEnabled val="1"/>
+        </dgm:varLst>
+        <dgm:alg type="tx">
+          <dgm:param type="txAnchorHorzCh" val="ctr"/>
+          <dgm:param type="txAnchorVertCh" val="mid"/>
+        </dgm:alg>
+        <dgm:shape xmlns:r="http://schemas.openxmlformats.org/officeDocument/2006/relationships" type="rect" r:blip="" hideGeom="1">
+          <dgm:adjLst/>
+        </dgm:shape>
+        <dgm:choose name="Name124">
+          <dgm:if name="Name125" func="var" arg="dir" op="equ" val="norm">
+            <dgm:presOf axis="desOrSelf" ptType="node"/>
+          </dgm:if>
+          <dgm:else name="Name126">
+            <dgm:presOf axis="root ch desOrSelf" ptType="all node node" st="1 2 1" cnt="1 1 0"/>
+          </dgm:else>
+        </dgm:choose>
+        <dgm:constrLst>
+          <dgm:constr type="tMarg"/>
+          <dgm:constr type="bMarg"/>
+          <dgm:constr type="lMarg"/>
+          <dgm:constr type="rMarg"/>
+          <dgm:constr type="primFontSz" val="65"/>
+        </dgm:constrLst>
+        <dgm:ruleLst>
+          <dgm:rule type="primFontSz" val="5" fact="NaN" max="NaN"/>
+        </dgm:ruleLst>
+      </dgm:layoutNode>
+    </dgm:forEach>
+  </dgm:layoutNode>
+</dgm:layoutDef>
+</file>
+
+<file path=ppt/diagrams/layout3.xml><?xml version="1.0" encoding="utf-8"?>
 <dgm:layoutDef xmlns:dgm="http://schemas.openxmlformats.org/drawingml/2006/diagram" xmlns:a="http://schemas.openxmlformats.org/drawingml/2006/main" uniqueId="urn:microsoft.com/office/officeart/2005/8/layout/cycle3">
   <dgm:title val=""/>
   <dgm:desc val=""/>
@@ -7233,245 +7589,6 @@
 </dgm:layoutDef>
 </file>
 
-<file path=ppt/diagrams/layout3.xml><?xml version="1.0" encoding="utf-8"?>
-<dgm:layoutDef xmlns:dgm="http://schemas.openxmlformats.org/drawingml/2006/diagram" xmlns:a="http://schemas.openxmlformats.org/drawingml/2006/main" uniqueId="urn:microsoft.com/office/officeart/2005/8/layout/radial5">
-  <dgm:title val=""/>
-  <dgm:desc val=""/>
-  <dgm:catLst>
-    <dgm:cat type="relationship" pri="23000"/>
-    <dgm:cat type="cycle" pri="11000"/>
-  </dgm:catLst>
-  <dgm:sampData>
-    <dgm:dataModel>
-      <dgm:ptLst>
-        <dgm:pt modelId="0" type="doc"/>
-        <dgm:pt modelId="1">
-          <dgm:prSet phldr="1"/>
-        </dgm:pt>
-        <dgm:pt modelId="11">
-          <dgm:prSet phldr="1"/>
-        </dgm:pt>
-        <dgm:pt modelId="12">
-          <dgm:prSet phldr="1"/>
-        </dgm:pt>
-        <dgm:pt modelId="13">
-          <dgm:prSet phldr="1"/>
-        </dgm:pt>
-        <dgm:pt modelId="14">
-          <dgm:prSet phldr="1"/>
-        </dgm:pt>
-      </dgm:ptLst>
-      <dgm:cxnLst>
-        <dgm:cxn modelId="2" srcId="0" destId="1" srcOrd="0" destOrd="0"/>
-        <dgm:cxn modelId="3" srcId="1" destId="11" srcOrd="0" destOrd="0"/>
-        <dgm:cxn modelId="4" srcId="1" destId="12" srcOrd="1" destOrd="0"/>
-        <dgm:cxn modelId="5" srcId="1" destId="13" srcOrd="2" destOrd="0"/>
-        <dgm:cxn modelId="6" srcId="1" destId="14" srcOrd="3" destOrd="0"/>
-      </dgm:cxnLst>
-      <dgm:bg/>
-      <dgm:whole/>
-    </dgm:dataModel>
-  </dgm:sampData>
-  <dgm:styleData>
-    <dgm:dataModel>
-      <dgm:ptLst>
-        <dgm:pt modelId="0" type="doc"/>
-        <dgm:pt modelId="1"/>
-        <dgm:pt modelId="11"/>
-        <dgm:pt modelId="12"/>
-        <dgm:pt modelId="13"/>
-      </dgm:ptLst>
-      <dgm:cxnLst>
-        <dgm:cxn modelId="2" srcId="0" destId="1" srcOrd="0" destOrd="0"/>
-        <dgm:cxn modelId="15" srcId="1" destId="11" srcOrd="0" destOrd="0"/>
-        <dgm:cxn modelId="16" srcId="1" destId="12" srcOrd="1" destOrd="0"/>
-        <dgm:cxn modelId="17" srcId="1" destId="13" srcOrd="2" destOrd="0"/>
-      </dgm:cxnLst>
-      <dgm:bg/>
-      <dgm:whole/>
-    </dgm:dataModel>
-  </dgm:styleData>
-  <dgm:clrData>
-    <dgm:dataModel>
-      <dgm:ptLst>
-        <dgm:pt modelId="0" type="doc"/>
-        <dgm:pt modelId="1"/>
-        <dgm:pt modelId="11"/>
-        <dgm:pt modelId="12"/>
-        <dgm:pt modelId="13"/>
-        <dgm:pt modelId="14"/>
-        <dgm:pt modelId="15"/>
-        <dgm:pt modelId="16"/>
-      </dgm:ptLst>
-      <dgm:cxnLst>
-        <dgm:cxn modelId="2" srcId="0" destId="1" srcOrd="0" destOrd="0"/>
-        <dgm:cxn modelId="16" srcId="1" destId="11" srcOrd="0" destOrd="0"/>
-        <dgm:cxn modelId="17" srcId="1" destId="12" srcOrd="1" destOrd="0"/>
-        <dgm:cxn modelId="18" srcId="1" destId="13" srcOrd="2" destOrd="0"/>
-        <dgm:cxn modelId="19" srcId="1" destId="14" srcOrd="3" destOrd="0"/>
-        <dgm:cxn modelId="20" srcId="1" destId="15" srcOrd="4" destOrd="0"/>
-        <dgm:cxn modelId="21" srcId="1" destId="16" srcOrd="5" destOrd="0"/>
-      </dgm:cxnLst>
-      <dgm:bg/>
-      <dgm:whole/>
-    </dgm:dataModel>
-  </dgm:clrData>
-  <dgm:layoutNode name="Name0">
-    <dgm:varLst>
-      <dgm:chMax val="1"/>
-      <dgm:dir/>
-      <dgm:animLvl val="ctr"/>
-      <dgm:resizeHandles val="exact"/>
-    </dgm:varLst>
-    <dgm:choose name="Name1">
-      <dgm:if name="Name2" func="var" arg="dir" op="equ" val="norm">
-        <dgm:alg type="cycle">
-          <dgm:param type="stAng" val="0"/>
-          <dgm:param type="spanAng" val="360"/>
-          <dgm:param type="ctrShpMap" val="fNode"/>
-        </dgm:alg>
-      </dgm:if>
-      <dgm:else name="Name3">
-        <dgm:alg type="cycle">
-          <dgm:param type="stAng" val="0"/>
-          <dgm:param type="spanAng" val="-360"/>
-          <dgm:param type="ctrShpMap" val="fNode"/>
-        </dgm:alg>
-      </dgm:else>
-    </dgm:choose>
-    <dgm:shape xmlns:r="http://schemas.openxmlformats.org/officeDocument/2006/relationships" r:blip="">
-      <dgm:adjLst/>
-    </dgm:shape>
-    <dgm:presOf/>
-    <dgm:constrLst>
-      <dgm:constr type="w" for="ch" forName="centerShape" refType="w"/>
-      <dgm:constr type="w" for="ch" forName="parTrans" refType="w" refFor="ch" refForName="centerShape" fact="0.4"/>
-      <dgm:constr type="w" for="ch" forName="node" refType="w" refFor="ch" refForName="centerShape" op="equ" fact="1.25"/>
-      <dgm:constr type="sp" refType="w" refFor="ch" refForName="centerShape" op="equ" fact="0.4"/>
-      <dgm:constr type="sibSp" refType="w" refFor="ch" refForName="node" fact="0.3"/>
-      <dgm:constr type="primFontSz" for="ch" forName="centerShape" val="65"/>
-      <dgm:constr type="primFontSz" for="des" forName="node" op="equ" val="65"/>
-      <dgm:constr type="primFontSz" for="des" forName="node" refType="primFontSz" refFor="ch" refForName="centerShape" op="lte"/>
-      <dgm:constr type="primFontSz" for="des" forName="connectorText" op="equ" val="55"/>
-      <dgm:constr type="primFontSz" for="des" forName="connectorText" refType="primFontSz" refFor="ch" refForName="centerShape" op="lte" fact="0.8"/>
-      <dgm:constr type="primFontSz" for="des" forName="connectorText" refType="primFontSz" refFor="des" refForName="node" op="lte"/>
-    </dgm:constrLst>
-    <dgm:choose name="Name4">
-      <dgm:if name="Name5" axis="ch ch" ptType="node node" st="1 1" cnt="1 0" func="cnt" op="lte" val="6">
-        <dgm:ruleLst>
-          <dgm:rule type="w" for="ch" forName="node" val="NaN" fact="1" max="NaN"/>
-        </dgm:ruleLst>
-      </dgm:if>
-      <dgm:if name="Name6" axis="ch ch" ptType="node node" st="1 1" cnt="1 0" func="cnt" op="lte" val="8">
-        <dgm:ruleLst>
-          <dgm:rule type="w" for="ch" forName="node" val="NaN" fact="0.9" max="NaN"/>
-        </dgm:ruleLst>
-      </dgm:if>
-      <dgm:if name="Name7" axis="ch ch" ptType="node node" st="1 1" cnt="1 0" func="cnt" op="lte" val="10">
-        <dgm:ruleLst>
-          <dgm:rule type="w" for="ch" forName="node" val="NaN" fact="0.8" max="NaN"/>
-        </dgm:ruleLst>
-      </dgm:if>
-      <dgm:if name="Name8" axis="ch ch" ptType="node node" st="1 1" cnt="1 0" func="cnt" op="lte" val="12">
-        <dgm:ruleLst>
-          <dgm:rule type="w" for="ch" forName="node" val="NaN" fact="0.7" max="NaN"/>
-        </dgm:ruleLst>
-      </dgm:if>
-      <dgm:if name="Name9" axis="ch ch" ptType="node node" st="1 1" cnt="1 0" func="cnt" op="lte" val="14">
-        <dgm:ruleLst>
-          <dgm:rule type="w" for="ch" forName="node" val="NaN" fact="0.6" max="NaN"/>
-        </dgm:ruleLst>
-      </dgm:if>
-      <dgm:else name="Name10">
-        <dgm:ruleLst>
-          <dgm:rule type="w" for="ch" forName="node" val="NaN" fact="0.5" max="NaN"/>
-        </dgm:ruleLst>
-      </dgm:else>
-    </dgm:choose>
-    <dgm:forEach name="Name11" axis="ch" ptType="node" cnt="1">
-      <dgm:layoutNode name="centerShape" styleLbl="node0">
-        <dgm:alg type="tx"/>
-        <dgm:shape xmlns:r="http://schemas.openxmlformats.org/officeDocument/2006/relationships" type="ellipse" r:blip="">
-          <dgm:adjLst/>
-        </dgm:shape>
-        <dgm:presOf axis="self"/>
-        <dgm:constrLst>
-          <dgm:constr type="h" refType="w"/>
-          <dgm:constr type="tMarg" refType="primFontSz" fact="0.1"/>
-          <dgm:constr type="bMarg" refType="primFontSz" fact="0.1"/>
-          <dgm:constr type="lMarg" refType="primFontSz" fact="0.1"/>
-          <dgm:constr type="rMarg" refType="primFontSz" fact="0.1"/>
-        </dgm:constrLst>
-        <dgm:ruleLst>
-          <dgm:rule type="primFontSz" val="5" fact="NaN" max="NaN"/>
-        </dgm:ruleLst>
-      </dgm:layoutNode>
-      <dgm:forEach name="Name12" axis="ch">
-        <dgm:forEach name="Name13" axis="self" ptType="parTrans">
-          <dgm:layoutNode name="parTrans" styleLbl="sibTrans2D1">
-            <dgm:alg type="conn">
-              <dgm:param type="begPts" val="auto"/>
-              <dgm:param type="endPts" val="auto"/>
-            </dgm:alg>
-            <dgm:shape xmlns:r="http://schemas.openxmlformats.org/officeDocument/2006/relationships" type="conn" r:blip="">
-              <dgm:adjLst/>
-            </dgm:shape>
-            <dgm:presOf axis="self"/>
-            <dgm:constrLst>
-              <dgm:constr type="h" refType="w" fact="0.85"/>
-            </dgm:constrLst>
-            <dgm:ruleLst/>
-            <dgm:layoutNode name="connectorText">
-              <dgm:alg type="tx">
-                <dgm:param type="autoTxRot" val="grav"/>
-              </dgm:alg>
-              <dgm:shape xmlns:r="http://schemas.openxmlformats.org/officeDocument/2006/relationships" type="conn" r:blip="" hideGeom="1">
-                <dgm:adjLst/>
-              </dgm:shape>
-              <dgm:presOf axis="self"/>
-              <dgm:constrLst>
-                <dgm:constr type="lMarg"/>
-                <dgm:constr type="rMarg"/>
-                <dgm:constr type="tMarg"/>
-                <dgm:constr type="bMarg"/>
-              </dgm:constrLst>
-              <dgm:ruleLst>
-                <dgm:rule type="primFontSz" val="5" fact="NaN" max="NaN"/>
-              </dgm:ruleLst>
-            </dgm:layoutNode>
-          </dgm:layoutNode>
-        </dgm:forEach>
-        <dgm:forEach name="Name14" axis="self" ptType="node">
-          <dgm:layoutNode name="node" styleLbl="node1">
-            <dgm:varLst>
-              <dgm:bulletEnabled val="1"/>
-            </dgm:varLst>
-            <dgm:alg type="tx">
-              <dgm:param type="txAnchorVertCh" val="mid"/>
-            </dgm:alg>
-            <dgm:shape xmlns:r="http://schemas.openxmlformats.org/officeDocument/2006/relationships" type="ellipse" r:blip="">
-              <dgm:adjLst/>
-            </dgm:shape>
-            <dgm:presOf axis="desOrSelf" ptType="node"/>
-            <dgm:constrLst>
-              <dgm:constr type="h" refType="w"/>
-              <dgm:constr type="tMarg" refType="primFontSz" fact="0.1"/>
-              <dgm:constr type="bMarg" refType="primFontSz" fact="0.1"/>
-              <dgm:constr type="lMarg" refType="primFontSz" fact="0.1"/>
-              <dgm:constr type="rMarg" refType="primFontSz" fact="0.1"/>
-            </dgm:constrLst>
-            <dgm:ruleLst>
-              <dgm:rule type="w" val="INF" fact="NaN" max="NaN"/>
-              <dgm:rule type="primFontSz" val="5" fact="NaN" max="NaN"/>
-            </dgm:ruleLst>
-          </dgm:layoutNode>
-        </dgm:forEach>
-      </dgm:forEach>
-    </dgm:forEach>
-  </dgm:layoutNode>
-</dgm:layoutDef>
-</file>
-
 <file path=ppt/diagrams/quickStyle1.xml><?xml version="1.0" encoding="utf-8"?>
 <dgm:styleDef xmlns:dgm="http://schemas.openxmlformats.org/drawingml/2006/diagram" xmlns:a="http://schemas.openxmlformats.org/drawingml/2006/main" uniqueId="urn:microsoft.com/office/officeart/2005/8/quickstyle/simple4">
   <dgm:title val=""/>
@@ -8507,6 +8624,1040 @@
 </file>
 
 <file path=ppt/diagrams/quickStyle2.xml><?xml version="1.0" encoding="utf-8"?>
+<dgm:styleDef xmlns:dgm="http://schemas.openxmlformats.org/drawingml/2006/diagram" xmlns:a="http://schemas.openxmlformats.org/drawingml/2006/main" uniqueId="urn:microsoft.com/office/officeart/2005/8/quickstyle/simple5">
+  <dgm:title val=""/>
+  <dgm:desc val=""/>
+  <dgm:catLst>
+    <dgm:cat type="simple" pri="10500"/>
+  </dgm:catLst>
+  <dgm:scene3d>
+    <a:camera prst="orthographicFront"/>
+    <a:lightRig rig="threePt" dir="t"/>
+  </dgm:scene3d>
+  <dgm:styleLbl name="node0">
+    <dgm:scene3d>
+      <a:camera prst="orthographicFront"/>
+      <a:lightRig rig="threePt" dir="t"/>
+    </dgm:scene3d>
+    <dgm:sp3d/>
+    <dgm:txPr/>
+    <dgm:style>
+      <a:lnRef idx="0">
+        <a:scrgbClr r="0" g="0" b="0"/>
+      </a:lnRef>
+      <a:fillRef idx="3">
+        <a:scrgbClr r="0" g="0" b="0"/>
+      </a:fillRef>
+      <a:effectRef idx="3">
+        <a:scrgbClr r="0" g="0" b="0"/>
+      </a:effectRef>
+      <a:fontRef idx="minor">
+        <a:schemeClr val="lt1"/>
+      </a:fontRef>
+    </dgm:style>
+  </dgm:styleLbl>
+  <dgm:styleLbl name="lnNode1">
+    <dgm:scene3d>
+      <a:camera prst="orthographicFront"/>
+      <a:lightRig rig="threePt" dir="t"/>
+    </dgm:scene3d>
+    <dgm:sp3d/>
+    <dgm:txPr/>
+    <dgm:style>
+      <a:lnRef idx="0">
+        <a:scrgbClr r="0" g="0" b="0"/>
+      </a:lnRef>
+      <a:fillRef idx="3">
+        <a:scrgbClr r="0" g="0" b="0"/>
+      </a:fillRef>
+      <a:effectRef idx="3">
+        <a:scrgbClr r="0" g="0" b="0"/>
+      </a:effectRef>
+      <a:fontRef idx="minor">
+        <a:schemeClr val="lt1"/>
+      </a:fontRef>
+    </dgm:style>
+  </dgm:styleLbl>
+  <dgm:styleLbl name="vennNode1">
+    <dgm:scene3d>
+      <a:camera prst="orthographicFront"/>
+      <a:lightRig rig="threePt" dir="t"/>
+    </dgm:scene3d>
+    <dgm:sp3d/>
+    <dgm:txPr/>
+    <dgm:style>
+      <a:lnRef idx="0">
+        <a:scrgbClr r="0" g="0" b="0"/>
+      </a:lnRef>
+      <a:fillRef idx="3">
+        <a:scrgbClr r="0" g="0" b="0"/>
+      </a:fillRef>
+      <a:effectRef idx="3">
+        <a:scrgbClr r="0" g="0" b="0"/>
+      </a:effectRef>
+      <a:fontRef idx="minor">
+        <a:schemeClr val="tx1"/>
+      </a:fontRef>
+    </dgm:style>
+  </dgm:styleLbl>
+  <dgm:styleLbl name="alignNode1">
+    <dgm:scene3d>
+      <a:camera prst="orthographicFront"/>
+      <a:lightRig rig="threePt" dir="t"/>
+    </dgm:scene3d>
+    <dgm:sp3d/>
+    <dgm:txPr/>
+    <dgm:style>
+      <a:lnRef idx="1">
+        <a:scrgbClr r="0" g="0" b="0"/>
+      </a:lnRef>
+      <a:fillRef idx="3">
+        <a:scrgbClr r="0" g="0" b="0"/>
+      </a:fillRef>
+      <a:effectRef idx="3">
+        <a:scrgbClr r="0" g="0" b="0"/>
+      </a:effectRef>
+      <a:fontRef idx="minor">
+        <a:schemeClr val="lt1"/>
+      </a:fontRef>
+    </dgm:style>
+  </dgm:styleLbl>
+  <dgm:styleLbl name="node1">
+    <dgm:scene3d>
+      <a:camera prst="orthographicFront"/>
+      <a:lightRig rig="threePt" dir="t"/>
+    </dgm:scene3d>
+    <dgm:sp3d/>
+    <dgm:txPr/>
+    <dgm:style>
+      <a:lnRef idx="0">
+        <a:scrgbClr r="0" g="0" b="0"/>
+      </a:lnRef>
+      <a:fillRef idx="3">
+        <a:scrgbClr r="0" g="0" b="0"/>
+      </a:fillRef>
+      <a:effectRef idx="3">
+        <a:scrgbClr r="0" g="0" b="0"/>
+      </a:effectRef>
+      <a:fontRef idx="minor">
+        <a:schemeClr val="lt1"/>
+      </a:fontRef>
+    </dgm:style>
+  </dgm:styleLbl>
+  <dgm:styleLbl name="node2">
+    <dgm:scene3d>
+      <a:camera prst="orthographicFront"/>
+      <a:lightRig rig="threePt" dir="t"/>
+    </dgm:scene3d>
+    <dgm:sp3d/>
+    <dgm:txPr/>
+    <dgm:style>
+      <a:lnRef idx="0">
+        <a:scrgbClr r="0" g="0" b="0"/>
+      </a:lnRef>
+      <a:fillRef idx="3">
+        <a:scrgbClr r="0" g="0" b="0"/>
+      </a:fillRef>
+      <a:effectRef idx="3">
+        <a:scrgbClr r="0" g="0" b="0"/>
+      </a:effectRef>
+      <a:fontRef idx="minor">
+        <a:schemeClr val="lt1"/>
+      </a:fontRef>
+    </dgm:style>
+  </dgm:styleLbl>
+  <dgm:styleLbl name="node3">
+    <dgm:scene3d>
+      <a:camera prst="orthographicFront"/>
+      <a:lightRig rig="threePt" dir="t"/>
+    </dgm:scene3d>
+    <dgm:sp3d/>
+    <dgm:txPr/>
+    <dgm:style>
+      <a:lnRef idx="0">
+        <a:scrgbClr r="0" g="0" b="0"/>
+      </a:lnRef>
+      <a:fillRef idx="3">
+        <a:scrgbClr r="0" g="0" b="0"/>
+      </a:fillRef>
+      <a:effectRef idx="3">
+        <a:scrgbClr r="0" g="0" b="0"/>
+      </a:effectRef>
+      <a:fontRef idx="minor">
+        <a:schemeClr val="lt1"/>
+      </a:fontRef>
+    </dgm:style>
+  </dgm:styleLbl>
+  <dgm:styleLbl name="node4">
+    <dgm:scene3d>
+      <a:camera prst="orthographicFront"/>
+      <a:lightRig rig="threePt" dir="t"/>
+    </dgm:scene3d>
+    <dgm:sp3d/>
+    <dgm:txPr/>
+    <dgm:style>
+      <a:lnRef idx="0">
+        <a:scrgbClr r="0" g="0" b="0"/>
+      </a:lnRef>
+      <a:fillRef idx="3">
+        <a:scrgbClr r="0" g="0" b="0"/>
+      </a:fillRef>
+      <a:effectRef idx="3">
+        <a:scrgbClr r="0" g="0" b="0"/>
+      </a:effectRef>
+      <a:fontRef idx="minor">
+        <a:schemeClr val="lt1"/>
+      </a:fontRef>
+    </dgm:style>
+  </dgm:styleLbl>
+  <dgm:styleLbl name="fgImgPlace1">
+    <dgm:scene3d>
+      <a:camera prst="orthographicFront"/>
+      <a:lightRig rig="threePt" dir="t"/>
+    </dgm:scene3d>
+    <dgm:sp3d/>
+    <dgm:txPr/>
+    <dgm:style>
+      <a:lnRef idx="0">
+        <a:scrgbClr r="0" g="0" b="0"/>
+      </a:lnRef>
+      <a:fillRef idx="1">
+        <a:scrgbClr r="0" g="0" b="0"/>
+      </a:fillRef>
+      <a:effectRef idx="3">
+        <a:scrgbClr r="0" g="0" b="0"/>
+      </a:effectRef>
+      <a:fontRef idx="minor"/>
+    </dgm:style>
+  </dgm:styleLbl>
+  <dgm:styleLbl name="alignImgPlace1">
+    <dgm:scene3d>
+      <a:camera prst="orthographicFront"/>
+      <a:lightRig rig="threePt" dir="t"/>
+    </dgm:scene3d>
+    <dgm:sp3d/>
+    <dgm:txPr/>
+    <dgm:style>
+      <a:lnRef idx="0">
+        <a:scrgbClr r="0" g="0" b="0"/>
+      </a:lnRef>
+      <a:fillRef idx="1">
+        <a:scrgbClr r="0" g="0" b="0"/>
+      </a:fillRef>
+      <a:effectRef idx="3">
+        <a:scrgbClr r="0" g="0" b="0"/>
+      </a:effectRef>
+      <a:fontRef idx="minor"/>
+    </dgm:style>
+  </dgm:styleLbl>
+  <dgm:styleLbl name="bgImgPlace1">
+    <dgm:scene3d>
+      <a:camera prst="orthographicFront"/>
+      <a:lightRig rig="threePt" dir="t"/>
+    </dgm:scene3d>
+    <dgm:sp3d/>
+    <dgm:txPr/>
+    <dgm:style>
+      <a:lnRef idx="0">
+        <a:scrgbClr r="0" g="0" b="0"/>
+      </a:lnRef>
+      <a:fillRef idx="1">
+        <a:scrgbClr r="0" g="0" b="0"/>
+      </a:fillRef>
+      <a:effectRef idx="3">
+        <a:scrgbClr r="0" g="0" b="0"/>
+      </a:effectRef>
+      <a:fontRef idx="minor"/>
+    </dgm:style>
+  </dgm:styleLbl>
+  <dgm:styleLbl name="sibTrans2D1">
+    <dgm:scene3d>
+      <a:camera prst="orthographicFront"/>
+      <a:lightRig rig="threePt" dir="t"/>
+    </dgm:scene3d>
+    <dgm:sp3d/>
+    <dgm:txPr/>
+    <dgm:style>
+      <a:lnRef idx="0">
+        <a:scrgbClr r="0" g="0" b="0"/>
+      </a:lnRef>
+      <a:fillRef idx="3">
+        <a:scrgbClr r="0" g="0" b="0"/>
+      </a:fillRef>
+      <a:effectRef idx="3">
+        <a:scrgbClr r="0" g="0" b="0"/>
+      </a:effectRef>
+      <a:fontRef idx="minor">
+        <a:schemeClr val="lt1"/>
+      </a:fontRef>
+    </dgm:style>
+  </dgm:styleLbl>
+  <dgm:styleLbl name="fgSibTrans2D1">
+    <dgm:scene3d>
+      <a:camera prst="orthographicFront"/>
+      <a:lightRig rig="threePt" dir="t"/>
+    </dgm:scene3d>
+    <dgm:sp3d/>
+    <dgm:txPr/>
+    <dgm:style>
+      <a:lnRef idx="0">
+        <a:scrgbClr r="0" g="0" b="0"/>
+      </a:lnRef>
+      <a:fillRef idx="3">
+        <a:scrgbClr r="0" g="0" b="0"/>
+      </a:fillRef>
+      <a:effectRef idx="3">
+        <a:scrgbClr r="0" g="0" b="0"/>
+      </a:effectRef>
+      <a:fontRef idx="minor">
+        <a:schemeClr val="lt1"/>
+      </a:fontRef>
+    </dgm:style>
+  </dgm:styleLbl>
+  <dgm:styleLbl name="bgSibTrans2D1">
+    <dgm:scene3d>
+      <a:camera prst="orthographicFront"/>
+      <a:lightRig rig="threePt" dir="t"/>
+    </dgm:scene3d>
+    <dgm:sp3d/>
+    <dgm:txPr/>
+    <dgm:style>
+      <a:lnRef idx="0">
+        <a:scrgbClr r="0" g="0" b="0"/>
+      </a:lnRef>
+      <a:fillRef idx="3">
+        <a:scrgbClr r="0" g="0" b="0"/>
+      </a:fillRef>
+      <a:effectRef idx="3">
+        <a:scrgbClr r="0" g="0" b="0"/>
+      </a:effectRef>
+      <a:fontRef idx="minor">
+        <a:schemeClr val="lt1"/>
+      </a:fontRef>
+    </dgm:style>
+  </dgm:styleLbl>
+  <dgm:styleLbl name="sibTrans1D1">
+    <dgm:scene3d>
+      <a:camera prst="orthographicFront"/>
+      <a:lightRig rig="threePt" dir="t"/>
+    </dgm:scene3d>
+    <dgm:sp3d/>
+    <dgm:txPr/>
+    <dgm:style>
+      <a:lnRef idx="1">
+        <a:scrgbClr r="0" g="0" b="0"/>
+      </a:lnRef>
+      <a:fillRef idx="0">
+        <a:scrgbClr r="0" g="0" b="0"/>
+      </a:fillRef>
+      <a:effectRef idx="0">
+        <a:scrgbClr r="0" g="0" b="0"/>
+      </a:effectRef>
+      <a:fontRef idx="minor"/>
+    </dgm:style>
+  </dgm:styleLbl>
+  <dgm:styleLbl name="callout">
+    <dgm:scene3d>
+      <a:camera prst="orthographicFront"/>
+      <a:lightRig rig="threePt" dir="t"/>
+    </dgm:scene3d>
+    <dgm:sp3d/>
+    <dgm:txPr/>
+    <dgm:style>
+      <a:lnRef idx="1">
+        <a:scrgbClr r="0" g="0" b="0"/>
+      </a:lnRef>
+      <a:fillRef idx="0">
+        <a:scrgbClr r="0" g="0" b="0"/>
+      </a:fillRef>
+      <a:effectRef idx="1">
+        <a:scrgbClr r="0" g="0" b="0"/>
+      </a:effectRef>
+      <a:fontRef idx="minor"/>
+    </dgm:style>
+  </dgm:styleLbl>
+  <dgm:styleLbl name="asst0">
+    <dgm:scene3d>
+      <a:camera prst="orthographicFront"/>
+      <a:lightRig rig="threePt" dir="t"/>
+    </dgm:scene3d>
+    <dgm:sp3d/>
+    <dgm:txPr/>
+    <dgm:style>
+      <a:lnRef idx="0">
+        <a:scrgbClr r="0" g="0" b="0"/>
+      </a:lnRef>
+      <a:fillRef idx="3">
+        <a:scrgbClr r="0" g="0" b="0"/>
+      </a:fillRef>
+      <a:effectRef idx="3">
+        <a:scrgbClr r="0" g="0" b="0"/>
+      </a:effectRef>
+      <a:fontRef idx="minor">
+        <a:schemeClr val="lt1"/>
+      </a:fontRef>
+    </dgm:style>
+  </dgm:styleLbl>
+  <dgm:styleLbl name="asst1">
+    <dgm:scene3d>
+      <a:camera prst="orthographicFront"/>
+      <a:lightRig rig="threePt" dir="t"/>
+    </dgm:scene3d>
+    <dgm:sp3d/>
+    <dgm:txPr/>
+    <dgm:style>
+      <a:lnRef idx="0">
+        <a:scrgbClr r="0" g="0" b="0"/>
+      </a:lnRef>
+      <a:fillRef idx="3">
+        <a:scrgbClr r="0" g="0" b="0"/>
+      </a:fillRef>
+      <a:effectRef idx="3">
+        <a:scrgbClr r="0" g="0" b="0"/>
+      </a:effectRef>
+      <a:fontRef idx="minor">
+        <a:schemeClr val="lt1"/>
+      </a:fontRef>
+    </dgm:style>
+  </dgm:styleLbl>
+  <dgm:styleLbl name="asst2">
+    <dgm:scene3d>
+      <a:camera prst="orthographicFront"/>
+      <a:lightRig rig="threePt" dir="t"/>
+    </dgm:scene3d>
+    <dgm:sp3d/>
+    <dgm:txPr/>
+    <dgm:style>
+      <a:lnRef idx="0">
+        <a:scrgbClr r="0" g="0" b="0"/>
+      </a:lnRef>
+      <a:fillRef idx="3">
+        <a:scrgbClr r="0" g="0" b="0"/>
+      </a:fillRef>
+      <a:effectRef idx="3">
+        <a:scrgbClr r="0" g="0" b="0"/>
+      </a:effectRef>
+      <a:fontRef idx="minor">
+        <a:schemeClr val="lt1"/>
+      </a:fontRef>
+    </dgm:style>
+  </dgm:styleLbl>
+  <dgm:styleLbl name="asst3">
+    <dgm:scene3d>
+      <a:camera prst="orthographicFront"/>
+      <a:lightRig rig="threePt" dir="t"/>
+    </dgm:scene3d>
+    <dgm:sp3d/>
+    <dgm:txPr/>
+    <dgm:style>
+      <a:lnRef idx="0">
+        <a:scrgbClr r="0" g="0" b="0"/>
+      </a:lnRef>
+      <a:fillRef idx="3">
+        <a:scrgbClr r="0" g="0" b="0"/>
+      </a:fillRef>
+      <a:effectRef idx="3">
+        <a:scrgbClr r="0" g="0" b="0"/>
+      </a:effectRef>
+      <a:fontRef idx="minor">
+        <a:schemeClr val="lt1"/>
+      </a:fontRef>
+    </dgm:style>
+  </dgm:styleLbl>
+  <dgm:styleLbl name="asst4">
+    <dgm:scene3d>
+      <a:camera prst="orthographicFront"/>
+      <a:lightRig rig="threePt" dir="t"/>
+    </dgm:scene3d>
+    <dgm:sp3d/>
+    <dgm:txPr/>
+    <dgm:style>
+      <a:lnRef idx="0">
+        <a:scrgbClr r="0" g="0" b="0"/>
+      </a:lnRef>
+      <a:fillRef idx="3">
+        <a:scrgbClr r="0" g="0" b="0"/>
+      </a:fillRef>
+      <a:effectRef idx="3">
+        <a:scrgbClr r="0" g="0" b="0"/>
+      </a:effectRef>
+      <a:fontRef idx="minor">
+        <a:schemeClr val="lt1"/>
+      </a:fontRef>
+    </dgm:style>
+  </dgm:styleLbl>
+  <dgm:styleLbl name="parChTrans2D1">
+    <dgm:scene3d>
+      <a:camera prst="orthographicFront"/>
+      <a:lightRig rig="threePt" dir="t"/>
+    </dgm:scene3d>
+    <dgm:sp3d/>
+    <dgm:txPr/>
+    <dgm:style>
+      <a:lnRef idx="0">
+        <a:scrgbClr r="0" g="0" b="0"/>
+      </a:lnRef>
+      <a:fillRef idx="3">
+        <a:scrgbClr r="0" g="0" b="0"/>
+      </a:fillRef>
+      <a:effectRef idx="3">
+        <a:scrgbClr r="0" g="0" b="0"/>
+      </a:effectRef>
+      <a:fontRef idx="minor">
+        <a:schemeClr val="lt1"/>
+      </a:fontRef>
+    </dgm:style>
+  </dgm:styleLbl>
+  <dgm:styleLbl name="parChTrans2D2">
+    <dgm:scene3d>
+      <a:camera prst="orthographicFront"/>
+      <a:lightRig rig="threePt" dir="t"/>
+    </dgm:scene3d>
+    <dgm:sp3d/>
+    <dgm:txPr/>
+    <dgm:style>
+      <a:lnRef idx="0">
+        <a:scrgbClr r="0" g="0" b="0"/>
+      </a:lnRef>
+      <a:fillRef idx="3">
+        <a:scrgbClr r="0" g="0" b="0"/>
+      </a:fillRef>
+      <a:effectRef idx="3">
+        <a:scrgbClr r="0" g="0" b="0"/>
+      </a:effectRef>
+      <a:fontRef idx="minor">
+        <a:schemeClr val="lt1"/>
+      </a:fontRef>
+    </dgm:style>
+  </dgm:styleLbl>
+  <dgm:styleLbl name="parChTrans2D3">
+    <dgm:scene3d>
+      <a:camera prst="orthographicFront"/>
+      <a:lightRig rig="threePt" dir="t"/>
+    </dgm:scene3d>
+    <dgm:sp3d/>
+    <dgm:txPr/>
+    <dgm:style>
+      <a:lnRef idx="0">
+        <a:scrgbClr r="0" g="0" b="0"/>
+      </a:lnRef>
+      <a:fillRef idx="3">
+        <a:scrgbClr r="0" g="0" b="0"/>
+      </a:fillRef>
+      <a:effectRef idx="3">
+        <a:scrgbClr r="0" g="0" b="0"/>
+      </a:effectRef>
+      <a:fontRef idx="minor">
+        <a:schemeClr val="lt1"/>
+      </a:fontRef>
+    </dgm:style>
+  </dgm:styleLbl>
+  <dgm:styleLbl name="parChTrans2D4">
+    <dgm:scene3d>
+      <a:camera prst="orthographicFront"/>
+      <a:lightRig rig="threePt" dir="t"/>
+    </dgm:scene3d>
+    <dgm:sp3d/>
+    <dgm:txPr/>
+    <dgm:style>
+      <a:lnRef idx="0">
+        <a:scrgbClr r="0" g="0" b="0"/>
+      </a:lnRef>
+      <a:fillRef idx="3">
+        <a:scrgbClr r="0" g="0" b="0"/>
+      </a:fillRef>
+      <a:effectRef idx="3">
+        <a:scrgbClr r="0" g="0" b="0"/>
+      </a:effectRef>
+      <a:fontRef idx="minor">
+        <a:schemeClr val="lt1"/>
+      </a:fontRef>
+    </dgm:style>
+  </dgm:styleLbl>
+  <dgm:styleLbl name="parChTrans1D1">
+    <dgm:scene3d>
+      <a:camera prst="orthographicFront"/>
+      <a:lightRig rig="threePt" dir="t"/>
+    </dgm:scene3d>
+    <dgm:sp3d/>
+    <dgm:txPr/>
+    <dgm:style>
+      <a:lnRef idx="2">
+        <a:scrgbClr r="0" g="0" b="0"/>
+      </a:lnRef>
+      <a:fillRef idx="0">
+        <a:scrgbClr r="0" g="0" b="0"/>
+      </a:fillRef>
+      <a:effectRef idx="0">
+        <a:scrgbClr r="0" g="0" b="0"/>
+      </a:effectRef>
+      <a:fontRef idx="minor"/>
+    </dgm:style>
+  </dgm:styleLbl>
+  <dgm:styleLbl name="parChTrans1D2">
+    <dgm:scene3d>
+      <a:camera prst="orthographicFront"/>
+      <a:lightRig rig="threePt" dir="t"/>
+    </dgm:scene3d>
+    <dgm:sp3d/>
+    <dgm:txPr/>
+    <dgm:style>
+      <a:lnRef idx="2">
+        <a:scrgbClr r="0" g="0" b="0"/>
+      </a:lnRef>
+      <a:fillRef idx="0">
+        <a:scrgbClr r="0" g="0" b="0"/>
+      </a:fillRef>
+      <a:effectRef idx="0">
+        <a:scrgbClr r="0" g="0" b="0"/>
+      </a:effectRef>
+      <a:fontRef idx="minor"/>
+    </dgm:style>
+  </dgm:styleLbl>
+  <dgm:styleLbl name="parChTrans1D3">
+    <dgm:scene3d>
+      <a:camera prst="orthographicFront"/>
+      <a:lightRig rig="threePt" dir="t"/>
+    </dgm:scene3d>
+    <dgm:sp3d/>
+    <dgm:txPr/>
+    <dgm:style>
+      <a:lnRef idx="2">
+        <a:scrgbClr r="0" g="0" b="0"/>
+      </a:lnRef>
+      <a:fillRef idx="0">
+        <a:scrgbClr r="0" g="0" b="0"/>
+      </a:fillRef>
+      <a:effectRef idx="0">
+        <a:scrgbClr r="0" g="0" b="0"/>
+      </a:effectRef>
+      <a:fontRef idx="minor"/>
+    </dgm:style>
+  </dgm:styleLbl>
+  <dgm:styleLbl name="parChTrans1D4">
+    <dgm:scene3d>
+      <a:camera prst="orthographicFront"/>
+      <a:lightRig rig="threePt" dir="t"/>
+    </dgm:scene3d>
+    <dgm:sp3d/>
+    <dgm:txPr/>
+    <dgm:style>
+      <a:lnRef idx="2">
+        <a:scrgbClr r="0" g="0" b="0"/>
+      </a:lnRef>
+      <a:fillRef idx="0">
+        <a:scrgbClr r="0" g="0" b="0"/>
+      </a:fillRef>
+      <a:effectRef idx="0">
+        <a:scrgbClr r="0" g="0" b="0"/>
+      </a:effectRef>
+      <a:fontRef idx="minor"/>
+    </dgm:style>
+  </dgm:styleLbl>
+  <dgm:styleLbl name="fgAcc1">
+    <dgm:scene3d>
+      <a:camera prst="orthographicFront"/>
+      <a:lightRig rig="threePt" dir="t"/>
+    </dgm:scene3d>
+    <dgm:sp3d/>
+    <dgm:txPr/>
+    <dgm:style>
+      <a:lnRef idx="1">
+        <a:scrgbClr r="0" g="0" b="0"/>
+      </a:lnRef>
+      <a:fillRef idx="1">
+        <a:scrgbClr r="0" g="0" b="0"/>
+      </a:fillRef>
+      <a:effectRef idx="2">
+        <a:scrgbClr r="0" g="0" b="0"/>
+      </a:effectRef>
+      <a:fontRef idx="minor"/>
+    </dgm:style>
+  </dgm:styleLbl>
+  <dgm:styleLbl name="conFgAcc1">
+    <dgm:scene3d>
+      <a:camera prst="orthographicFront"/>
+      <a:lightRig rig="threePt" dir="t"/>
+    </dgm:scene3d>
+    <dgm:sp3d/>
+    <dgm:txPr/>
+    <dgm:style>
+      <a:lnRef idx="1">
+        <a:scrgbClr r="0" g="0" b="0"/>
+      </a:lnRef>
+      <a:fillRef idx="1">
+        <a:scrgbClr r="0" g="0" b="0"/>
+      </a:fillRef>
+      <a:effectRef idx="2">
+        <a:scrgbClr r="0" g="0" b="0"/>
+      </a:effectRef>
+      <a:fontRef idx="minor"/>
+    </dgm:style>
+  </dgm:styleLbl>
+  <dgm:styleLbl name="alignAcc1">
+    <dgm:scene3d>
+      <a:camera prst="orthographicFront"/>
+      <a:lightRig rig="threePt" dir="t"/>
+    </dgm:scene3d>
+    <dgm:sp3d/>
+    <dgm:txPr/>
+    <dgm:style>
+      <a:lnRef idx="1">
+        <a:scrgbClr r="0" g="0" b="0"/>
+      </a:lnRef>
+      <a:fillRef idx="1">
+        <a:scrgbClr r="0" g="0" b="0"/>
+      </a:fillRef>
+      <a:effectRef idx="2">
+        <a:scrgbClr r="0" g="0" b="0"/>
+      </a:effectRef>
+      <a:fontRef idx="minor"/>
+    </dgm:style>
+  </dgm:styleLbl>
+  <dgm:styleLbl name="trAlignAcc1">
+    <dgm:scene3d>
+      <a:camera prst="orthographicFront"/>
+      <a:lightRig rig="threePt" dir="t"/>
+    </dgm:scene3d>
+    <dgm:sp3d/>
+    <dgm:txPr/>
+    <dgm:style>
+      <a:lnRef idx="1">
+        <a:scrgbClr r="0" g="0" b="0"/>
+      </a:lnRef>
+      <a:fillRef idx="1">
+        <a:scrgbClr r="0" g="0" b="0"/>
+      </a:fillRef>
+      <a:effectRef idx="0">
+        <a:scrgbClr r="0" g="0" b="0"/>
+      </a:effectRef>
+      <a:fontRef idx="minor"/>
+    </dgm:style>
+  </dgm:styleLbl>
+  <dgm:styleLbl name="bgAcc1">
+    <dgm:scene3d>
+      <a:camera prst="orthographicFront"/>
+      <a:lightRig rig="threePt" dir="t"/>
+    </dgm:scene3d>
+    <dgm:sp3d/>
+    <dgm:txPr/>
+    <dgm:style>
+      <a:lnRef idx="1">
+        <a:scrgbClr r="0" g="0" b="0"/>
+      </a:lnRef>
+      <a:fillRef idx="1">
+        <a:scrgbClr r="0" g="0" b="0"/>
+      </a:fillRef>
+      <a:effectRef idx="2">
+        <a:scrgbClr r="0" g="0" b="0"/>
+      </a:effectRef>
+      <a:fontRef idx="minor"/>
+    </dgm:style>
+  </dgm:styleLbl>
+  <dgm:styleLbl name="solidFgAcc1">
+    <dgm:scene3d>
+      <a:camera prst="orthographicFront"/>
+      <a:lightRig rig="threePt" dir="t"/>
+    </dgm:scene3d>
+    <dgm:sp3d/>
+    <dgm:txPr/>
+    <dgm:style>
+      <a:lnRef idx="1">
+        <a:scrgbClr r="0" g="0" b="0"/>
+      </a:lnRef>
+      <a:fillRef idx="1">
+        <a:scrgbClr r="0" g="0" b="0"/>
+      </a:fillRef>
+      <a:effectRef idx="2">
+        <a:scrgbClr r="0" g="0" b="0"/>
+      </a:effectRef>
+      <a:fontRef idx="minor"/>
+    </dgm:style>
+  </dgm:styleLbl>
+  <dgm:styleLbl name="solidAlignAcc1">
+    <dgm:scene3d>
+      <a:camera prst="orthographicFront"/>
+      <a:lightRig rig="threePt" dir="t"/>
+    </dgm:scene3d>
+    <dgm:sp3d/>
+    <dgm:txPr/>
+    <dgm:style>
+      <a:lnRef idx="1">
+        <a:scrgbClr r="0" g="0" b="0"/>
+      </a:lnRef>
+      <a:fillRef idx="1">
+        <a:scrgbClr r="0" g="0" b="0"/>
+      </a:fillRef>
+      <a:effectRef idx="3">
+        <a:scrgbClr r="0" g="0" b="0"/>
+      </a:effectRef>
+      <a:fontRef idx="minor"/>
+    </dgm:style>
+  </dgm:styleLbl>
+  <dgm:styleLbl name="solidBgAcc1">
+    <dgm:scene3d>
+      <a:camera prst="orthographicFront"/>
+      <a:lightRig rig="threePt" dir="t"/>
+    </dgm:scene3d>
+    <dgm:sp3d/>
+    <dgm:txPr/>
+    <dgm:style>
+      <a:lnRef idx="1">
+        <a:scrgbClr r="0" g="0" b="0"/>
+      </a:lnRef>
+      <a:fillRef idx="1">
+        <a:scrgbClr r="0" g="0" b="0"/>
+      </a:fillRef>
+      <a:effectRef idx="3">
+        <a:scrgbClr r="0" g="0" b="0"/>
+      </a:effectRef>
+      <a:fontRef idx="minor"/>
+    </dgm:style>
+  </dgm:styleLbl>
+  <dgm:styleLbl name="fgAccFollowNode1">
+    <dgm:scene3d>
+      <a:camera prst="orthographicFront"/>
+      <a:lightRig rig="threePt" dir="t"/>
+    </dgm:scene3d>
+    <dgm:sp3d/>
+    <dgm:txPr/>
+    <dgm:style>
+      <a:lnRef idx="1">
+        <a:scrgbClr r="0" g="0" b="0"/>
+      </a:lnRef>
+      <a:fillRef idx="1">
+        <a:scrgbClr r="0" g="0" b="0"/>
+      </a:fillRef>
+      <a:effectRef idx="2">
+        <a:scrgbClr r="0" g="0" b="0"/>
+      </a:effectRef>
+      <a:fontRef idx="minor"/>
+    </dgm:style>
+  </dgm:styleLbl>
+  <dgm:styleLbl name="alignAccFollowNode1">
+    <dgm:scene3d>
+      <a:camera prst="orthographicFront"/>
+      <a:lightRig rig="threePt" dir="t"/>
+    </dgm:scene3d>
+    <dgm:sp3d/>
+    <dgm:txPr/>
+    <dgm:style>
+      <a:lnRef idx="1">
+        <a:scrgbClr r="0" g="0" b="0"/>
+      </a:lnRef>
+      <a:fillRef idx="1">
+        <a:scrgbClr r="0" g="0" b="0"/>
+      </a:fillRef>
+      <a:effectRef idx="2">
+        <a:scrgbClr r="0" g="0" b="0"/>
+      </a:effectRef>
+      <a:fontRef idx="minor"/>
+    </dgm:style>
+  </dgm:styleLbl>
+  <dgm:styleLbl name="bgAccFollowNode1">
+    <dgm:scene3d>
+      <a:camera prst="orthographicFront"/>
+      <a:lightRig rig="threePt" dir="t"/>
+    </dgm:scene3d>
+    <dgm:sp3d/>
+    <dgm:txPr/>
+    <dgm:style>
+      <a:lnRef idx="1">
+        <a:scrgbClr r="0" g="0" b="0"/>
+      </a:lnRef>
+      <a:fillRef idx="1">
+        <a:scrgbClr r="0" g="0" b="0"/>
+      </a:fillRef>
+      <a:effectRef idx="2">
+        <a:scrgbClr r="0" g="0" b="0"/>
+      </a:effectRef>
+      <a:fontRef idx="minor"/>
+    </dgm:style>
+  </dgm:styleLbl>
+  <dgm:styleLbl name="fgAcc0">
+    <dgm:scene3d>
+      <a:camera prst="orthographicFront"/>
+      <a:lightRig rig="threePt" dir="t"/>
+    </dgm:scene3d>
+    <dgm:sp3d/>
+    <dgm:txPr/>
+    <dgm:style>
+      <a:lnRef idx="1">
+        <a:scrgbClr r="0" g="0" b="0"/>
+      </a:lnRef>
+      <a:fillRef idx="1">
+        <a:scrgbClr r="0" g="0" b="0"/>
+      </a:fillRef>
+      <a:effectRef idx="2">
+        <a:scrgbClr r="0" g="0" b="0"/>
+      </a:effectRef>
+      <a:fontRef idx="minor"/>
+    </dgm:style>
+  </dgm:styleLbl>
+  <dgm:styleLbl name="fgAcc2">
+    <dgm:scene3d>
+      <a:camera prst="orthographicFront"/>
+      <a:lightRig rig="threePt" dir="t"/>
+    </dgm:scene3d>
+    <dgm:sp3d/>
+    <dgm:txPr/>
+    <dgm:style>
+      <a:lnRef idx="1">
+        <a:scrgbClr r="0" g="0" b="0"/>
+      </a:lnRef>
+      <a:fillRef idx="1">
+        <a:scrgbClr r="0" g="0" b="0"/>
+      </a:fillRef>
+      <a:effectRef idx="2">
+        <a:scrgbClr r="0" g="0" b="0"/>
+      </a:effectRef>
+      <a:fontRef idx="minor"/>
+    </dgm:style>
+  </dgm:styleLbl>
+  <dgm:styleLbl name="fgAcc3">
+    <dgm:scene3d>
+      <a:camera prst="orthographicFront"/>
+      <a:lightRig rig="threePt" dir="t"/>
+    </dgm:scene3d>
+    <dgm:sp3d/>
+    <dgm:txPr/>
+    <dgm:style>
+      <a:lnRef idx="1">
+        <a:scrgbClr r="0" g="0" b="0"/>
+      </a:lnRef>
+      <a:fillRef idx="1">
+        <a:scrgbClr r="0" g="0" b="0"/>
+      </a:fillRef>
+      <a:effectRef idx="2">
+        <a:scrgbClr r="0" g="0" b="0"/>
+      </a:effectRef>
+      <a:fontRef idx="minor"/>
+    </dgm:style>
+  </dgm:styleLbl>
+  <dgm:styleLbl name="fgAcc4">
+    <dgm:scene3d>
+      <a:camera prst="orthographicFront"/>
+      <a:lightRig rig="threePt" dir="t"/>
+    </dgm:scene3d>
+    <dgm:sp3d/>
+    <dgm:txPr/>
+    <dgm:style>
+      <a:lnRef idx="1">
+        <a:scrgbClr r="0" g="0" b="0"/>
+      </a:lnRef>
+      <a:fillRef idx="1">
+        <a:scrgbClr r="0" g="0" b="0"/>
+      </a:fillRef>
+      <a:effectRef idx="2">
+        <a:scrgbClr r="0" g="0" b="0"/>
+      </a:effectRef>
+      <a:fontRef idx="minor"/>
+    </dgm:style>
+  </dgm:styleLbl>
+  <dgm:styleLbl name="bgShp">
+    <dgm:scene3d>
+      <a:camera prst="orthographicFront"/>
+      <a:lightRig rig="threePt" dir="t"/>
+    </dgm:scene3d>
+    <dgm:sp3d/>
+    <dgm:txPr/>
+    <dgm:style>
+      <a:lnRef idx="0">
+        <a:scrgbClr r="0" g="0" b="0"/>
+      </a:lnRef>
+      <a:fillRef idx="1">
+        <a:scrgbClr r="0" g="0" b="0"/>
+      </a:fillRef>
+      <a:effectRef idx="2">
+        <a:scrgbClr r="0" g="0" b="0"/>
+      </a:effectRef>
+      <a:fontRef idx="minor"/>
+    </dgm:style>
+  </dgm:styleLbl>
+  <dgm:styleLbl name="dkBgShp">
+    <dgm:scene3d>
+      <a:camera prst="orthographicFront"/>
+      <a:lightRig rig="threePt" dir="t"/>
+    </dgm:scene3d>
+    <dgm:sp3d/>
+    <dgm:txPr/>
+    <dgm:style>
+      <a:lnRef idx="0">
+        <a:scrgbClr r="0" g="0" b="0"/>
+      </a:lnRef>
+      <a:fillRef idx="1">
+        <a:scrgbClr r="0" g="0" b="0"/>
+      </a:fillRef>
+      <a:effectRef idx="3">
+        <a:scrgbClr r="0" g="0" b="0"/>
+      </a:effectRef>
+      <a:fontRef idx="minor"/>
+    </dgm:style>
+  </dgm:styleLbl>
+  <dgm:styleLbl name="trBgShp">
+    <dgm:scene3d>
+      <a:camera prst="orthographicFront"/>
+      <a:lightRig rig="threePt" dir="t"/>
+    </dgm:scene3d>
+    <dgm:sp3d/>
+    <dgm:txPr/>
+    <dgm:style>
+      <a:lnRef idx="0">
+        <a:scrgbClr r="0" g="0" b="0"/>
+      </a:lnRef>
+      <a:fillRef idx="1">
+        <a:scrgbClr r="0" g="0" b="0"/>
+      </a:fillRef>
+      <a:effectRef idx="0">
+        <a:scrgbClr r="0" g="0" b="0"/>
+      </a:effectRef>
+      <a:fontRef idx="minor"/>
+    </dgm:style>
+  </dgm:styleLbl>
+  <dgm:styleLbl name="fgShp">
+    <dgm:scene3d>
+      <a:camera prst="orthographicFront"/>
+      <a:lightRig rig="threePt" dir="t"/>
+    </dgm:scene3d>
+    <dgm:sp3d/>
+    <dgm:txPr/>
+    <dgm:style>
+      <a:lnRef idx="0">
+        <a:scrgbClr r="0" g="0" b="0"/>
+      </a:lnRef>
+      <a:fillRef idx="3">
+        <a:scrgbClr r="0" g="0" b="0"/>
+      </a:fillRef>
+      <a:effectRef idx="3">
+        <a:scrgbClr r="0" g="0" b="0"/>
+      </a:effectRef>
+      <a:fontRef idx="minor"/>
+    </dgm:style>
+  </dgm:styleLbl>
+  <dgm:styleLbl name="revTx">
+    <dgm:scene3d>
+      <a:camera prst="orthographicFront"/>
+      <a:lightRig rig="threePt" dir="t"/>
+    </dgm:scene3d>
+    <dgm:sp3d/>
+    <dgm:txPr/>
+    <dgm:style>
+      <a:lnRef idx="0">
+        <a:scrgbClr r="0" g="0" b="0"/>
+      </a:lnRef>
+      <a:fillRef idx="0">
+        <a:scrgbClr r="0" g="0" b="0"/>
+      </a:fillRef>
+      <a:effectRef idx="0">
+        <a:scrgbClr r="0" g="0" b="0"/>
+      </a:effectRef>
+      <a:fontRef idx="minor"/>
+    </dgm:style>
+  </dgm:styleLbl>
+</dgm:styleDef>
+</file>
+
+<file path=ppt/diagrams/quickStyle3.xml><?xml version="1.0" encoding="utf-8"?>
 <dgm:styleDef xmlns:dgm="http://schemas.openxmlformats.org/drawingml/2006/diagram" xmlns:a="http://schemas.openxmlformats.org/drawingml/2006/main" uniqueId="urn:microsoft.com/office/officeart/2005/8/quickstyle/simple4">
   <dgm:title val=""/>
   <dgm:desc val=""/>
@@ -9512,1066 +10663,6 @@
         <a:scrgbClr r="0" g="0" b="0"/>
       </a:fillRef>
       <a:effectRef idx="2">
-        <a:scrgbClr r="0" g="0" b="0"/>
-      </a:effectRef>
-      <a:fontRef idx="minor"/>
-    </dgm:style>
-  </dgm:styleLbl>
-  <dgm:styleLbl name="revTx">
-    <dgm:scene3d>
-      <a:camera prst="orthographicFront"/>
-      <a:lightRig rig="threePt" dir="t"/>
-    </dgm:scene3d>
-    <dgm:sp3d/>
-    <dgm:txPr/>
-    <dgm:style>
-      <a:lnRef idx="0">
-        <a:scrgbClr r="0" g="0" b="0"/>
-      </a:lnRef>
-      <a:fillRef idx="0">
-        <a:scrgbClr r="0" g="0" b="0"/>
-      </a:fillRef>
-      <a:effectRef idx="0">
-        <a:scrgbClr r="0" g="0" b="0"/>
-      </a:effectRef>
-      <a:fontRef idx="minor"/>
-    </dgm:style>
-  </dgm:styleLbl>
-</dgm:styleDef>
-</file>
-
-<file path=ppt/diagrams/quickStyle3.xml><?xml version="1.0" encoding="utf-8"?>
-<dgm:styleDef xmlns:dgm="http://schemas.openxmlformats.org/drawingml/2006/diagram" xmlns:a="http://schemas.openxmlformats.org/drawingml/2006/main" uniqueId="urn:microsoft.com/office/officeart/2005/8/quickstyle/simple3">
-  <dgm:title val=""/>
-  <dgm:desc val=""/>
-  <dgm:catLst>
-    <dgm:cat type="simple" pri="10300"/>
-  </dgm:catLst>
-  <dgm:scene3d>
-    <a:camera prst="orthographicFront"/>
-    <a:lightRig rig="threePt" dir="t"/>
-  </dgm:scene3d>
-  <dgm:styleLbl name="node0">
-    <dgm:scene3d>
-      <a:camera prst="orthographicFront"/>
-      <a:lightRig rig="flat" dir="t"/>
-    </dgm:scene3d>
-    <dgm:sp3d prstMaterial="dkEdge">
-      <a:bevelT w="8200" h="38100"/>
-    </dgm:sp3d>
-    <dgm:txPr/>
-    <dgm:style>
-      <a:lnRef idx="0">
-        <a:scrgbClr r="0" g="0" b="0"/>
-      </a:lnRef>
-      <a:fillRef idx="2">
-        <a:scrgbClr r="0" g="0" b="0"/>
-      </a:fillRef>
-      <a:effectRef idx="1">
-        <a:scrgbClr r="0" g="0" b="0"/>
-      </a:effectRef>
-      <a:fontRef idx="minor">
-        <a:schemeClr val="dk1"/>
-      </a:fontRef>
-    </dgm:style>
-  </dgm:styleLbl>
-  <dgm:styleLbl name="lnNode1">
-    <dgm:scene3d>
-      <a:camera prst="orthographicFront"/>
-      <a:lightRig rig="flat" dir="t"/>
-    </dgm:scene3d>
-    <dgm:sp3d prstMaterial="dkEdge">
-      <a:bevelT w="8200" h="38100"/>
-    </dgm:sp3d>
-    <dgm:txPr/>
-    <dgm:style>
-      <a:lnRef idx="1">
-        <a:scrgbClr r="0" g="0" b="0"/>
-      </a:lnRef>
-      <a:fillRef idx="2">
-        <a:scrgbClr r="0" g="0" b="0"/>
-      </a:fillRef>
-      <a:effectRef idx="0">
-        <a:scrgbClr r="0" g="0" b="0"/>
-      </a:effectRef>
-      <a:fontRef idx="minor">
-        <a:schemeClr val="dk1"/>
-      </a:fontRef>
-    </dgm:style>
-  </dgm:styleLbl>
-  <dgm:styleLbl name="vennNode1">
-    <dgm:scene3d>
-      <a:camera prst="orthographicFront"/>
-      <a:lightRig rig="flat" dir="t"/>
-    </dgm:scene3d>
-    <dgm:sp3d prstMaterial="dkEdge">
-      <a:bevelT w="8200" h="38100"/>
-    </dgm:sp3d>
-    <dgm:txPr/>
-    <dgm:style>
-      <a:lnRef idx="0">
-        <a:scrgbClr r="0" g="0" b="0"/>
-      </a:lnRef>
-      <a:fillRef idx="2">
-        <a:scrgbClr r="0" g="0" b="0"/>
-      </a:fillRef>
-      <a:effectRef idx="0">
-        <a:scrgbClr r="0" g="0" b="0"/>
-      </a:effectRef>
-      <a:fontRef idx="minor">
-        <a:schemeClr val="tx1"/>
-      </a:fontRef>
-    </dgm:style>
-  </dgm:styleLbl>
-  <dgm:styleLbl name="alignNode1">
-    <dgm:scene3d>
-      <a:camera prst="orthographicFront"/>
-      <a:lightRig rig="threePt" dir="t"/>
-    </dgm:scene3d>
-    <dgm:sp3d/>
-    <dgm:txPr/>
-    <dgm:style>
-      <a:lnRef idx="1">
-        <a:scrgbClr r="0" g="0" b="0"/>
-      </a:lnRef>
-      <a:fillRef idx="2">
-        <a:scrgbClr r="0" g="0" b="0"/>
-      </a:fillRef>
-      <a:effectRef idx="1">
-        <a:scrgbClr r="0" g="0" b="0"/>
-      </a:effectRef>
-      <a:fontRef idx="minor">
-        <a:schemeClr val="dk1"/>
-      </a:fontRef>
-    </dgm:style>
-  </dgm:styleLbl>
-  <dgm:styleLbl name="node1">
-    <dgm:scene3d>
-      <a:camera prst="orthographicFront"/>
-      <a:lightRig rig="flat" dir="t"/>
-    </dgm:scene3d>
-    <dgm:sp3d prstMaterial="dkEdge">
-      <a:bevelT w="8200" h="38100"/>
-    </dgm:sp3d>
-    <dgm:txPr/>
-    <dgm:style>
-      <a:lnRef idx="0">
-        <a:scrgbClr r="0" g="0" b="0"/>
-      </a:lnRef>
-      <a:fillRef idx="2">
-        <a:scrgbClr r="0" g="0" b="0"/>
-      </a:fillRef>
-      <a:effectRef idx="1">
-        <a:scrgbClr r="0" g="0" b="0"/>
-      </a:effectRef>
-      <a:fontRef idx="minor">
-        <a:schemeClr val="dk1"/>
-      </a:fontRef>
-    </dgm:style>
-  </dgm:styleLbl>
-  <dgm:styleLbl name="node2">
-    <dgm:scene3d>
-      <a:camera prst="orthographicFront"/>
-      <a:lightRig rig="flat" dir="t"/>
-    </dgm:scene3d>
-    <dgm:sp3d prstMaterial="dkEdge">
-      <a:bevelT w="8200" h="38100"/>
-    </dgm:sp3d>
-    <dgm:txPr/>
-    <dgm:style>
-      <a:lnRef idx="0">
-        <a:scrgbClr r="0" g="0" b="0"/>
-      </a:lnRef>
-      <a:fillRef idx="2">
-        <a:scrgbClr r="0" g="0" b="0"/>
-      </a:fillRef>
-      <a:effectRef idx="1">
-        <a:scrgbClr r="0" g="0" b="0"/>
-      </a:effectRef>
-      <a:fontRef idx="minor">
-        <a:schemeClr val="dk1"/>
-      </a:fontRef>
-    </dgm:style>
-  </dgm:styleLbl>
-  <dgm:styleLbl name="node3">
-    <dgm:scene3d>
-      <a:camera prst="orthographicFront"/>
-      <a:lightRig rig="flat" dir="t"/>
-    </dgm:scene3d>
-    <dgm:sp3d prstMaterial="dkEdge">
-      <a:bevelT w="8200" h="38100"/>
-    </dgm:sp3d>
-    <dgm:txPr/>
-    <dgm:style>
-      <a:lnRef idx="0">
-        <a:scrgbClr r="0" g="0" b="0"/>
-      </a:lnRef>
-      <a:fillRef idx="2">
-        <a:scrgbClr r="0" g="0" b="0"/>
-      </a:fillRef>
-      <a:effectRef idx="1">
-        <a:scrgbClr r="0" g="0" b="0"/>
-      </a:effectRef>
-      <a:fontRef idx="minor">
-        <a:schemeClr val="dk1"/>
-      </a:fontRef>
-    </dgm:style>
-  </dgm:styleLbl>
-  <dgm:styleLbl name="node4">
-    <dgm:scene3d>
-      <a:camera prst="orthographicFront"/>
-      <a:lightRig rig="flat" dir="t"/>
-    </dgm:scene3d>
-    <dgm:sp3d prstMaterial="dkEdge">
-      <a:bevelT w="8200" h="38100"/>
-    </dgm:sp3d>
-    <dgm:txPr/>
-    <dgm:style>
-      <a:lnRef idx="0">
-        <a:scrgbClr r="0" g="0" b="0"/>
-      </a:lnRef>
-      <a:fillRef idx="2">
-        <a:scrgbClr r="0" g="0" b="0"/>
-      </a:fillRef>
-      <a:effectRef idx="1">
-        <a:scrgbClr r="0" g="0" b="0"/>
-      </a:effectRef>
-      <a:fontRef idx="minor">
-        <a:schemeClr val="dk1"/>
-      </a:fontRef>
-    </dgm:style>
-  </dgm:styleLbl>
-  <dgm:styleLbl name="fgImgPlace1">
-    <dgm:scene3d>
-      <a:camera prst="orthographicFront"/>
-      <a:lightRig rig="threePt" dir="t"/>
-    </dgm:scene3d>
-    <dgm:sp3d/>
-    <dgm:txPr/>
-    <dgm:style>
-      <a:lnRef idx="1">
-        <a:scrgbClr r="0" g="0" b="0"/>
-      </a:lnRef>
-      <a:fillRef idx="1">
-        <a:scrgbClr r="0" g="0" b="0"/>
-      </a:fillRef>
-      <a:effectRef idx="1">
-        <a:scrgbClr r="0" g="0" b="0"/>
-      </a:effectRef>
-      <a:fontRef idx="minor"/>
-    </dgm:style>
-  </dgm:styleLbl>
-  <dgm:styleLbl name="alignImgPlace1">
-    <dgm:scene3d>
-      <a:camera prst="orthographicFront"/>
-      <a:lightRig rig="threePt" dir="t"/>
-    </dgm:scene3d>
-    <dgm:sp3d/>
-    <dgm:txPr/>
-    <dgm:style>
-      <a:lnRef idx="1">
-        <a:scrgbClr r="0" g="0" b="0"/>
-      </a:lnRef>
-      <a:fillRef idx="1">
-        <a:scrgbClr r="0" g="0" b="0"/>
-      </a:fillRef>
-      <a:effectRef idx="1">
-        <a:scrgbClr r="0" g="0" b="0"/>
-      </a:effectRef>
-      <a:fontRef idx="minor"/>
-    </dgm:style>
-  </dgm:styleLbl>
-  <dgm:styleLbl name="bgImgPlace1">
-    <dgm:scene3d>
-      <a:camera prst="orthographicFront"/>
-      <a:lightRig rig="threePt" dir="t"/>
-    </dgm:scene3d>
-    <dgm:sp3d/>
-    <dgm:txPr/>
-    <dgm:style>
-      <a:lnRef idx="1">
-        <a:scrgbClr r="0" g="0" b="0"/>
-      </a:lnRef>
-      <a:fillRef idx="1">
-        <a:scrgbClr r="0" g="0" b="0"/>
-      </a:fillRef>
-      <a:effectRef idx="1">
-        <a:scrgbClr r="0" g="0" b="0"/>
-      </a:effectRef>
-      <a:fontRef idx="minor"/>
-    </dgm:style>
-  </dgm:styleLbl>
-  <dgm:styleLbl name="sibTrans2D1">
-    <dgm:scene3d>
-      <a:camera prst="orthographicFront"/>
-      <a:lightRig rig="threePt" dir="t"/>
-    </dgm:scene3d>
-    <dgm:sp3d/>
-    <dgm:txPr/>
-    <dgm:style>
-      <a:lnRef idx="0">
-        <a:scrgbClr r="0" g="0" b="0"/>
-      </a:lnRef>
-      <a:fillRef idx="2">
-        <a:scrgbClr r="0" g="0" b="0"/>
-      </a:fillRef>
-      <a:effectRef idx="1">
-        <a:scrgbClr r="0" g="0" b="0"/>
-      </a:effectRef>
-      <a:fontRef idx="minor">
-        <a:schemeClr val="dk1"/>
-      </a:fontRef>
-    </dgm:style>
-  </dgm:styleLbl>
-  <dgm:styleLbl name="fgSibTrans2D1">
-    <dgm:scene3d>
-      <a:camera prst="orthographicFront"/>
-      <a:lightRig rig="threePt" dir="t"/>
-    </dgm:scene3d>
-    <dgm:sp3d/>
-    <dgm:txPr/>
-    <dgm:style>
-      <a:lnRef idx="0">
-        <a:scrgbClr r="0" g="0" b="0"/>
-      </a:lnRef>
-      <a:fillRef idx="2">
-        <a:scrgbClr r="0" g="0" b="0"/>
-      </a:fillRef>
-      <a:effectRef idx="1">
-        <a:scrgbClr r="0" g="0" b="0"/>
-      </a:effectRef>
-      <a:fontRef idx="minor">
-        <a:schemeClr val="dk1"/>
-      </a:fontRef>
-    </dgm:style>
-  </dgm:styleLbl>
-  <dgm:styleLbl name="bgSibTrans2D1">
-    <dgm:scene3d>
-      <a:camera prst="orthographicFront"/>
-      <a:lightRig rig="threePt" dir="t"/>
-    </dgm:scene3d>
-    <dgm:sp3d/>
-    <dgm:txPr/>
-    <dgm:style>
-      <a:lnRef idx="0">
-        <a:scrgbClr r="0" g="0" b="0"/>
-      </a:lnRef>
-      <a:fillRef idx="2">
-        <a:scrgbClr r="0" g="0" b="0"/>
-      </a:fillRef>
-      <a:effectRef idx="1">
-        <a:scrgbClr r="0" g="0" b="0"/>
-      </a:effectRef>
-      <a:fontRef idx="minor">
-        <a:schemeClr val="dk1"/>
-      </a:fontRef>
-    </dgm:style>
-  </dgm:styleLbl>
-  <dgm:styleLbl name="sibTrans1D1">
-    <dgm:scene3d>
-      <a:camera prst="orthographicFront"/>
-      <a:lightRig rig="threePt" dir="t"/>
-    </dgm:scene3d>
-    <dgm:sp3d/>
-    <dgm:txPr/>
-    <dgm:style>
-      <a:lnRef idx="1">
-        <a:scrgbClr r="0" g="0" b="0"/>
-      </a:lnRef>
-      <a:fillRef idx="0">
-        <a:scrgbClr r="0" g="0" b="0"/>
-      </a:fillRef>
-      <a:effectRef idx="0">
-        <a:scrgbClr r="0" g="0" b="0"/>
-      </a:effectRef>
-      <a:fontRef idx="minor"/>
-    </dgm:style>
-  </dgm:styleLbl>
-  <dgm:styleLbl name="callout">
-    <dgm:scene3d>
-      <a:camera prst="orthographicFront"/>
-      <a:lightRig rig="threePt" dir="t"/>
-    </dgm:scene3d>
-    <dgm:sp3d/>
-    <dgm:txPr/>
-    <dgm:style>
-      <a:lnRef idx="1">
-        <a:scrgbClr r="0" g="0" b="0"/>
-      </a:lnRef>
-      <a:fillRef idx="2">
-        <a:scrgbClr r="0" g="0" b="0"/>
-      </a:fillRef>
-      <a:effectRef idx="1">
-        <a:scrgbClr r="0" g="0" b="0"/>
-      </a:effectRef>
-      <a:fontRef idx="minor"/>
-    </dgm:style>
-  </dgm:styleLbl>
-  <dgm:styleLbl name="asst0">
-    <dgm:scene3d>
-      <a:camera prst="orthographicFront"/>
-      <a:lightRig rig="flat" dir="t"/>
-    </dgm:scene3d>
-    <dgm:sp3d prstMaterial="dkEdge">
-      <a:bevelT w="8200" h="38100"/>
-    </dgm:sp3d>
-    <dgm:txPr/>
-    <dgm:style>
-      <a:lnRef idx="0">
-        <a:scrgbClr r="0" g="0" b="0"/>
-      </a:lnRef>
-      <a:fillRef idx="2">
-        <a:scrgbClr r="0" g="0" b="0"/>
-      </a:fillRef>
-      <a:effectRef idx="1">
-        <a:scrgbClr r="0" g="0" b="0"/>
-      </a:effectRef>
-      <a:fontRef idx="minor">
-        <a:schemeClr val="dk1"/>
-      </a:fontRef>
-    </dgm:style>
-  </dgm:styleLbl>
-  <dgm:styleLbl name="asst1">
-    <dgm:scene3d>
-      <a:camera prst="orthographicFront"/>
-      <a:lightRig rig="flat" dir="t"/>
-    </dgm:scene3d>
-    <dgm:sp3d prstMaterial="dkEdge">
-      <a:bevelT w="8200" h="38100"/>
-    </dgm:sp3d>
-    <dgm:txPr/>
-    <dgm:style>
-      <a:lnRef idx="0">
-        <a:scrgbClr r="0" g="0" b="0"/>
-      </a:lnRef>
-      <a:fillRef idx="2">
-        <a:scrgbClr r="0" g="0" b="0"/>
-      </a:fillRef>
-      <a:effectRef idx="1">
-        <a:scrgbClr r="0" g="0" b="0"/>
-      </a:effectRef>
-      <a:fontRef idx="minor">
-        <a:schemeClr val="dk1"/>
-      </a:fontRef>
-    </dgm:style>
-  </dgm:styleLbl>
-  <dgm:styleLbl name="asst2">
-    <dgm:scene3d>
-      <a:camera prst="orthographicFront"/>
-      <a:lightRig rig="flat" dir="t"/>
-    </dgm:scene3d>
-    <dgm:sp3d prstMaterial="dkEdge">
-      <a:bevelT w="8200" h="38100"/>
-    </dgm:sp3d>
-    <dgm:txPr/>
-    <dgm:style>
-      <a:lnRef idx="0">
-        <a:scrgbClr r="0" g="0" b="0"/>
-      </a:lnRef>
-      <a:fillRef idx="2">
-        <a:scrgbClr r="0" g="0" b="0"/>
-      </a:fillRef>
-      <a:effectRef idx="1">
-        <a:scrgbClr r="0" g="0" b="0"/>
-      </a:effectRef>
-      <a:fontRef idx="minor">
-        <a:schemeClr val="dk1"/>
-      </a:fontRef>
-    </dgm:style>
-  </dgm:styleLbl>
-  <dgm:styleLbl name="asst3">
-    <dgm:scene3d>
-      <a:camera prst="orthographicFront"/>
-      <a:lightRig rig="flat" dir="t"/>
-    </dgm:scene3d>
-    <dgm:sp3d prstMaterial="dkEdge">
-      <a:bevelT w="8200" h="38100"/>
-    </dgm:sp3d>
-    <dgm:txPr/>
-    <dgm:style>
-      <a:lnRef idx="0">
-        <a:scrgbClr r="0" g="0" b="0"/>
-      </a:lnRef>
-      <a:fillRef idx="2">
-        <a:scrgbClr r="0" g="0" b="0"/>
-      </a:fillRef>
-      <a:effectRef idx="1">
-        <a:scrgbClr r="0" g="0" b="0"/>
-      </a:effectRef>
-      <a:fontRef idx="minor">
-        <a:schemeClr val="dk1"/>
-      </a:fontRef>
-    </dgm:style>
-  </dgm:styleLbl>
-  <dgm:styleLbl name="asst4">
-    <dgm:scene3d>
-      <a:camera prst="orthographicFront"/>
-      <a:lightRig rig="flat" dir="t"/>
-    </dgm:scene3d>
-    <dgm:sp3d prstMaterial="dkEdge">
-      <a:bevelT w="8200" h="38100"/>
-    </dgm:sp3d>
-    <dgm:txPr/>
-    <dgm:style>
-      <a:lnRef idx="0">
-        <a:scrgbClr r="0" g="0" b="0"/>
-      </a:lnRef>
-      <a:fillRef idx="2">
-        <a:scrgbClr r="0" g="0" b="0"/>
-      </a:fillRef>
-      <a:effectRef idx="1">
-        <a:scrgbClr r="0" g="0" b="0"/>
-      </a:effectRef>
-      <a:fontRef idx="minor">
-        <a:schemeClr val="dk1"/>
-      </a:fontRef>
-    </dgm:style>
-  </dgm:styleLbl>
-  <dgm:styleLbl name="parChTrans2D1">
-    <dgm:scene3d>
-      <a:camera prst="orthographicFront"/>
-      <a:lightRig rig="threePt" dir="t"/>
-    </dgm:scene3d>
-    <dgm:sp3d/>
-    <dgm:txPr/>
-    <dgm:style>
-      <a:lnRef idx="1">
-        <a:scrgbClr r="0" g="0" b="0"/>
-      </a:lnRef>
-      <a:fillRef idx="2">
-        <a:scrgbClr r="0" g="0" b="0"/>
-      </a:fillRef>
-      <a:effectRef idx="1">
-        <a:scrgbClr r="0" g="0" b="0"/>
-      </a:effectRef>
-      <a:fontRef idx="minor">
-        <a:schemeClr val="dk1"/>
-      </a:fontRef>
-    </dgm:style>
-  </dgm:styleLbl>
-  <dgm:styleLbl name="parChTrans2D2">
-    <dgm:scene3d>
-      <a:camera prst="orthographicFront"/>
-      <a:lightRig rig="threePt" dir="t"/>
-    </dgm:scene3d>
-    <dgm:sp3d/>
-    <dgm:txPr/>
-    <dgm:style>
-      <a:lnRef idx="1">
-        <a:scrgbClr r="0" g="0" b="0"/>
-      </a:lnRef>
-      <a:fillRef idx="2">
-        <a:scrgbClr r="0" g="0" b="0"/>
-      </a:fillRef>
-      <a:effectRef idx="1">
-        <a:scrgbClr r="0" g="0" b="0"/>
-      </a:effectRef>
-      <a:fontRef idx="minor">
-        <a:schemeClr val="dk1"/>
-      </a:fontRef>
-    </dgm:style>
-  </dgm:styleLbl>
-  <dgm:styleLbl name="parChTrans2D3">
-    <dgm:scene3d>
-      <a:camera prst="orthographicFront"/>
-      <a:lightRig rig="threePt" dir="t"/>
-    </dgm:scene3d>
-    <dgm:sp3d/>
-    <dgm:txPr/>
-    <dgm:style>
-      <a:lnRef idx="1">
-        <a:scrgbClr r="0" g="0" b="0"/>
-      </a:lnRef>
-      <a:fillRef idx="2">
-        <a:scrgbClr r="0" g="0" b="0"/>
-      </a:fillRef>
-      <a:effectRef idx="1">
-        <a:scrgbClr r="0" g="0" b="0"/>
-      </a:effectRef>
-      <a:fontRef idx="minor">
-        <a:schemeClr val="dk1"/>
-      </a:fontRef>
-    </dgm:style>
-  </dgm:styleLbl>
-  <dgm:styleLbl name="parChTrans2D4">
-    <dgm:scene3d>
-      <a:camera prst="orthographicFront"/>
-      <a:lightRig rig="threePt" dir="t"/>
-    </dgm:scene3d>
-    <dgm:sp3d/>
-    <dgm:txPr/>
-    <dgm:style>
-      <a:lnRef idx="1">
-        <a:scrgbClr r="0" g="0" b="0"/>
-      </a:lnRef>
-      <a:fillRef idx="2">
-        <a:scrgbClr r="0" g="0" b="0"/>
-      </a:fillRef>
-      <a:effectRef idx="1">
-        <a:scrgbClr r="0" g="0" b="0"/>
-      </a:effectRef>
-      <a:fontRef idx="minor">
-        <a:schemeClr val="dk1"/>
-      </a:fontRef>
-    </dgm:style>
-  </dgm:styleLbl>
-  <dgm:styleLbl name="parChTrans1D1">
-    <dgm:scene3d>
-      <a:camera prst="orthographicFront"/>
-      <a:lightRig rig="threePt" dir="t"/>
-    </dgm:scene3d>
-    <dgm:sp3d/>
-    <dgm:txPr/>
-    <dgm:style>
-      <a:lnRef idx="2">
-        <a:scrgbClr r="0" g="0" b="0"/>
-      </a:lnRef>
-      <a:fillRef idx="0">
-        <a:scrgbClr r="0" g="0" b="0"/>
-      </a:fillRef>
-      <a:effectRef idx="0">
-        <a:scrgbClr r="0" g="0" b="0"/>
-      </a:effectRef>
-      <a:fontRef idx="minor"/>
-    </dgm:style>
-  </dgm:styleLbl>
-  <dgm:styleLbl name="parChTrans1D2">
-    <dgm:scene3d>
-      <a:camera prst="orthographicFront"/>
-      <a:lightRig rig="threePt" dir="t"/>
-    </dgm:scene3d>
-    <dgm:sp3d/>
-    <dgm:txPr/>
-    <dgm:style>
-      <a:lnRef idx="2">
-        <a:scrgbClr r="0" g="0" b="0"/>
-      </a:lnRef>
-      <a:fillRef idx="0">
-        <a:scrgbClr r="0" g="0" b="0"/>
-      </a:fillRef>
-      <a:effectRef idx="0">
-        <a:scrgbClr r="0" g="0" b="0"/>
-      </a:effectRef>
-      <a:fontRef idx="minor"/>
-    </dgm:style>
-  </dgm:styleLbl>
-  <dgm:styleLbl name="parChTrans1D3">
-    <dgm:scene3d>
-      <a:camera prst="orthographicFront"/>
-      <a:lightRig rig="threePt" dir="t"/>
-    </dgm:scene3d>
-    <dgm:sp3d/>
-    <dgm:txPr/>
-    <dgm:style>
-      <a:lnRef idx="2">
-        <a:scrgbClr r="0" g="0" b="0"/>
-      </a:lnRef>
-      <a:fillRef idx="0">
-        <a:scrgbClr r="0" g="0" b="0"/>
-      </a:fillRef>
-      <a:effectRef idx="0">
-        <a:scrgbClr r="0" g="0" b="0"/>
-      </a:effectRef>
-      <a:fontRef idx="minor"/>
-    </dgm:style>
-  </dgm:styleLbl>
-  <dgm:styleLbl name="parChTrans1D4">
-    <dgm:scene3d>
-      <a:camera prst="orthographicFront"/>
-      <a:lightRig rig="threePt" dir="t"/>
-    </dgm:scene3d>
-    <dgm:sp3d/>
-    <dgm:txPr/>
-    <dgm:style>
-      <a:lnRef idx="2">
-        <a:scrgbClr r="0" g="0" b="0"/>
-      </a:lnRef>
-      <a:fillRef idx="0">
-        <a:scrgbClr r="0" g="0" b="0"/>
-      </a:fillRef>
-      <a:effectRef idx="0">
-        <a:scrgbClr r="0" g="0" b="0"/>
-      </a:effectRef>
-      <a:fontRef idx="minor"/>
-    </dgm:style>
-  </dgm:styleLbl>
-  <dgm:styleLbl name="fgAcc1">
-    <dgm:scene3d>
-      <a:camera prst="orthographicFront"/>
-      <a:lightRig rig="threePt" dir="t"/>
-    </dgm:scene3d>
-    <dgm:sp3d/>
-    <dgm:txPr/>
-    <dgm:style>
-      <a:lnRef idx="1">
-        <a:scrgbClr r="0" g="0" b="0"/>
-      </a:lnRef>
-      <a:fillRef idx="1">
-        <a:scrgbClr r="0" g="0" b="0"/>
-      </a:fillRef>
-      <a:effectRef idx="0">
-        <a:scrgbClr r="0" g="0" b="0"/>
-      </a:effectRef>
-      <a:fontRef idx="minor"/>
-    </dgm:style>
-  </dgm:styleLbl>
-  <dgm:styleLbl name="conFgAcc1">
-    <dgm:scene3d>
-      <a:camera prst="orthographicFront"/>
-      <a:lightRig rig="threePt" dir="t"/>
-    </dgm:scene3d>
-    <dgm:sp3d/>
-    <dgm:txPr/>
-    <dgm:style>
-      <a:lnRef idx="1">
-        <a:scrgbClr r="0" g="0" b="0"/>
-      </a:lnRef>
-      <a:fillRef idx="1">
-        <a:scrgbClr r="0" g="0" b="0"/>
-      </a:fillRef>
-      <a:effectRef idx="0">
-        <a:scrgbClr r="0" g="0" b="0"/>
-      </a:effectRef>
-      <a:fontRef idx="minor"/>
-    </dgm:style>
-  </dgm:styleLbl>
-  <dgm:styleLbl name="alignAcc1">
-    <dgm:scene3d>
-      <a:camera prst="orthographicFront"/>
-      <a:lightRig rig="threePt" dir="t"/>
-    </dgm:scene3d>
-    <dgm:sp3d/>
-    <dgm:txPr/>
-    <dgm:style>
-      <a:lnRef idx="1">
-        <a:scrgbClr r="0" g="0" b="0"/>
-      </a:lnRef>
-      <a:fillRef idx="1">
-        <a:scrgbClr r="0" g="0" b="0"/>
-      </a:fillRef>
-      <a:effectRef idx="0">
-        <a:scrgbClr r="0" g="0" b="0"/>
-      </a:effectRef>
-      <a:fontRef idx="minor"/>
-    </dgm:style>
-  </dgm:styleLbl>
-  <dgm:styleLbl name="trAlignAcc1">
-    <dgm:scene3d>
-      <a:camera prst="orthographicFront"/>
-      <a:lightRig rig="threePt" dir="t"/>
-    </dgm:scene3d>
-    <dgm:sp3d/>
-    <dgm:txPr/>
-    <dgm:style>
-      <a:lnRef idx="1">
-        <a:scrgbClr r="0" g="0" b="0"/>
-      </a:lnRef>
-      <a:fillRef idx="1">
-        <a:scrgbClr r="0" g="0" b="0"/>
-      </a:fillRef>
-      <a:effectRef idx="0">
-        <a:scrgbClr r="0" g="0" b="0"/>
-      </a:effectRef>
-      <a:fontRef idx="minor"/>
-    </dgm:style>
-  </dgm:styleLbl>
-  <dgm:styleLbl name="bgAcc1">
-    <dgm:scene3d>
-      <a:camera prst="orthographicFront"/>
-      <a:lightRig rig="threePt" dir="t"/>
-    </dgm:scene3d>
-    <dgm:sp3d/>
-    <dgm:txPr/>
-    <dgm:style>
-      <a:lnRef idx="1">
-        <a:scrgbClr r="0" g="0" b="0"/>
-      </a:lnRef>
-      <a:fillRef idx="1">
-        <a:scrgbClr r="0" g="0" b="0"/>
-      </a:fillRef>
-      <a:effectRef idx="0">
-        <a:scrgbClr r="0" g="0" b="0"/>
-      </a:effectRef>
-      <a:fontRef idx="minor"/>
-    </dgm:style>
-  </dgm:styleLbl>
-  <dgm:styleLbl name="solidFgAcc1">
-    <dgm:scene3d>
-      <a:camera prst="orthographicFront"/>
-      <a:lightRig rig="threePt" dir="t"/>
-    </dgm:scene3d>
-    <dgm:sp3d/>
-    <dgm:txPr/>
-    <dgm:style>
-      <a:lnRef idx="1">
-        <a:scrgbClr r="0" g="0" b="0"/>
-      </a:lnRef>
-      <a:fillRef idx="2">
-        <a:scrgbClr r="0" g="0" b="0"/>
-      </a:fillRef>
-      <a:effectRef idx="0">
-        <a:scrgbClr r="0" g="0" b="0"/>
-      </a:effectRef>
-      <a:fontRef idx="minor"/>
-    </dgm:style>
-  </dgm:styleLbl>
-  <dgm:styleLbl name="solidAlignAcc1">
-    <dgm:scene3d>
-      <a:camera prst="orthographicFront"/>
-      <a:lightRig rig="threePt" dir="t"/>
-    </dgm:scene3d>
-    <dgm:sp3d/>
-    <dgm:txPr/>
-    <dgm:style>
-      <a:lnRef idx="1">
-        <a:scrgbClr r="0" g="0" b="0"/>
-      </a:lnRef>
-      <a:fillRef idx="1">
-        <a:scrgbClr r="0" g="0" b="0"/>
-      </a:fillRef>
-      <a:effectRef idx="0">
-        <a:scrgbClr r="0" g="0" b="0"/>
-      </a:effectRef>
-      <a:fontRef idx="minor"/>
-    </dgm:style>
-  </dgm:styleLbl>
-  <dgm:styleLbl name="solidBgAcc1">
-    <dgm:scene3d>
-      <a:camera prst="orthographicFront"/>
-      <a:lightRig rig="threePt" dir="t"/>
-    </dgm:scene3d>
-    <dgm:sp3d/>
-    <dgm:txPr/>
-    <dgm:style>
-      <a:lnRef idx="1">
-        <a:scrgbClr r="0" g="0" b="0"/>
-      </a:lnRef>
-      <a:fillRef idx="1">
-        <a:scrgbClr r="0" g="0" b="0"/>
-      </a:fillRef>
-      <a:effectRef idx="0">
-        <a:scrgbClr r="0" g="0" b="0"/>
-      </a:effectRef>
-      <a:fontRef idx="minor"/>
-    </dgm:style>
-  </dgm:styleLbl>
-  <dgm:styleLbl name="fgAccFollowNode1">
-    <dgm:scene3d>
-      <a:camera prst="orthographicFront"/>
-      <a:lightRig rig="threePt" dir="t"/>
-    </dgm:scene3d>
-    <dgm:sp3d/>
-    <dgm:txPr/>
-    <dgm:style>
-      <a:lnRef idx="1">
-        <a:scrgbClr r="0" g="0" b="0"/>
-      </a:lnRef>
-      <a:fillRef idx="1">
-        <a:scrgbClr r="0" g="0" b="0"/>
-      </a:fillRef>
-      <a:effectRef idx="0">
-        <a:scrgbClr r="0" g="0" b="0"/>
-      </a:effectRef>
-      <a:fontRef idx="minor"/>
-    </dgm:style>
-  </dgm:styleLbl>
-  <dgm:styleLbl name="alignAccFollowNode1">
-    <dgm:scene3d>
-      <a:camera prst="orthographicFront"/>
-      <a:lightRig rig="threePt" dir="t"/>
-    </dgm:scene3d>
-    <dgm:sp3d/>
-    <dgm:txPr/>
-    <dgm:style>
-      <a:lnRef idx="1">
-        <a:scrgbClr r="0" g="0" b="0"/>
-      </a:lnRef>
-      <a:fillRef idx="1">
-        <a:scrgbClr r="0" g="0" b="0"/>
-      </a:fillRef>
-      <a:effectRef idx="0">
-        <a:scrgbClr r="0" g="0" b="0"/>
-      </a:effectRef>
-      <a:fontRef idx="minor"/>
-    </dgm:style>
-  </dgm:styleLbl>
-  <dgm:styleLbl name="bgAccFollowNode1">
-    <dgm:scene3d>
-      <a:camera prst="orthographicFront"/>
-      <a:lightRig rig="threePt" dir="t"/>
-    </dgm:scene3d>
-    <dgm:sp3d/>
-    <dgm:txPr/>
-    <dgm:style>
-      <a:lnRef idx="1">
-        <a:scrgbClr r="0" g="0" b="0"/>
-      </a:lnRef>
-      <a:fillRef idx="1">
-        <a:scrgbClr r="0" g="0" b="0"/>
-      </a:fillRef>
-      <a:effectRef idx="0">
-        <a:scrgbClr r="0" g="0" b="0"/>
-      </a:effectRef>
-      <a:fontRef idx="minor"/>
-    </dgm:style>
-  </dgm:styleLbl>
-  <dgm:styleLbl name="fgAcc0">
-    <dgm:scene3d>
-      <a:camera prst="orthographicFront"/>
-      <a:lightRig rig="threePt" dir="t"/>
-    </dgm:scene3d>
-    <dgm:sp3d/>
-    <dgm:txPr/>
-    <dgm:style>
-      <a:lnRef idx="1">
-        <a:scrgbClr r="0" g="0" b="0"/>
-      </a:lnRef>
-      <a:fillRef idx="1">
-        <a:scrgbClr r="0" g="0" b="0"/>
-      </a:fillRef>
-      <a:effectRef idx="0">
-        <a:scrgbClr r="0" g="0" b="0"/>
-      </a:effectRef>
-      <a:fontRef idx="minor"/>
-    </dgm:style>
-  </dgm:styleLbl>
-  <dgm:styleLbl name="fgAcc2">
-    <dgm:scene3d>
-      <a:camera prst="orthographicFront"/>
-      <a:lightRig rig="threePt" dir="t"/>
-    </dgm:scene3d>
-    <dgm:sp3d/>
-    <dgm:txPr/>
-    <dgm:style>
-      <a:lnRef idx="1">
-        <a:scrgbClr r="0" g="0" b="0"/>
-      </a:lnRef>
-      <a:fillRef idx="1">
-        <a:scrgbClr r="0" g="0" b="0"/>
-      </a:fillRef>
-      <a:effectRef idx="0">
-        <a:scrgbClr r="0" g="0" b="0"/>
-      </a:effectRef>
-      <a:fontRef idx="minor"/>
-    </dgm:style>
-  </dgm:styleLbl>
-  <dgm:styleLbl name="fgAcc3">
-    <dgm:scene3d>
-      <a:camera prst="orthographicFront"/>
-      <a:lightRig rig="threePt" dir="t"/>
-    </dgm:scene3d>
-    <dgm:sp3d/>
-    <dgm:txPr/>
-    <dgm:style>
-      <a:lnRef idx="1">
-        <a:scrgbClr r="0" g="0" b="0"/>
-      </a:lnRef>
-      <a:fillRef idx="1">
-        <a:scrgbClr r="0" g="0" b="0"/>
-      </a:fillRef>
-      <a:effectRef idx="0">
-        <a:scrgbClr r="0" g="0" b="0"/>
-      </a:effectRef>
-      <a:fontRef idx="minor"/>
-    </dgm:style>
-  </dgm:styleLbl>
-  <dgm:styleLbl name="fgAcc4">
-    <dgm:scene3d>
-      <a:camera prst="orthographicFront"/>
-      <a:lightRig rig="threePt" dir="t"/>
-    </dgm:scene3d>
-    <dgm:sp3d/>
-    <dgm:txPr/>
-    <dgm:style>
-      <a:lnRef idx="1">
-        <a:scrgbClr r="0" g="0" b="0"/>
-      </a:lnRef>
-      <a:fillRef idx="1">
-        <a:scrgbClr r="0" g="0" b="0"/>
-      </a:fillRef>
-      <a:effectRef idx="0">
-        <a:scrgbClr r="0" g="0" b="0"/>
-      </a:effectRef>
-      <a:fontRef idx="minor"/>
-    </dgm:style>
-  </dgm:styleLbl>
-  <dgm:styleLbl name="bgShp">
-    <dgm:scene3d>
-      <a:camera prst="orthographicFront"/>
-      <a:lightRig rig="threePt" dir="t"/>
-    </dgm:scene3d>
-    <dgm:sp3d/>
-    <dgm:txPr/>
-    <dgm:style>
-      <a:lnRef idx="0">
-        <a:scrgbClr r="0" g="0" b="0"/>
-      </a:lnRef>
-      <a:fillRef idx="1">
-        <a:scrgbClr r="0" g="0" b="0"/>
-      </a:fillRef>
-      <a:effectRef idx="1">
-        <a:scrgbClr r="0" g="0" b="0"/>
-      </a:effectRef>
-      <a:fontRef idx="minor"/>
-    </dgm:style>
-  </dgm:styleLbl>
-  <dgm:styleLbl name="dkBgShp">
-    <dgm:scene3d>
-      <a:camera prst="orthographicFront"/>
-      <a:lightRig rig="threePt" dir="t"/>
-    </dgm:scene3d>
-    <dgm:sp3d/>
-    <dgm:txPr/>
-    <dgm:style>
-      <a:lnRef idx="0">
-        <a:scrgbClr r="0" g="0" b="0"/>
-      </a:lnRef>
-      <a:fillRef idx="1">
-        <a:scrgbClr r="0" g="0" b="0"/>
-      </a:fillRef>
-      <a:effectRef idx="1">
-        <a:scrgbClr r="0" g="0" b="0"/>
-      </a:effectRef>
-      <a:fontRef idx="minor"/>
-    </dgm:style>
-  </dgm:styleLbl>
-  <dgm:styleLbl name="trBgShp">
-    <dgm:scene3d>
-      <a:camera prst="orthographicFront"/>
-      <a:lightRig rig="threePt" dir="t"/>
-    </dgm:scene3d>
-    <dgm:sp3d/>
-    <dgm:txPr/>
-    <dgm:style>
-      <a:lnRef idx="0">
-        <a:scrgbClr r="0" g="0" b="0"/>
-      </a:lnRef>
-      <a:fillRef idx="1">
-        <a:scrgbClr r="0" g="0" b="0"/>
-      </a:fillRef>
-      <a:effectRef idx="0">
-        <a:scrgbClr r="0" g="0" b="0"/>
-      </a:effectRef>
-      <a:fontRef idx="minor"/>
-    </dgm:style>
-  </dgm:styleLbl>
-  <dgm:styleLbl name="fgShp">
-    <dgm:scene3d>
-      <a:camera prst="orthographicFront"/>
-      <a:lightRig rig="flat" dir="t"/>
-    </dgm:scene3d>
-    <dgm:sp3d prstMaterial="dkEdge">
-      <a:bevelT w="8200" h="38100"/>
-    </dgm:sp3d>
-    <dgm:txPr/>
-    <dgm:style>
-      <a:lnRef idx="1">
-        <a:scrgbClr r="0" g="0" b="0"/>
-      </a:lnRef>
-      <a:fillRef idx="2">
-        <a:scrgbClr r="0" g="0" b="0"/>
-      </a:fillRef>
-      <a:effectRef idx="1">
         <a:scrgbClr r="0" g="0" b="0"/>
       </a:effectRef>
       <a:fontRef idx="minor"/>
@@ -13676,6 +13767,109 @@
           <a:chExt cx="0" cy="0"/>
         </a:xfrm>
       </p:grpSpPr>
+      <p:grpSp>
+        <p:nvGrpSpPr>
+          <p:cNvPr id="4" name="Group 3"/>
+          <p:cNvGrpSpPr/>
+          <p:nvPr/>
+        </p:nvGrpSpPr>
+        <p:grpSpPr>
+          <a:xfrm>
+            <a:off x="344907" y="642876"/>
+            <a:ext cx="9766921" cy="5676127"/>
+            <a:chOff x="344907" y="642876"/>
+            <a:chExt cx="9766921" cy="5676127"/>
+          </a:xfrm>
+        </p:grpSpPr>
+        <p:graphicFrame>
+          <p:nvGraphicFramePr>
+            <p:cNvPr id="2" name="Diagram 1"/>
+            <p:cNvGraphicFramePr/>
+            <p:nvPr>
+              <p:extLst>
+                <p:ext uri="{D42A27DB-BD31-4B8C-83A1-F6EECF244321}">
+                  <p14:modId xmlns:p14="http://schemas.microsoft.com/office/powerpoint/2010/main" val="4023965110"/>
+                </p:ext>
+              </p:extLst>
+            </p:nvPr>
+          </p:nvGraphicFramePr>
+          <p:xfrm>
+            <a:off x="344907" y="642876"/>
+            <a:ext cx="9766921" cy="5676127"/>
+          </p:xfrm>
+          <a:graphic>
+            <a:graphicData uri="http://schemas.openxmlformats.org/drawingml/2006/diagram">
+              <dgm:relIds xmlns:dgm="http://schemas.openxmlformats.org/drawingml/2006/diagram" xmlns:r="http://schemas.openxmlformats.org/officeDocument/2006/relationships" r:dm="rId2" r:lo="rId3" r:qs="rId4" r:cs="rId5"/>
+            </a:graphicData>
+          </a:graphic>
+        </p:graphicFrame>
+        <p:sp>
+          <p:nvSpPr>
+            <p:cNvPr id="3" name="TextBox 2"/>
+            <p:cNvSpPr txBox="1"/>
+            <p:nvPr/>
+          </p:nvSpPr>
+          <p:spPr>
+            <a:xfrm>
+              <a:off x="4040397" y="3097031"/>
+              <a:ext cx="2555459" cy="523220"/>
+            </a:xfrm>
+            <a:prstGeom prst="rect">
+              <a:avLst/>
+            </a:prstGeom>
+            <a:noFill/>
+          </p:spPr>
+          <p:txBody>
+            <a:bodyPr wrap="square" rtlCol="0">
+              <a:spAutoFit/>
+            </a:bodyPr>
+            <a:lstStyle/>
+            <a:p>
+              <a:r>
+                <a:rPr lang="en-US" sz="2800" b="1" dirty="0" err="1" smtClean="0">
+                  <a:latin typeface="Helvetica"/>
+                  <a:cs typeface="Helvetica"/>
+                </a:rPr>
+                <a:t>UseDevOps</a:t>
+              </a:r>
+              <a:endParaRPr lang="en-US" sz="2800" b="1" dirty="0" smtClean="0">
+                <a:latin typeface="Helvetica"/>
+                <a:cs typeface="Helvetica"/>
+              </a:endParaRPr>
+            </a:p>
+          </p:txBody>
+        </p:sp>
+      </p:grpSp>
+    </p:spTree>
+    <p:extLst>
+      <p:ext uri="{BB962C8B-B14F-4D97-AF65-F5344CB8AC3E}">
+        <p14:creationId xmlns:p14="http://schemas.microsoft.com/office/powerpoint/2010/main" val="1158048265"/>
+      </p:ext>
+    </p:extLst>
+  </p:cSld>
+  <p:clrMapOvr>
+    <a:masterClrMapping/>
+  </p:clrMapOvr>
+</p:sld>
+</file>
+
+<file path=ppt/slides/slide3.xml><?xml version="1.0" encoding="utf-8"?>
+<p:sld xmlns:a="http://schemas.openxmlformats.org/drawingml/2006/main" xmlns:r="http://schemas.openxmlformats.org/officeDocument/2006/relationships" xmlns:p="http://schemas.openxmlformats.org/presentationml/2006/main">
+  <p:cSld>
+    <p:spTree>
+      <p:nvGrpSpPr>
+        <p:cNvPr id="1" name=""/>
+        <p:cNvGrpSpPr/>
+        <p:nvPr/>
+      </p:nvGrpSpPr>
+      <p:grpSpPr>
+        <a:xfrm>
+          <a:off x="0" y="0"/>
+          <a:ext cx="0" cy="0"/>
+          <a:chOff x="0" y="0"/>
+          <a:chExt cx="0" cy="0"/>
+        </a:xfrm>
+      </p:grpSpPr>
       <p:graphicFrame>
         <p:nvGraphicFramePr>
           <p:cNvPr id="2" name="Diagram 1"/>
@@ -13830,58 +14024,6 @@
     <p:extLst>
       <p:ext uri="{BB962C8B-B14F-4D97-AF65-F5344CB8AC3E}">
         <p14:creationId xmlns:p14="http://schemas.microsoft.com/office/powerpoint/2010/main" val="193398841"/>
-      </p:ext>
-    </p:extLst>
-  </p:cSld>
-  <p:clrMapOvr>
-    <a:masterClrMapping/>
-  </p:clrMapOvr>
-</p:sld>
-</file>
-
-<file path=ppt/slides/slide3.xml><?xml version="1.0" encoding="utf-8"?>
-<p:sld xmlns:a="http://schemas.openxmlformats.org/drawingml/2006/main" xmlns:r="http://schemas.openxmlformats.org/officeDocument/2006/relationships" xmlns:p="http://schemas.openxmlformats.org/presentationml/2006/main">
-  <p:cSld>
-    <p:spTree>
-      <p:nvGrpSpPr>
-        <p:cNvPr id="1" name=""/>
-        <p:cNvGrpSpPr/>
-        <p:nvPr/>
-      </p:nvGrpSpPr>
-      <p:grpSpPr>
-        <a:xfrm>
-          <a:off x="0" y="0"/>
-          <a:ext cx="0" cy="0"/>
-          <a:chOff x="0" y="0"/>
-          <a:chExt cx="0" cy="0"/>
-        </a:xfrm>
-      </p:grpSpPr>
-      <p:graphicFrame>
-        <p:nvGraphicFramePr>
-          <p:cNvPr id="2" name="Diagram 1"/>
-          <p:cNvGraphicFramePr/>
-          <p:nvPr>
-            <p:extLst>
-              <p:ext uri="{D42A27DB-BD31-4B8C-83A1-F6EECF244321}">
-                <p14:modId xmlns:p14="http://schemas.microsoft.com/office/powerpoint/2010/main" val="2634210621"/>
-              </p:ext>
-            </p:extLst>
-          </p:nvPr>
-        </p:nvGraphicFramePr>
-        <p:xfrm>
-          <a:off x="9667" y="0"/>
-          <a:ext cx="9134333" cy="6858000"/>
-        </p:xfrm>
-        <a:graphic>
-          <a:graphicData uri="http://schemas.openxmlformats.org/drawingml/2006/diagram">
-            <dgm:relIds xmlns:dgm="http://schemas.openxmlformats.org/drawingml/2006/diagram" xmlns:r="http://schemas.openxmlformats.org/officeDocument/2006/relationships" r:dm="rId2" r:lo="rId3" r:qs="rId4" r:cs="rId5"/>
-          </a:graphicData>
-        </a:graphic>
-      </p:graphicFrame>
-    </p:spTree>
-    <p:extLst>
-      <p:ext uri="{BB962C8B-B14F-4D97-AF65-F5344CB8AC3E}">
-        <p14:creationId xmlns:p14="http://schemas.microsoft.com/office/powerpoint/2010/main" val="2274339896"/>
       </p:ext>
     </p:extLst>
   </p:cSld>
